--- a/Final.pptx
+++ b/Final.pptx
@@ -5,7 +5,7 @@
     <p:sldMasterId id="2147483724" r:id="rId4"/>
   </p:sldMasterIdLst>
   <p:notesMasterIdLst>
-    <p:notesMasterId r:id="rId29"/>
+    <p:notesMasterId r:id="rId28"/>
   </p:notesMasterIdLst>
   <p:sldIdLst>
     <p:sldId id="256" r:id="rId5"/>
@@ -29,9 +29,8 @@
     <p:sldId id="261" r:id="rId23"/>
     <p:sldId id="262" r:id="rId24"/>
     <p:sldId id="263" r:id="rId25"/>
-    <p:sldId id="354" r:id="rId26"/>
-    <p:sldId id="381" r:id="rId27"/>
-    <p:sldId id="382" r:id="rId28"/>
+    <p:sldId id="381" r:id="rId26"/>
+    <p:sldId id="382" r:id="rId27"/>
   </p:sldIdLst>
   <p:sldSz cx="12192000" cy="6858000"/>
   <p:notesSz cx="6858000" cy="9144000"/>
@@ -144,6 +143,80 @@
     <p1510:client id="{97312CED-9575-4606-A328-07082E28D64F}" v="16" dt="2022-12-01T19:42:24.670"/>
   </p1510:revLst>
 </p1510:revInfo>
+</file>
+
+<file path=ppt/changesInfos/changesInfo1.xml><?xml version="1.0" encoding="utf-8"?>
+<pc:chgInfo xmlns:a="http://schemas.openxmlformats.org/drawingml/2006/main" xmlns:r="http://schemas.openxmlformats.org/officeDocument/2006/relationships" xmlns:ac="http://schemas.microsoft.com/office/drawing/2013/main/command" xmlns:pc="http://schemas.microsoft.com/office/powerpoint/2013/main/command">
+  <pc:docChgLst>
+    <pc:chgData name="Vissapragada,Sai Tejaswee" userId="ac5152bd-e08b-42ef-87f5-6857be20e85f" providerId="ADAL" clId="{0A0D699B-55CC-4AFF-A214-105A7F160885}"/>
+    <pc:docChg chg="undo custSel delSld modSld">
+      <pc:chgData name="Vissapragada,Sai Tejaswee" userId="ac5152bd-e08b-42ef-87f5-6857be20e85f" providerId="ADAL" clId="{0A0D699B-55CC-4AFF-A214-105A7F160885}" dt="2022-12-01T19:53:11.250" v="57" actId="6549"/>
+      <pc:docMkLst>
+        <pc:docMk/>
+      </pc:docMkLst>
+      <pc:sldChg chg="modSp mod">
+        <pc:chgData name="Vissapragada,Sai Tejaswee" userId="ac5152bd-e08b-42ef-87f5-6857be20e85f" providerId="ADAL" clId="{0A0D699B-55CC-4AFF-A214-105A7F160885}" dt="2022-12-01T19:48:44.808" v="4" actId="20577"/>
+        <pc:sldMkLst>
+          <pc:docMk/>
+          <pc:sldMk cId="2442537970" sldId="341"/>
+        </pc:sldMkLst>
+        <pc:spChg chg="mod">
+          <ac:chgData name="Vissapragada,Sai Tejaswee" userId="ac5152bd-e08b-42ef-87f5-6857be20e85f" providerId="ADAL" clId="{0A0D699B-55CC-4AFF-A214-105A7F160885}" dt="2022-12-01T19:48:44.808" v="4" actId="20577"/>
+          <ac:spMkLst>
+            <pc:docMk/>
+            <pc:sldMk cId="2442537970" sldId="341"/>
+            <ac:spMk id="2" creationId="{A03556A8-306D-4AAD-A818-C5F7CD7DCAA6}"/>
+          </ac:spMkLst>
+        </pc:spChg>
+      </pc:sldChg>
+      <pc:sldChg chg="modSp mod">
+        <pc:chgData name="Vissapragada,Sai Tejaswee" userId="ac5152bd-e08b-42ef-87f5-6857be20e85f" providerId="ADAL" clId="{0A0D699B-55CC-4AFF-A214-105A7F160885}" dt="2022-12-01T19:53:11.250" v="57" actId="6549"/>
+        <pc:sldMkLst>
+          <pc:docMk/>
+          <pc:sldMk cId="3939176308" sldId="351"/>
+        </pc:sldMkLst>
+        <pc:spChg chg="mod">
+          <ac:chgData name="Vissapragada,Sai Tejaswee" userId="ac5152bd-e08b-42ef-87f5-6857be20e85f" providerId="ADAL" clId="{0A0D699B-55CC-4AFF-A214-105A7F160885}" dt="2022-12-01T19:52:51.067" v="56" actId="20577"/>
+          <ac:spMkLst>
+            <pc:docMk/>
+            <pc:sldMk cId="3939176308" sldId="351"/>
+            <ac:spMk id="2" creationId="{32E2E634-DDFF-4EE1-9D86-F940664BE3DC}"/>
+          </ac:spMkLst>
+        </pc:spChg>
+        <pc:spChg chg="mod">
+          <ac:chgData name="Vissapragada,Sai Tejaswee" userId="ac5152bd-e08b-42ef-87f5-6857be20e85f" providerId="ADAL" clId="{0A0D699B-55CC-4AFF-A214-105A7F160885}" dt="2022-12-01T19:53:11.250" v="57" actId="6549"/>
+          <ac:spMkLst>
+            <pc:docMk/>
+            <pc:sldMk cId="3939176308" sldId="351"/>
+            <ac:spMk id="5" creationId="{13BA4C93-B95F-41BF-A1C9-9216CE9854AF}"/>
+          </ac:spMkLst>
+        </pc:spChg>
+      </pc:sldChg>
+      <pc:sldChg chg="del">
+        <pc:chgData name="Vissapragada,Sai Tejaswee" userId="ac5152bd-e08b-42ef-87f5-6857be20e85f" providerId="ADAL" clId="{0A0D699B-55CC-4AFF-A214-105A7F160885}" dt="2022-12-01T19:51:33.405" v="5" actId="2696"/>
+        <pc:sldMkLst>
+          <pc:docMk/>
+          <pc:sldMk cId="3416718736" sldId="354"/>
+        </pc:sldMkLst>
+      </pc:sldChg>
+      <pc:sldChg chg="modSp mod">
+        <pc:chgData name="Vissapragada,Sai Tejaswee" userId="ac5152bd-e08b-42ef-87f5-6857be20e85f" providerId="ADAL" clId="{0A0D699B-55CC-4AFF-A214-105A7F160885}" dt="2022-12-01T19:48:37.383" v="0" actId="20577"/>
+        <pc:sldMkLst>
+          <pc:docMk/>
+          <pc:sldMk cId="1719887273" sldId="380"/>
+        </pc:sldMkLst>
+        <pc:spChg chg="mod">
+          <ac:chgData name="Vissapragada,Sai Tejaswee" userId="ac5152bd-e08b-42ef-87f5-6857be20e85f" providerId="ADAL" clId="{0A0D699B-55CC-4AFF-A214-105A7F160885}" dt="2022-12-01T19:48:37.383" v="0" actId="20577"/>
+          <ac:spMkLst>
+            <pc:docMk/>
+            <pc:sldMk cId="1719887273" sldId="380"/>
+            <ac:spMk id="2" creationId="{4163873F-2445-771F-7C3C-DB4B51C24BCA}"/>
+          </ac:spMkLst>
+        </pc:spChg>
+      </pc:sldChg>
+    </pc:docChg>
+  </pc:docChgLst>
+</pc:chgInfo>
 </file>
 
 <file path=ppt/notesMasters/notesMaster1.xml><?xml version="1.0" encoding="utf-8"?>
@@ -644,7 +717,7 @@
           <a:p>
             <a:fld id="{EDC17F1F-E773-4BAF-8FCE-005674C8D8EE}" type="slidenum">
               <a:rPr lang="en-US" smtClean="0"/>
-              <a:t>23</a:t>
+              <a:t>22</a:t>
             </a:fld>
             <a:endParaRPr lang="en-US"/>
           </a:p>
@@ -5275,7 +5348,7 @@
           <a:p>
             <a:r>
               <a:rPr lang="en-US" b="1" dirty="0"/>
-              <a:t>Reasons for not going with Methodology-1</a:t>
+              <a:t>What did not go well with Methodology-1</a:t>
             </a:r>
             <a:endParaRPr lang="en-US" dirty="0"/>
           </a:p>
@@ -5296,7 +5369,7 @@
         <p:spPr>
           <a:xfrm>
             <a:off x="282509" y="1698857"/>
-            <a:ext cx="11210925" cy="5201424"/>
+            <a:ext cx="11210925" cy="4832092"/>
           </a:xfrm>
           <a:prstGeom prst="rect">
             <a:avLst/>
@@ -5308,9 +5381,6 @@
             <a:spAutoFit/>
           </a:bodyPr>
           <a:lstStyle/>
-          <a:p>
-            <a:endParaRPr lang="en-US" sz="2400" dirty="0"/>
-          </a:p>
           <a:p>
             <a:pPr marL="342900" indent="-342900">
               <a:buFont typeface="Arial" panose="020B0604020202020204" pitchFamily="34" charset="0"/>
@@ -8703,124 +8773,6 @@
 <file path=ppt/slides/slide22.xml><?xml version="1.0" encoding="utf-8"?>
 <p:sld xmlns:a="http://schemas.openxmlformats.org/drawingml/2006/main" xmlns:r="http://schemas.openxmlformats.org/officeDocument/2006/relationships" xmlns:p="http://schemas.openxmlformats.org/presentationml/2006/main">
   <p:cSld>
-    <p:spTree>
-      <p:nvGrpSpPr>
-        <p:cNvPr id="1" name=""/>
-        <p:cNvGrpSpPr/>
-        <p:nvPr/>
-      </p:nvGrpSpPr>
-      <p:grpSpPr>
-        <a:xfrm>
-          <a:off x="0" y="0"/>
-          <a:ext cx="0" cy="0"/>
-          <a:chOff x="0" y="0"/>
-          <a:chExt cx="0" cy="0"/>
-        </a:xfrm>
-      </p:grpSpPr>
-      <p:sp>
-        <p:nvSpPr>
-          <p:cNvPr id="2" name="Title 1">
-            <a:extLst>
-              <a:ext uri="{FF2B5EF4-FFF2-40B4-BE49-F238E27FC236}">
-                <a16:creationId xmlns:a16="http://schemas.microsoft.com/office/drawing/2014/main" id="{0766B607-6105-4582-BC98-8E35CE39574E}"/>
-              </a:ext>
-            </a:extLst>
-          </p:cNvPr>
-          <p:cNvSpPr>
-            <a:spLocks noGrp="1"/>
-          </p:cNvSpPr>
-          <p:nvPr>
-            <p:ph type="title"/>
-          </p:nvPr>
-        </p:nvSpPr>
-        <p:spPr/>
-        <p:txBody>
-          <a:bodyPr>
-            <a:normAutofit/>
-          </a:bodyPr>
-          <a:lstStyle/>
-          <a:p>
-            <a:r>
-              <a:rPr lang="en-US" b="1" dirty="0">
-                <a:cs typeface="Calibri Light"/>
-              </a:rPr>
-              <a:t>Future Tasks to be accomplished</a:t>
-            </a:r>
-            <a:endParaRPr lang="en-US" dirty="0"/>
-          </a:p>
-        </p:txBody>
-      </p:sp>
-      <p:sp>
-        <p:nvSpPr>
-          <p:cNvPr id="3" name="Content Placeholder 2">
-            <a:extLst>
-              <a:ext uri="{FF2B5EF4-FFF2-40B4-BE49-F238E27FC236}">
-                <a16:creationId xmlns:a16="http://schemas.microsoft.com/office/drawing/2014/main" id="{A04DE8D9-0B5E-47D8-90F9-96463A6646BA}"/>
-              </a:ext>
-            </a:extLst>
-          </p:cNvPr>
-          <p:cNvSpPr>
-            <a:spLocks noGrp="1"/>
-          </p:cNvSpPr>
-          <p:nvPr>
-            <p:ph idx="1"/>
-          </p:nvPr>
-        </p:nvSpPr>
-        <p:spPr/>
-        <p:txBody>
-          <a:bodyPr vert="horz" lIns="91440" tIns="45720" rIns="91440" bIns="45720" rtlCol="0" anchor="t">
-            <a:normAutofit/>
-          </a:bodyPr>
-          <a:lstStyle/>
-          <a:p>
-            <a:r>
-              <a:rPr lang="en-US" sz="2400" dirty="0"/>
-              <a:t>We need to optimize Siamese Neural Network.</a:t>
-            </a:r>
-            <a:endParaRPr lang="en-US" sz="2400" dirty="0">
-              <a:cs typeface="Calibri"/>
-            </a:endParaRPr>
-          </a:p>
-          <a:p>
-            <a:r>
-              <a:rPr lang="en-US" sz="2400" dirty="0">
-                <a:cs typeface="Calibri"/>
-              </a:rPr>
-              <a:t>Train model with different Deep Learning Techniques.</a:t>
-            </a:r>
-          </a:p>
-          <a:p>
-            <a:r>
-              <a:rPr lang="en-US" sz="2400" dirty="0"/>
-              <a:t>We need to create User Interface and integrate QR code with Heart wave authentication.</a:t>
-            </a:r>
-            <a:endParaRPr lang="en-US" sz="2400" dirty="0">
-              <a:cs typeface="Calibri"/>
-            </a:endParaRPr>
-          </a:p>
-          <a:p>
-            <a:endParaRPr lang="en-US" sz="2400" dirty="0">
-              <a:cs typeface="Calibri"/>
-            </a:endParaRPr>
-          </a:p>
-        </p:txBody>
-      </p:sp>
-    </p:spTree>
-    <p:extLst>
-      <p:ext uri="{BB962C8B-B14F-4D97-AF65-F5344CB8AC3E}">
-        <p14:creationId xmlns:p14="http://schemas.microsoft.com/office/powerpoint/2010/main" val="3416718736"/>
-      </p:ext>
-    </p:extLst>
-  </p:cSld>
-  <p:clrMapOvr>
-    <a:masterClrMapping/>
-  </p:clrMapOvr>
-</p:sld>
-</file>
-
-<file path=ppt/slides/slide23.xml><?xml version="1.0" encoding="utf-8"?>
-<p:sld xmlns:a="http://schemas.openxmlformats.org/drawingml/2006/main" xmlns:r="http://schemas.openxmlformats.org/officeDocument/2006/relationships" xmlns:p="http://schemas.openxmlformats.org/presentationml/2006/main">
-  <p:cSld>
     <p:bg>
       <p:bgPr>
         <a:solidFill>
@@ -9784,7 +9736,7 @@
 </p:sld>
 </file>
 
-<file path=ppt/slides/slide24.xml><?xml version="1.0" encoding="utf-8"?>
+<file path=ppt/slides/slide23.xml><?xml version="1.0" encoding="utf-8"?>
 <p:sld xmlns:a="http://schemas.openxmlformats.org/drawingml/2006/main" xmlns:r="http://schemas.openxmlformats.org/officeDocument/2006/relationships" xmlns:p="http://schemas.openxmlformats.org/presentationml/2006/main">
   <p:cSld>
     <p:bg>
@@ -10988,7 +10940,7 @@
           <a:p>
             <a:r>
               <a:rPr lang="en-US" b="1" dirty="0"/>
-              <a:t>Why QR Code Authentication?</a:t>
+              <a:t>Why QR Code Authentication</a:t>
             </a:r>
           </a:p>
         </p:txBody>
@@ -11220,8 +11172,8 @@
           <a:lstStyle/>
           <a:p>
             <a:r>
-              <a:rPr lang="en-US" sz="5000" b="1"/>
-              <a:t>Why Heart Wave Authentication ?</a:t>
+              <a:rPr lang="en-US" sz="5000" b="1" dirty="0"/>
+              <a:t>Why Heart Wave Authentication </a:t>
             </a:r>
           </a:p>
         </p:txBody>
@@ -13207,15 +13159,6 @@
 </file>
 
 <file path=customXml/item1.xml><?xml version="1.0" encoding="utf-8"?>
-<?mso-contentType ?>
-<FormTemplates xmlns="http://schemas.microsoft.com/sharepoint/v3/contenttype/forms">
-  <Display>DocumentLibraryForm</Display>
-  <Edit>DocumentLibraryForm</Edit>
-  <New>DocumentLibraryForm</New>
-</FormTemplates>
-</file>
-
-<file path=customXml/item2.xml><?xml version="1.0" encoding="utf-8"?>
 <p:properties xmlns:p="http://schemas.microsoft.com/office/2006/metadata/properties" xmlns:xsi="http://www.w3.org/2001/XMLSchema-instance" xmlns:pc="http://schemas.microsoft.com/office/infopath/2007/PartnerControls">
   <documentManagement>
     <TaxCatchAll xmlns="c19f3564-a95e-47d5-97e3-34af000c2652" xsi:nil="true"/>
@@ -13224,6 +13167,15 @@
     </lcf76f155ced4ddcb4097134ff3c332f>
   </documentManagement>
 </p:properties>
+</file>
+
+<file path=customXml/item2.xml><?xml version="1.0" encoding="utf-8"?>
+<?mso-contentType ?>
+<FormTemplates xmlns="http://schemas.microsoft.com/sharepoint/v3/contenttype/forms">
+  <Display>DocumentLibraryForm</Display>
+  <Edit>DocumentLibraryForm</Edit>
+  <New>DocumentLibraryForm</New>
+</FormTemplates>
 </file>
 
 <file path=customXml/item3.xml><?xml version="1.0" encoding="utf-8"?>
@@ -13404,14 +13356,6 @@
 </file>
 
 <file path=customXml/itemProps1.xml><?xml version="1.0" encoding="utf-8"?>
-<ds:datastoreItem xmlns:ds="http://schemas.openxmlformats.org/officeDocument/2006/customXml" ds:itemID="{5BAD64A1-DB19-4D1F-A55E-076561A36A25}">
-  <ds:schemaRefs>
-    <ds:schemaRef ds:uri="http://schemas.microsoft.com/sharepoint/v3/contenttype/forms"/>
-  </ds:schemaRefs>
-</ds:datastoreItem>
-</file>
-
-<file path=customXml/itemProps2.xml><?xml version="1.0" encoding="utf-8"?>
 <ds:datastoreItem xmlns:ds="http://schemas.openxmlformats.org/officeDocument/2006/customXml" ds:itemID="{6A0B52BC-4B4C-4F3A-AF4E-115EF32F9439}">
   <ds:schemaRefs>
     <ds:schemaRef ds:uri="c5f1fd4d-4aaf-4baf-bfef-3f62c27f496f"/>
@@ -13424,6 +13368,14 @@
     <ds:schemaRef ds:uri="http://schemas.openxmlformats.org/package/2006/metadata/core-properties"/>
     <ds:schemaRef ds:uri="http://www.w3.org/XML/1998/namespace"/>
     <ds:schemaRef ds:uri="c19f3564-a95e-47d5-97e3-34af000c2652"/>
+  </ds:schemaRefs>
+</ds:datastoreItem>
+</file>
+
+<file path=customXml/itemProps2.xml><?xml version="1.0" encoding="utf-8"?>
+<ds:datastoreItem xmlns:ds="http://schemas.openxmlformats.org/officeDocument/2006/customXml" ds:itemID="{5BAD64A1-DB19-4D1F-A55E-076561A36A25}">
+  <ds:schemaRefs>
+    <ds:schemaRef ds:uri="http://schemas.microsoft.com/sharepoint/v3/contenttype/forms"/>
   </ds:schemaRefs>
 </ds:datastoreItem>
 </file>

--- a/Final.pptx
+++ b/Final.pptx
@@ -12,9 +12,9 @@
     <p:sldId id="343" r:id="rId6"/>
     <p:sldId id="357" r:id="rId7"/>
     <p:sldId id="342" r:id="rId8"/>
-    <p:sldId id="380" r:id="rId9"/>
-    <p:sldId id="341" r:id="rId10"/>
-    <p:sldId id="344" r:id="rId11"/>
+    <p:sldId id="344" r:id="rId9"/>
+    <p:sldId id="380" r:id="rId10"/>
+    <p:sldId id="341" r:id="rId11"/>
     <p:sldId id="365" r:id="rId12"/>
     <p:sldId id="350" r:id="rId13"/>
     <p:sldId id="366" r:id="rId14"/>
@@ -22,8 +22,8 @@
     <p:sldId id="379" r:id="rId16"/>
     <p:sldId id="383" r:id="rId17"/>
     <p:sldId id="351" r:id="rId18"/>
-    <p:sldId id="259" r:id="rId19"/>
-    <p:sldId id="257" r:id="rId20"/>
+    <p:sldId id="257" r:id="rId19"/>
+    <p:sldId id="259" r:id="rId20"/>
     <p:sldId id="260" r:id="rId21"/>
     <p:sldId id="258" r:id="rId22"/>
     <p:sldId id="261" r:id="rId23"/>
@@ -149,11 +149,41 @@
 <pc:chgInfo xmlns:a="http://schemas.openxmlformats.org/drawingml/2006/main" xmlns:r="http://schemas.openxmlformats.org/officeDocument/2006/relationships" xmlns:ac="http://schemas.microsoft.com/office/drawing/2013/main/command" xmlns:pc="http://schemas.microsoft.com/office/powerpoint/2013/main/command">
   <pc:docChgLst>
     <pc:chgData name="Vissapragada,Sai Tejaswee" userId="ac5152bd-e08b-42ef-87f5-6857be20e85f" providerId="ADAL" clId="{0A0D699B-55CC-4AFF-A214-105A7F160885}"/>
-    <pc:docChg chg="undo custSel delSld modSld">
-      <pc:chgData name="Vissapragada,Sai Tejaswee" userId="ac5152bd-e08b-42ef-87f5-6857be20e85f" providerId="ADAL" clId="{0A0D699B-55CC-4AFF-A214-105A7F160885}" dt="2022-12-01T19:53:11.250" v="57" actId="6549"/>
+    <pc:docChg chg="undo custSel delSld modSld sldOrd">
+      <pc:chgData name="Vissapragada,Sai Tejaswee" userId="ac5152bd-e08b-42ef-87f5-6857be20e85f" providerId="ADAL" clId="{0A0D699B-55CC-4AFF-A214-105A7F160885}" dt="2022-12-01T20:15:07.947" v="109" actId="5793"/>
       <pc:docMkLst>
         <pc:docMk/>
       </pc:docMkLst>
+      <pc:sldChg chg="modSp mod ord">
+        <pc:chgData name="Vissapragada,Sai Tejaswee" userId="ac5152bd-e08b-42ef-87f5-6857be20e85f" providerId="ADAL" clId="{0A0D699B-55CC-4AFF-A214-105A7F160885}" dt="2022-12-01T20:12:50.920" v="64"/>
+        <pc:sldMkLst>
+          <pc:docMk/>
+          <pc:sldMk cId="1598981257" sldId="257"/>
+        </pc:sldMkLst>
+        <pc:spChg chg="mod">
+          <ac:chgData name="Vissapragada,Sai Tejaswee" userId="ac5152bd-e08b-42ef-87f5-6857be20e85f" providerId="ADAL" clId="{0A0D699B-55CC-4AFF-A214-105A7F160885}" dt="2022-12-01T20:12:50.920" v="64"/>
+          <ac:spMkLst>
+            <pc:docMk/>
+            <pc:sldMk cId="1598981257" sldId="257"/>
+            <ac:spMk id="2" creationId="{B53101FB-927B-8297-A871-E48B6F04F21B}"/>
+          </ac:spMkLst>
+        </pc:spChg>
+      </pc:sldChg>
+      <pc:sldChg chg="modSp mod ord">
+        <pc:chgData name="Vissapragada,Sai Tejaswee" userId="ac5152bd-e08b-42ef-87f5-6857be20e85f" providerId="ADAL" clId="{0A0D699B-55CC-4AFF-A214-105A7F160885}" dt="2022-12-01T20:12:56.968" v="71" actId="20577"/>
+        <pc:sldMkLst>
+          <pc:docMk/>
+          <pc:sldMk cId="1407598965" sldId="259"/>
+        </pc:sldMkLst>
+        <pc:spChg chg="mod">
+          <ac:chgData name="Vissapragada,Sai Tejaswee" userId="ac5152bd-e08b-42ef-87f5-6857be20e85f" providerId="ADAL" clId="{0A0D699B-55CC-4AFF-A214-105A7F160885}" dt="2022-12-01T20:12:56.968" v="71" actId="20577"/>
+          <ac:spMkLst>
+            <pc:docMk/>
+            <pc:sldMk cId="1407598965" sldId="259"/>
+            <ac:spMk id="2" creationId="{3513FC13-F9B0-A9E6-9F54-41D1F10BBBA8}"/>
+          </ac:spMkLst>
+        </pc:spChg>
+      </pc:sldChg>
       <pc:sldChg chg="modSp mod">
         <pc:chgData name="Vissapragada,Sai Tejaswee" userId="ac5152bd-e08b-42ef-87f5-6857be20e85f" providerId="ADAL" clId="{0A0D699B-55CC-4AFF-A214-105A7F160885}" dt="2022-12-01T19:48:44.808" v="4" actId="20577"/>
         <pc:sldMkLst>
@@ -166,6 +196,28 @@
             <pc:docMk/>
             <pc:sldMk cId="2442537970" sldId="341"/>
             <ac:spMk id="2" creationId="{A03556A8-306D-4AAD-A818-C5F7CD7DCAA6}"/>
+          </ac:spMkLst>
+        </pc:spChg>
+      </pc:sldChg>
+      <pc:sldChg chg="ord">
+        <pc:chgData name="Vissapragada,Sai Tejaswee" userId="ac5152bd-e08b-42ef-87f5-6857be20e85f" providerId="ADAL" clId="{0A0D699B-55CC-4AFF-A214-105A7F160885}" dt="2022-12-01T20:14:16.993" v="108"/>
+        <pc:sldMkLst>
+          <pc:docMk/>
+          <pc:sldMk cId="1898072782" sldId="344"/>
+        </pc:sldMkLst>
+      </pc:sldChg>
+      <pc:sldChg chg="modSp mod ord">
+        <pc:chgData name="Vissapragada,Sai Tejaswee" userId="ac5152bd-e08b-42ef-87f5-6857be20e85f" providerId="ADAL" clId="{0A0D699B-55CC-4AFF-A214-105A7F160885}" dt="2022-12-01T20:13:19.280" v="97" actId="20577"/>
+        <pc:sldMkLst>
+          <pc:docMk/>
+          <pc:sldMk cId="219102181" sldId="350"/>
+        </pc:sldMkLst>
+        <pc:spChg chg="mod">
+          <ac:chgData name="Vissapragada,Sai Tejaswee" userId="ac5152bd-e08b-42ef-87f5-6857be20e85f" providerId="ADAL" clId="{0A0D699B-55CC-4AFF-A214-105A7F160885}" dt="2022-12-01T20:13:19.280" v="97" actId="20577"/>
+          <ac:spMkLst>
+            <pc:docMk/>
+            <pc:sldMk cId="219102181" sldId="350"/>
+            <ac:spMk id="2" creationId="{823C8B64-1E38-4FF9-9F3B-F5E69809B377}"/>
           </ac:spMkLst>
         </pc:spChg>
       </pc:sldChg>
@@ -198,6 +250,29 @@
           <pc:docMk/>
           <pc:sldMk cId="3416718736" sldId="354"/>
         </pc:sldMkLst>
+      </pc:sldChg>
+      <pc:sldChg chg="modSp mod">
+        <pc:chgData name="Vissapragada,Sai Tejaswee" userId="ac5152bd-e08b-42ef-87f5-6857be20e85f" providerId="ADAL" clId="{0A0D699B-55CC-4AFF-A214-105A7F160885}" dt="2022-12-01T20:15:07.947" v="109" actId="5793"/>
+        <pc:sldMkLst>
+          <pc:docMk/>
+          <pc:sldMk cId="1837471576" sldId="366"/>
+        </pc:sldMkLst>
+        <pc:spChg chg="mod">
+          <ac:chgData name="Vissapragada,Sai Tejaswee" userId="ac5152bd-e08b-42ef-87f5-6857be20e85f" providerId="ADAL" clId="{0A0D699B-55CC-4AFF-A214-105A7F160885}" dt="2022-12-01T20:13:25.219" v="104" actId="20577"/>
+          <ac:spMkLst>
+            <pc:docMk/>
+            <pc:sldMk cId="1837471576" sldId="366"/>
+            <ac:spMk id="2" creationId="{699FDC42-B1C1-8EF3-24EB-74E32AB17A6B}"/>
+          </ac:spMkLst>
+        </pc:spChg>
+        <pc:spChg chg="mod">
+          <ac:chgData name="Vissapragada,Sai Tejaswee" userId="ac5152bd-e08b-42ef-87f5-6857be20e85f" providerId="ADAL" clId="{0A0D699B-55CC-4AFF-A214-105A7F160885}" dt="2022-12-01T20:15:07.947" v="109" actId="5793"/>
+          <ac:spMkLst>
+            <pc:docMk/>
+            <pc:sldMk cId="1837471576" sldId="366"/>
+            <ac:spMk id="3" creationId="{A8E34014-DCF4-FA40-FD67-BBA08040D734}"/>
+          </ac:spMkLst>
+        </pc:spChg>
       </pc:sldChg>
       <pc:sldChg chg="modSp mod">
         <pc:chgData name="Vissapragada,Sai Tejaswee" userId="ac5152bd-e08b-42ef-87f5-6857be20e85f" providerId="ADAL" clId="{0A0D699B-55CC-4AFF-A214-105A7F160885}" dt="2022-12-01T19:48:37.383" v="0" actId="20577"/>
@@ -633,7 +708,7 @@
           <a:p>
             <a:fld id="{EDC17F1F-E773-4BAF-8FCE-005674C8D8EE}" type="slidenum">
               <a:rPr lang="en-US" smtClean="0"/>
-              <a:t>6</a:t>
+              <a:t>7</a:t>
             </a:fld>
             <a:endParaRPr lang="en-US"/>
           </a:p>
@@ -4003,7 +4078,7 @@
           <a:p>
             <a:r>
               <a:rPr lang="en-US" b="1" dirty="0"/>
-              <a:t>Methodology-1</a:t>
+              <a:t>Dataset</a:t>
             </a:r>
             <a:endParaRPr lang="en-US" b="1" dirty="0">
               <a:cs typeface="Calibri Light"/>
@@ -4141,6 +4216,9 @@
             </a:endParaRPr>
           </a:p>
           <a:p>
+            <a:pPr marL="0" indent="0">
+              <a:buNone/>
+            </a:pPr>
             <a:endParaRPr lang="en-US" sz="2400" dirty="0">
               <a:cs typeface="Calibri"/>
             </a:endParaRPr>
@@ -5467,7 +5545,7 @@
           <p:cNvPr id="2" name="Title 1">
             <a:extLst>
               <a:ext uri="{FF2B5EF4-FFF2-40B4-BE49-F238E27FC236}">
-                <a16:creationId xmlns:a16="http://schemas.microsoft.com/office/drawing/2014/main" id="{3513FC13-F9B0-A9E6-9F54-41D1F10BBBA8}"/>
+                <a16:creationId xmlns:a16="http://schemas.microsoft.com/office/drawing/2014/main" id="{B53101FB-927B-8297-A871-E48B6F04F21B}"/>
               </a:ext>
             </a:extLst>
           </p:cNvPr>
@@ -5492,154 +5570,968 @@
       </p:sp>
       <p:sp>
         <p:nvSpPr>
-          <p:cNvPr id="3" name="Content Placeholder 2">
+          <p:cNvPr id="4" name="Rectangle 3">
             <a:extLst>
               <a:ext uri="{FF2B5EF4-FFF2-40B4-BE49-F238E27FC236}">
-                <a16:creationId xmlns:a16="http://schemas.microsoft.com/office/drawing/2014/main" id="{A5942236-8E5C-5516-A831-74F50A87BCB4}"/>
+                <a16:creationId xmlns:a16="http://schemas.microsoft.com/office/drawing/2014/main" id="{67745D5C-AD30-E595-DAE9-980945C16AD8}"/>
               </a:ext>
             </a:extLst>
           </p:cNvPr>
-          <p:cNvSpPr>
-            <a:spLocks noGrp="1"/>
-          </p:cNvSpPr>
-          <p:nvPr>
-            <p:ph idx="1"/>
-          </p:nvPr>
-        </p:nvSpPr>
-        <p:spPr/>
-        <p:txBody>
-          <a:bodyPr>
-            <a:noAutofit/>
+          <p:cNvSpPr/>
+          <p:nvPr/>
+        </p:nvSpPr>
+        <p:spPr>
+          <a:xfrm>
+            <a:off x="372862" y="1884286"/>
+            <a:ext cx="1645920" cy="1463040"/>
+          </a:xfrm>
+          <a:prstGeom prst="rect">
+            <a:avLst/>
+          </a:prstGeom>
+          <a:solidFill>
+            <a:schemeClr val="bg1"/>
+          </a:solidFill>
+          <a:ln w="19050">
+            <a:solidFill>
+              <a:schemeClr val="tx1"/>
+            </a:solidFill>
+          </a:ln>
+        </p:spPr>
+        <p:style>
+          <a:lnRef idx="2">
+            <a:schemeClr val="accent1">
+              <a:shade val="50000"/>
+            </a:schemeClr>
+          </a:lnRef>
+          <a:fillRef idx="1">
+            <a:schemeClr val="accent1"/>
+          </a:fillRef>
+          <a:effectRef idx="0">
+            <a:schemeClr val="accent1"/>
+          </a:effectRef>
+          <a:fontRef idx="minor">
+            <a:schemeClr val="lt1"/>
+          </a:fontRef>
+        </p:style>
+        <p:txBody>
+          <a:bodyPr rtlCol="0" anchor="ctr"/>
+          <a:lstStyle/>
+          <a:p>
+            <a:pPr algn="ctr"/>
+            <a:r>
+              <a:rPr lang="en-US" dirty="0">
+                <a:solidFill>
+                  <a:schemeClr val="tx1"/>
+                </a:solidFill>
+              </a:rPr>
+              <a:t>ECG_ID</a:t>
+            </a:r>
+          </a:p>
+          <a:p>
+            <a:pPr algn="ctr"/>
+            <a:r>
+              <a:rPr lang="en-US" dirty="0">
+                <a:solidFill>
+                  <a:schemeClr val="tx1"/>
+                </a:solidFill>
+              </a:rPr>
+              <a:t>Database</a:t>
+            </a:r>
+          </a:p>
+          <a:p>
+            <a:pPr algn="ctr"/>
+            <a:r>
+              <a:rPr lang="en-US" dirty="0">
+                <a:solidFill>
+                  <a:schemeClr val="tx1"/>
+                </a:solidFill>
+              </a:rPr>
+              <a:t>(waveform)</a:t>
+            </a:r>
+          </a:p>
+        </p:txBody>
+      </p:sp>
+      <p:sp>
+        <p:nvSpPr>
+          <p:cNvPr id="5" name="Rectangle 4">
+            <a:extLst>
+              <a:ext uri="{FF2B5EF4-FFF2-40B4-BE49-F238E27FC236}">
+                <a16:creationId xmlns:a16="http://schemas.microsoft.com/office/drawing/2014/main" id="{2593CE19-1753-9DAF-AC7D-37CFC458F846}"/>
+              </a:ext>
+            </a:extLst>
+          </p:cNvPr>
+          <p:cNvSpPr/>
+          <p:nvPr/>
+        </p:nvSpPr>
+        <p:spPr>
+          <a:xfrm>
+            <a:off x="3510008" y="1884286"/>
+            <a:ext cx="1645920" cy="1463040"/>
+          </a:xfrm>
+          <a:prstGeom prst="rect">
+            <a:avLst/>
+          </a:prstGeom>
+          <a:solidFill>
+            <a:schemeClr val="bg1"/>
+          </a:solidFill>
+          <a:ln w="19050">
+            <a:solidFill>
+              <a:schemeClr val="tx1"/>
+            </a:solidFill>
+          </a:ln>
+        </p:spPr>
+        <p:style>
+          <a:lnRef idx="2">
+            <a:schemeClr val="accent1">
+              <a:shade val="50000"/>
+            </a:schemeClr>
+          </a:lnRef>
+          <a:fillRef idx="1">
+            <a:schemeClr val="accent1"/>
+          </a:fillRef>
+          <a:effectRef idx="0">
+            <a:schemeClr val="accent1"/>
+          </a:effectRef>
+          <a:fontRef idx="minor">
+            <a:schemeClr val="lt1"/>
+          </a:fontRef>
+        </p:style>
+        <p:txBody>
+          <a:bodyPr rtlCol="0" anchor="ctr"/>
+          <a:lstStyle/>
+          <a:p>
+            <a:pPr algn="ctr"/>
+            <a:r>
+              <a:rPr lang="en-US" dirty="0">
+                <a:solidFill>
+                  <a:schemeClr val="tx1"/>
+                </a:solidFill>
+              </a:rPr>
+              <a:t>Feature Extraction</a:t>
+            </a:r>
+          </a:p>
+        </p:txBody>
+      </p:sp>
+      <p:sp>
+        <p:nvSpPr>
+          <p:cNvPr id="6" name="Rectangle 5">
+            <a:extLst>
+              <a:ext uri="{FF2B5EF4-FFF2-40B4-BE49-F238E27FC236}">
+                <a16:creationId xmlns:a16="http://schemas.microsoft.com/office/drawing/2014/main" id="{0F07D69E-346B-3016-BE92-2D341AE8191E}"/>
+              </a:ext>
+            </a:extLst>
+          </p:cNvPr>
+          <p:cNvSpPr/>
+          <p:nvPr/>
+        </p:nvSpPr>
+        <p:spPr>
+          <a:xfrm>
+            <a:off x="6647154" y="1884286"/>
+            <a:ext cx="1645920" cy="1463040"/>
+          </a:xfrm>
+          <a:prstGeom prst="rect">
+            <a:avLst/>
+          </a:prstGeom>
+          <a:solidFill>
+            <a:schemeClr val="bg1"/>
+          </a:solidFill>
+          <a:ln w="19050">
+            <a:solidFill>
+              <a:schemeClr val="tx1"/>
+            </a:solidFill>
+          </a:ln>
+        </p:spPr>
+        <p:style>
+          <a:lnRef idx="2">
+            <a:schemeClr val="accent1">
+              <a:shade val="50000"/>
+            </a:schemeClr>
+          </a:lnRef>
+          <a:fillRef idx="1">
+            <a:schemeClr val="accent1"/>
+          </a:fillRef>
+          <a:effectRef idx="0">
+            <a:schemeClr val="accent1"/>
+          </a:effectRef>
+          <a:fontRef idx="minor">
+            <a:schemeClr val="lt1"/>
+          </a:fontRef>
+        </p:style>
+        <p:txBody>
+          <a:bodyPr rtlCol="0" anchor="ctr"/>
+          <a:lstStyle/>
+          <a:p>
+            <a:pPr algn="ctr"/>
+            <a:r>
+              <a:rPr lang="en-US" dirty="0">
+                <a:solidFill>
+                  <a:schemeClr val="tx1"/>
+                </a:solidFill>
+              </a:rPr>
+              <a:t>QRS Complex</a:t>
+            </a:r>
+          </a:p>
+        </p:txBody>
+      </p:sp>
+      <p:sp>
+        <p:nvSpPr>
+          <p:cNvPr id="7" name="Rectangle 6">
+            <a:extLst>
+              <a:ext uri="{FF2B5EF4-FFF2-40B4-BE49-F238E27FC236}">
+                <a16:creationId xmlns:a16="http://schemas.microsoft.com/office/drawing/2014/main" id="{DA29047F-10F5-40EC-4F5D-118979026B86}"/>
+              </a:ext>
+            </a:extLst>
+          </p:cNvPr>
+          <p:cNvSpPr/>
+          <p:nvPr/>
+        </p:nvSpPr>
+        <p:spPr>
+          <a:xfrm>
+            <a:off x="9784300" y="1899824"/>
+            <a:ext cx="1645920" cy="1463040"/>
+          </a:xfrm>
+          <a:prstGeom prst="rect">
+            <a:avLst/>
+          </a:prstGeom>
+          <a:solidFill>
+            <a:schemeClr val="bg1"/>
+          </a:solidFill>
+          <a:ln w="19050">
+            <a:solidFill>
+              <a:schemeClr val="tx1"/>
+            </a:solidFill>
+          </a:ln>
+        </p:spPr>
+        <p:style>
+          <a:lnRef idx="2">
+            <a:schemeClr val="accent1">
+              <a:shade val="50000"/>
+            </a:schemeClr>
+          </a:lnRef>
+          <a:fillRef idx="1">
+            <a:schemeClr val="accent1"/>
+          </a:fillRef>
+          <a:effectRef idx="0">
+            <a:schemeClr val="accent1"/>
+          </a:effectRef>
+          <a:fontRef idx="minor">
+            <a:schemeClr val="lt1"/>
+          </a:fontRef>
+        </p:style>
+        <p:txBody>
+          <a:bodyPr rtlCol="0" anchor="ctr"/>
+          <a:lstStyle/>
+          <a:p>
+            <a:pPr algn="ctr"/>
+            <a:r>
+              <a:rPr lang="en-US" dirty="0">
+                <a:solidFill>
+                  <a:schemeClr val="tx1"/>
+                </a:solidFill>
+              </a:rPr>
+              <a:t>RR interval</a:t>
+            </a:r>
+          </a:p>
+        </p:txBody>
+      </p:sp>
+      <p:sp>
+        <p:nvSpPr>
+          <p:cNvPr id="8" name="Rectangle 7">
+            <a:extLst>
+              <a:ext uri="{FF2B5EF4-FFF2-40B4-BE49-F238E27FC236}">
+                <a16:creationId xmlns:a16="http://schemas.microsoft.com/office/drawing/2014/main" id="{F83C0A6A-E58A-2385-FB49-43C0DD342F3D}"/>
+              </a:ext>
+            </a:extLst>
+          </p:cNvPr>
+          <p:cNvSpPr/>
+          <p:nvPr/>
+        </p:nvSpPr>
+        <p:spPr>
+          <a:xfrm>
+            <a:off x="9812507" y="4370034"/>
+            <a:ext cx="1626870" cy="1463040"/>
+          </a:xfrm>
+          <a:prstGeom prst="rect">
+            <a:avLst/>
+          </a:prstGeom>
+          <a:solidFill>
+            <a:schemeClr val="bg1"/>
+          </a:solidFill>
+          <a:ln w="19050">
+            <a:solidFill>
+              <a:schemeClr val="tx1"/>
+            </a:solidFill>
+          </a:ln>
+        </p:spPr>
+        <p:style>
+          <a:lnRef idx="2">
+            <a:schemeClr val="accent1">
+              <a:shade val="50000"/>
+            </a:schemeClr>
+          </a:lnRef>
+          <a:fillRef idx="1">
+            <a:schemeClr val="accent1"/>
+          </a:fillRef>
+          <a:effectRef idx="0">
+            <a:schemeClr val="accent1"/>
+          </a:effectRef>
+          <a:fontRef idx="minor">
+            <a:schemeClr val="lt1"/>
+          </a:fontRef>
+        </p:style>
+        <p:txBody>
+          <a:bodyPr rtlCol="0" anchor="ctr"/>
+          <a:lstStyle/>
+          <a:p>
+            <a:pPr algn="ctr"/>
+            <a:r>
+              <a:rPr lang="en-US" dirty="0">
+                <a:solidFill>
+                  <a:schemeClr val="tx1"/>
+                </a:solidFill>
+              </a:rPr>
+              <a:t>Plot graphs</a:t>
+            </a:r>
+          </a:p>
+          <a:p>
+            <a:pPr algn="ctr"/>
+            <a:r>
+              <a:rPr lang="en-US" dirty="0">
+                <a:solidFill>
+                  <a:schemeClr val="tx1"/>
+                </a:solidFill>
+              </a:rPr>
+              <a:t>(Images)</a:t>
+            </a:r>
+          </a:p>
+        </p:txBody>
+      </p:sp>
+      <p:sp>
+        <p:nvSpPr>
+          <p:cNvPr id="9" name="Rectangle 8">
+            <a:extLst>
+              <a:ext uri="{FF2B5EF4-FFF2-40B4-BE49-F238E27FC236}">
+                <a16:creationId xmlns:a16="http://schemas.microsoft.com/office/drawing/2014/main" id="{0928DDF0-C7A3-EB2B-8744-23E9482432FC}"/>
+              </a:ext>
+            </a:extLst>
+          </p:cNvPr>
+          <p:cNvSpPr/>
+          <p:nvPr/>
+        </p:nvSpPr>
+        <p:spPr>
+          <a:xfrm>
+            <a:off x="5992887" y="4371979"/>
+            <a:ext cx="1645920" cy="1463040"/>
+          </a:xfrm>
+          <a:prstGeom prst="rect">
+            <a:avLst/>
+          </a:prstGeom>
+          <a:solidFill>
+            <a:schemeClr val="bg1"/>
+          </a:solidFill>
+          <a:ln w="19050">
+            <a:solidFill>
+              <a:schemeClr val="tx1"/>
+            </a:solidFill>
+          </a:ln>
+        </p:spPr>
+        <p:style>
+          <a:lnRef idx="2">
+            <a:schemeClr val="accent1">
+              <a:shade val="50000"/>
+            </a:schemeClr>
+          </a:lnRef>
+          <a:fillRef idx="1">
+            <a:schemeClr val="accent1"/>
+          </a:fillRef>
+          <a:effectRef idx="0">
+            <a:schemeClr val="accent1"/>
+          </a:effectRef>
+          <a:fontRef idx="minor">
+            <a:schemeClr val="lt1"/>
+          </a:fontRef>
+        </p:style>
+        <p:txBody>
+          <a:bodyPr rtlCol="0" anchor="ctr"/>
+          <a:lstStyle/>
+          <a:p>
+            <a:pPr algn="ctr"/>
+            <a:r>
+              <a:rPr lang="en-US" dirty="0">
+                <a:solidFill>
+                  <a:schemeClr val="tx1"/>
+                </a:solidFill>
+              </a:rPr>
+              <a:t>Siamese/CNN</a:t>
+            </a:r>
+          </a:p>
+        </p:txBody>
+      </p:sp>
+      <p:sp>
+        <p:nvSpPr>
+          <p:cNvPr id="10" name="Rectangle 9">
+            <a:extLst>
+              <a:ext uri="{FF2B5EF4-FFF2-40B4-BE49-F238E27FC236}">
+                <a16:creationId xmlns:a16="http://schemas.microsoft.com/office/drawing/2014/main" id="{4AE9294F-75F3-A64E-5462-90714D8C7791}"/>
+              </a:ext>
+            </a:extLst>
+          </p:cNvPr>
+          <p:cNvSpPr/>
+          <p:nvPr/>
+        </p:nvSpPr>
+        <p:spPr>
+          <a:xfrm>
+            <a:off x="2173267" y="4370034"/>
+            <a:ext cx="1645920" cy="1463040"/>
+          </a:xfrm>
+          <a:prstGeom prst="rect">
+            <a:avLst/>
+          </a:prstGeom>
+          <a:solidFill>
+            <a:schemeClr val="bg1"/>
+          </a:solidFill>
+          <a:ln w="19050">
+            <a:solidFill>
+              <a:schemeClr val="tx1"/>
+            </a:solidFill>
+          </a:ln>
+        </p:spPr>
+        <p:style>
+          <a:lnRef idx="2">
+            <a:schemeClr val="accent1">
+              <a:shade val="50000"/>
+            </a:schemeClr>
+          </a:lnRef>
+          <a:fillRef idx="1">
+            <a:schemeClr val="accent1"/>
+          </a:fillRef>
+          <a:effectRef idx="0">
+            <a:schemeClr val="accent1"/>
+          </a:effectRef>
+          <a:fontRef idx="minor">
+            <a:schemeClr val="lt1"/>
+          </a:fontRef>
+        </p:style>
+        <p:txBody>
+          <a:bodyPr rtlCol="0" anchor="ctr"/>
+          <a:lstStyle/>
+          <a:p>
+            <a:pPr algn="ctr"/>
+            <a:r>
+              <a:rPr lang="en-US" dirty="0">
+                <a:solidFill>
+                  <a:schemeClr val="tx1"/>
+                </a:solidFill>
+              </a:rPr>
+              <a:t>Authentication</a:t>
+            </a:r>
+          </a:p>
+        </p:txBody>
+      </p:sp>
+      <p:cxnSp>
+        <p:nvCxnSpPr>
+          <p:cNvPr id="12" name="Straight Arrow Connector 11">
+            <a:extLst>
+              <a:ext uri="{FF2B5EF4-FFF2-40B4-BE49-F238E27FC236}">
+                <a16:creationId xmlns:a16="http://schemas.microsoft.com/office/drawing/2014/main" id="{51BDF2FB-7D5D-F0BC-C28E-B882FD8F28B9}"/>
+              </a:ext>
+            </a:extLst>
+          </p:cNvPr>
+          <p:cNvCxnSpPr>
+            <a:stCxn id="4" idx="3"/>
+            <a:endCxn id="5" idx="1"/>
+          </p:cNvCxnSpPr>
+          <p:nvPr/>
+        </p:nvCxnSpPr>
+        <p:spPr>
+          <a:xfrm>
+            <a:off x="2018782" y="2615806"/>
+            <a:ext cx="1491226" cy="0"/>
+          </a:xfrm>
+          <a:prstGeom prst="straightConnector1">
+            <a:avLst/>
+          </a:prstGeom>
+          <a:ln w="19050">
+            <a:tailEnd type="triangle"/>
+          </a:ln>
+        </p:spPr>
+        <p:style>
+          <a:lnRef idx="1">
+            <a:schemeClr val="dk1"/>
+          </a:lnRef>
+          <a:fillRef idx="0">
+            <a:schemeClr val="dk1"/>
+          </a:fillRef>
+          <a:effectRef idx="0">
+            <a:schemeClr val="dk1"/>
+          </a:effectRef>
+          <a:fontRef idx="minor">
+            <a:schemeClr val="tx1"/>
+          </a:fontRef>
+        </p:style>
+      </p:cxnSp>
+      <p:cxnSp>
+        <p:nvCxnSpPr>
+          <p:cNvPr id="16" name="Straight Arrow Connector 15">
+            <a:extLst>
+              <a:ext uri="{FF2B5EF4-FFF2-40B4-BE49-F238E27FC236}">
+                <a16:creationId xmlns:a16="http://schemas.microsoft.com/office/drawing/2014/main" id="{F9ECD6AF-568C-D2B0-E1FD-15F8B8558B2D}"/>
+              </a:ext>
+            </a:extLst>
+          </p:cNvPr>
+          <p:cNvCxnSpPr/>
+          <p:nvPr/>
+        </p:nvCxnSpPr>
+        <p:spPr>
+          <a:xfrm>
+            <a:off x="5155928" y="2615806"/>
+            <a:ext cx="1491226" cy="0"/>
+          </a:xfrm>
+          <a:prstGeom prst="straightConnector1">
+            <a:avLst/>
+          </a:prstGeom>
+          <a:ln w="19050">
+            <a:tailEnd type="triangle"/>
+          </a:ln>
+        </p:spPr>
+        <p:style>
+          <a:lnRef idx="1">
+            <a:schemeClr val="dk1"/>
+          </a:lnRef>
+          <a:fillRef idx="0">
+            <a:schemeClr val="dk1"/>
+          </a:fillRef>
+          <a:effectRef idx="0">
+            <a:schemeClr val="dk1"/>
+          </a:effectRef>
+          <a:fontRef idx="minor">
+            <a:schemeClr val="tx1"/>
+          </a:fontRef>
+        </p:style>
+      </p:cxnSp>
+      <p:cxnSp>
+        <p:nvCxnSpPr>
+          <p:cNvPr id="17" name="Straight Arrow Connector 16">
+            <a:extLst>
+              <a:ext uri="{FF2B5EF4-FFF2-40B4-BE49-F238E27FC236}">
+                <a16:creationId xmlns:a16="http://schemas.microsoft.com/office/drawing/2014/main" id="{A7594468-0B8D-EF7C-1EAF-30F7FF9535B1}"/>
+              </a:ext>
+            </a:extLst>
+          </p:cNvPr>
+          <p:cNvCxnSpPr/>
+          <p:nvPr/>
+        </p:nvCxnSpPr>
+        <p:spPr>
+          <a:xfrm>
+            <a:off x="8293074" y="2615806"/>
+            <a:ext cx="1491226" cy="0"/>
+          </a:xfrm>
+          <a:prstGeom prst="straightConnector1">
+            <a:avLst/>
+          </a:prstGeom>
+          <a:ln w="19050">
+            <a:tailEnd type="triangle"/>
+          </a:ln>
+        </p:spPr>
+        <p:style>
+          <a:lnRef idx="1">
+            <a:schemeClr val="dk1"/>
+          </a:lnRef>
+          <a:fillRef idx="0">
+            <a:schemeClr val="dk1"/>
+          </a:fillRef>
+          <a:effectRef idx="0">
+            <a:schemeClr val="dk1"/>
+          </a:effectRef>
+          <a:fontRef idx="minor">
+            <a:schemeClr val="tx1"/>
+          </a:fontRef>
+        </p:style>
+      </p:cxnSp>
+      <p:cxnSp>
+        <p:nvCxnSpPr>
+          <p:cNvPr id="21" name="Straight Arrow Connector 20">
+            <a:extLst>
+              <a:ext uri="{FF2B5EF4-FFF2-40B4-BE49-F238E27FC236}">
+                <a16:creationId xmlns:a16="http://schemas.microsoft.com/office/drawing/2014/main" id="{0C787D4A-F55D-464E-F686-C71E6E9E35CC}"/>
+              </a:ext>
+            </a:extLst>
+          </p:cNvPr>
+          <p:cNvCxnSpPr>
+            <a:cxnSpLocks/>
+            <a:stCxn id="8" idx="1"/>
+            <a:endCxn id="9" idx="3"/>
+          </p:cNvCxnSpPr>
+          <p:nvPr/>
+        </p:nvCxnSpPr>
+        <p:spPr>
+          <a:xfrm flipH="1">
+            <a:off x="7638807" y="5101554"/>
+            <a:ext cx="2173700" cy="1945"/>
+          </a:xfrm>
+          <a:prstGeom prst="straightConnector1">
+            <a:avLst/>
+          </a:prstGeom>
+          <a:ln w="19050">
+            <a:tailEnd type="triangle"/>
+          </a:ln>
+        </p:spPr>
+        <p:style>
+          <a:lnRef idx="1">
+            <a:schemeClr val="dk1"/>
+          </a:lnRef>
+          <a:fillRef idx="0">
+            <a:schemeClr val="dk1"/>
+          </a:fillRef>
+          <a:effectRef idx="0">
+            <a:schemeClr val="dk1"/>
+          </a:effectRef>
+          <a:fontRef idx="minor">
+            <a:schemeClr val="tx1"/>
+          </a:fontRef>
+        </p:style>
+      </p:cxnSp>
+      <p:cxnSp>
+        <p:nvCxnSpPr>
+          <p:cNvPr id="23" name="Straight Arrow Connector 22">
+            <a:extLst>
+              <a:ext uri="{FF2B5EF4-FFF2-40B4-BE49-F238E27FC236}">
+                <a16:creationId xmlns:a16="http://schemas.microsoft.com/office/drawing/2014/main" id="{D5B81A5C-C453-621D-1A5C-01890DC54B41}"/>
+              </a:ext>
+            </a:extLst>
+          </p:cNvPr>
+          <p:cNvCxnSpPr>
+            <a:cxnSpLocks/>
+            <a:stCxn id="9" idx="1"/>
+            <a:endCxn id="10" idx="3"/>
+          </p:cNvCxnSpPr>
+          <p:nvPr/>
+        </p:nvCxnSpPr>
+        <p:spPr>
+          <a:xfrm flipH="1" flipV="1">
+            <a:off x="3819187" y="5101554"/>
+            <a:ext cx="2173700" cy="1945"/>
+          </a:xfrm>
+          <a:prstGeom prst="straightConnector1">
+            <a:avLst/>
+          </a:prstGeom>
+          <a:ln w="19050">
+            <a:tailEnd type="triangle"/>
+          </a:ln>
+        </p:spPr>
+        <p:style>
+          <a:lnRef idx="1">
+            <a:schemeClr val="dk1"/>
+          </a:lnRef>
+          <a:fillRef idx="0">
+            <a:schemeClr val="dk1"/>
+          </a:fillRef>
+          <a:effectRef idx="0">
+            <a:schemeClr val="dk1"/>
+          </a:effectRef>
+          <a:fontRef idx="minor">
+            <a:schemeClr val="tx1"/>
+          </a:fontRef>
+        </p:style>
+      </p:cxnSp>
+      <p:sp>
+        <p:nvSpPr>
+          <p:cNvPr id="24" name="TextBox 23">
+            <a:extLst>
+              <a:ext uri="{FF2B5EF4-FFF2-40B4-BE49-F238E27FC236}">
+                <a16:creationId xmlns:a16="http://schemas.microsoft.com/office/drawing/2014/main" id="{54CC781B-2EFA-8941-2328-AFEB3B828D7C}"/>
+              </a:ext>
+            </a:extLst>
+          </p:cNvPr>
+          <p:cNvSpPr txBox="1"/>
+          <p:nvPr/>
+        </p:nvSpPr>
+        <p:spPr>
+          <a:xfrm>
+            <a:off x="2086119" y="2292790"/>
+            <a:ext cx="1343543" cy="338554"/>
+          </a:xfrm>
+          <a:prstGeom prst="rect">
+            <a:avLst/>
+          </a:prstGeom>
+          <a:noFill/>
+        </p:spPr>
+        <p:txBody>
+          <a:bodyPr wrap="square" rtlCol="0">
+            <a:spAutoFit/>
           </a:bodyPr>
           <a:lstStyle/>
           <a:p>
             <a:r>
-              <a:rPr lang="en-US" sz="2400" dirty="0"/>
-              <a:t>The name of dataset is ECG-ID Database</a:t>
-            </a:r>
-          </a:p>
-          <a:p>
-            <a:r>
-              <a:rPr lang="en-US" sz="2400" dirty="0"/>
-              <a:t>The database contains 310 ECG recordings, obtained from 90 persons. Each recording contains:</a:t>
-            </a:r>
-          </a:p>
-          <a:p>
-            <a:r>
-              <a:rPr lang="en-US" sz="2400" dirty="0"/>
-              <a:t>The number of records for each person varies from 2 to 20.</a:t>
-            </a:r>
-          </a:p>
-          <a:p>
-            <a:r>
-              <a:rPr lang="en-US" sz="2400" dirty="0">
-                <a:ea typeface="+mn-lt"/>
-                <a:cs typeface="+mn-lt"/>
-              </a:rPr>
-              <a:t>Here we will get raw data in form of .</a:t>
-            </a:r>
-            <a:r>
-              <a:rPr lang="en-US" sz="2400" dirty="0" err="1">
-                <a:ea typeface="+mn-lt"/>
-                <a:cs typeface="+mn-lt"/>
-              </a:rPr>
-              <a:t>dat</a:t>
-            </a:r>
-            <a:r>
-              <a:rPr lang="en-US" sz="2400" dirty="0">
-                <a:ea typeface="+mn-lt"/>
-                <a:cs typeface="+mn-lt"/>
-              </a:rPr>
-              <a:t>, .</a:t>
-            </a:r>
-            <a:r>
-              <a:rPr lang="en-US" sz="2400" dirty="0" err="1">
-                <a:ea typeface="+mn-lt"/>
-                <a:cs typeface="+mn-lt"/>
-              </a:rPr>
-              <a:t>hea</a:t>
-            </a:r>
-            <a:r>
-              <a:rPr lang="en-US" sz="2400" dirty="0">
-                <a:ea typeface="+mn-lt"/>
-                <a:cs typeface="+mn-lt"/>
-              </a:rPr>
-              <a:t> and .</a:t>
-            </a:r>
-            <a:r>
-              <a:rPr lang="en-US" sz="2400" dirty="0" err="1">
-                <a:ea typeface="+mn-lt"/>
-                <a:cs typeface="+mn-lt"/>
-              </a:rPr>
-              <a:t>atr</a:t>
-            </a:r>
-            <a:r>
-              <a:rPr lang="en-US" sz="2400" dirty="0">
-                <a:ea typeface="+mn-lt"/>
-                <a:cs typeface="+mn-lt"/>
-              </a:rPr>
-              <a:t> files and how the required data is extracted will be explained later</a:t>
-            </a:r>
-            <a:endParaRPr lang="en-US" sz="2400" dirty="0"/>
-          </a:p>
-          <a:p>
-            <a:pPr algn="l" rtl="0" fontAlgn="base">
-              <a:buFont typeface="Arial" panose="020B0604020202020204" pitchFamily="34" charset="0"/>
-              <a:buChar char="•"/>
-            </a:pPr>
-            <a:r>
-              <a:rPr lang="en-US" sz="2400" b="0" i="0" u="none" strike="noStrike" dirty="0">
-                <a:solidFill>
-                  <a:srgbClr val="000000"/>
-                </a:solidFill>
-                <a:effectLst/>
-              </a:rPr>
-              <a:t>Source Link :</a:t>
-            </a:r>
-            <a:r>
-              <a:rPr lang="en-US" sz="2400" b="0" i="0" dirty="0">
-                <a:solidFill>
-                  <a:srgbClr val="000000"/>
-                </a:solidFill>
-                <a:effectLst/>
-              </a:rPr>
-              <a:t>​ </a:t>
-            </a:r>
-            <a:r>
-              <a:rPr lang="en-US" sz="2400" b="0" i="0" u="none" strike="noStrike" dirty="0">
-                <a:solidFill>
-                  <a:srgbClr val="000000"/>
-                </a:solidFill>
-                <a:effectLst/>
-              </a:rPr>
-              <a:t> </a:t>
-            </a:r>
-            <a:r>
-              <a:rPr lang="en-US" sz="2400" b="0" i="0" u="sng" strike="noStrike" dirty="0">
-                <a:solidFill>
-                  <a:srgbClr val="0563C1"/>
-                </a:solidFill>
-                <a:effectLst/>
-                <a:hlinkClick r:id="rId2"/>
-              </a:rPr>
-              <a:t>https://www.physionet.org/content/ecgiddb/1.0.0/</a:t>
-            </a:r>
-            <a:endParaRPr lang="en-US" sz="2400" b="0" i="0" dirty="0">
-              <a:solidFill>
-                <a:srgbClr val="000000"/>
-              </a:solidFill>
-              <a:effectLst/>
-            </a:endParaRPr>
-          </a:p>
-          <a:p>
-            <a:endParaRPr lang="en-US" sz="2400" dirty="0"/>
+              <a:rPr lang="en-US" sz="1600" dirty="0"/>
+              <a:t>wfdb.rdsamp</a:t>
+            </a:r>
+          </a:p>
+        </p:txBody>
+      </p:sp>
+      <p:sp>
+        <p:nvSpPr>
+          <p:cNvPr id="26" name="TextBox 25">
+            <a:extLst>
+              <a:ext uri="{FF2B5EF4-FFF2-40B4-BE49-F238E27FC236}">
+                <a16:creationId xmlns:a16="http://schemas.microsoft.com/office/drawing/2014/main" id="{101A8E85-3EC1-8D98-B584-AD17490E69BA}"/>
+              </a:ext>
+            </a:extLst>
+          </p:cNvPr>
+          <p:cNvSpPr txBox="1"/>
+          <p:nvPr/>
+        </p:nvSpPr>
+        <p:spPr>
+          <a:xfrm>
+            <a:off x="2086118" y="2643012"/>
+            <a:ext cx="1343543" cy="584775"/>
+          </a:xfrm>
+          <a:prstGeom prst="rect">
+            <a:avLst/>
+          </a:prstGeom>
+          <a:noFill/>
+        </p:spPr>
+        <p:txBody>
+          <a:bodyPr wrap="square" rtlCol="0">
+            <a:spAutoFit/>
+          </a:bodyPr>
+          <a:lstStyle/>
+          <a:p>
+            <a:pPr algn="ctr"/>
+            <a:r>
+              <a:rPr lang="en-US" sz="1600" dirty="0"/>
+              <a:t>Waveform Database</a:t>
+            </a:r>
+          </a:p>
+        </p:txBody>
+      </p:sp>
+      <p:sp>
+        <p:nvSpPr>
+          <p:cNvPr id="27" name="TextBox 26">
+            <a:extLst>
+              <a:ext uri="{FF2B5EF4-FFF2-40B4-BE49-F238E27FC236}">
+                <a16:creationId xmlns:a16="http://schemas.microsoft.com/office/drawing/2014/main" id="{67EEBEFB-EC84-5403-D135-E8108B4DF53A}"/>
+              </a:ext>
+            </a:extLst>
+          </p:cNvPr>
+          <p:cNvSpPr txBox="1"/>
+          <p:nvPr/>
+        </p:nvSpPr>
+        <p:spPr>
+          <a:xfrm>
+            <a:off x="5236274" y="2323418"/>
+            <a:ext cx="1343543" cy="584775"/>
+          </a:xfrm>
+          <a:prstGeom prst="rect">
+            <a:avLst/>
+          </a:prstGeom>
+          <a:noFill/>
+        </p:spPr>
+        <p:txBody>
+          <a:bodyPr wrap="square" rtlCol="0">
+            <a:spAutoFit/>
+          </a:bodyPr>
+          <a:lstStyle/>
+          <a:p>
+            <a:pPr algn="ctr"/>
+            <a:r>
+              <a:rPr lang="en-US" sz="1600" dirty="0"/>
+              <a:t>Christov segmenter</a:t>
+            </a:r>
+          </a:p>
+        </p:txBody>
+      </p:sp>
+      <p:sp>
+        <p:nvSpPr>
+          <p:cNvPr id="28" name="TextBox 27">
+            <a:extLst>
+              <a:ext uri="{FF2B5EF4-FFF2-40B4-BE49-F238E27FC236}">
+                <a16:creationId xmlns:a16="http://schemas.microsoft.com/office/drawing/2014/main" id="{B0E8881C-5559-F747-60EA-1CE1C5C33C53}"/>
+              </a:ext>
+            </a:extLst>
+          </p:cNvPr>
+          <p:cNvSpPr txBox="1"/>
+          <p:nvPr/>
+        </p:nvSpPr>
+        <p:spPr>
+          <a:xfrm>
+            <a:off x="8360411" y="2292790"/>
+            <a:ext cx="1343543" cy="830997"/>
+          </a:xfrm>
+          <a:prstGeom prst="rect">
+            <a:avLst/>
+          </a:prstGeom>
+          <a:noFill/>
+        </p:spPr>
+        <p:txBody>
+          <a:bodyPr wrap="square" rtlCol="0">
+            <a:spAutoFit/>
+          </a:bodyPr>
+          <a:lstStyle/>
+          <a:p>
+            <a:pPr algn="ctr"/>
+            <a:r>
+              <a:rPr lang="en-US" sz="1600" dirty="0"/>
+              <a:t>Difference of each R peak Signal</a:t>
+            </a:r>
+          </a:p>
+        </p:txBody>
+      </p:sp>
+      <p:cxnSp>
+        <p:nvCxnSpPr>
+          <p:cNvPr id="44" name="Straight Arrow Connector 43">
+            <a:extLst>
+              <a:ext uri="{FF2B5EF4-FFF2-40B4-BE49-F238E27FC236}">
+                <a16:creationId xmlns:a16="http://schemas.microsoft.com/office/drawing/2014/main" id="{E7039719-6E1C-8234-AB3D-D552C3668887}"/>
+              </a:ext>
+            </a:extLst>
+          </p:cNvPr>
+          <p:cNvCxnSpPr>
+            <a:cxnSpLocks/>
+            <a:stCxn id="7" idx="2"/>
+            <a:endCxn id="8" idx="0"/>
+          </p:cNvCxnSpPr>
+          <p:nvPr/>
+        </p:nvCxnSpPr>
+        <p:spPr>
+          <a:xfrm>
+            <a:off x="10607260" y="3362864"/>
+            <a:ext cx="18682" cy="1007170"/>
+          </a:xfrm>
+          <a:prstGeom prst="straightConnector1">
+            <a:avLst/>
+          </a:prstGeom>
+          <a:ln w="19050">
+            <a:tailEnd type="triangle"/>
+          </a:ln>
+        </p:spPr>
+        <p:style>
+          <a:lnRef idx="1">
+            <a:schemeClr val="dk1"/>
+          </a:lnRef>
+          <a:fillRef idx="0">
+            <a:schemeClr val="dk1"/>
+          </a:fillRef>
+          <a:effectRef idx="0">
+            <a:schemeClr val="dk1"/>
+          </a:effectRef>
+          <a:fontRef idx="minor">
+            <a:schemeClr val="tx1"/>
+          </a:fontRef>
+        </p:style>
+      </p:cxnSp>
+      <p:sp>
+        <p:nvSpPr>
+          <p:cNvPr id="47" name="TextBox 46">
+            <a:extLst>
+              <a:ext uri="{FF2B5EF4-FFF2-40B4-BE49-F238E27FC236}">
+                <a16:creationId xmlns:a16="http://schemas.microsoft.com/office/drawing/2014/main" id="{8B14F640-0446-1880-8945-40838850BD1B}"/>
+              </a:ext>
+            </a:extLst>
+          </p:cNvPr>
+          <p:cNvSpPr txBox="1"/>
+          <p:nvPr/>
+        </p:nvSpPr>
+        <p:spPr>
+          <a:xfrm>
+            <a:off x="10436924" y="3697172"/>
+            <a:ext cx="1343543" cy="338554"/>
+          </a:xfrm>
+          <a:prstGeom prst="rect">
+            <a:avLst/>
+          </a:prstGeom>
+          <a:noFill/>
+        </p:spPr>
+        <p:txBody>
+          <a:bodyPr wrap="square" rtlCol="0">
+            <a:spAutoFit/>
+          </a:bodyPr>
+          <a:lstStyle/>
+          <a:p>
+            <a:pPr algn="ctr"/>
+            <a:r>
+              <a:rPr lang="en-US" sz="1600" dirty="0"/>
+              <a:t>Matplotlib</a:t>
+            </a:r>
+          </a:p>
+        </p:txBody>
+      </p:sp>
+      <p:sp>
+        <p:nvSpPr>
+          <p:cNvPr id="48" name="TextBox 47">
+            <a:extLst>
+              <a:ext uri="{FF2B5EF4-FFF2-40B4-BE49-F238E27FC236}">
+                <a16:creationId xmlns:a16="http://schemas.microsoft.com/office/drawing/2014/main" id="{F9BC7166-C81B-620E-8186-CCC63E86ECD0}"/>
+              </a:ext>
+            </a:extLst>
+          </p:cNvPr>
+          <p:cNvSpPr txBox="1"/>
+          <p:nvPr/>
+        </p:nvSpPr>
+        <p:spPr>
+          <a:xfrm>
+            <a:off x="8053885" y="4736370"/>
+            <a:ext cx="1343543" cy="338554"/>
+          </a:xfrm>
+          <a:prstGeom prst="rect">
+            <a:avLst/>
+          </a:prstGeom>
+          <a:noFill/>
+        </p:spPr>
+        <p:txBody>
+          <a:bodyPr wrap="square" rtlCol="0">
+            <a:spAutoFit/>
+          </a:bodyPr>
+          <a:lstStyle/>
+          <a:p>
+            <a:pPr algn="ctr"/>
+            <a:r>
+              <a:rPr lang="en-US" sz="1600" dirty="0"/>
+              <a:t>Training</a:t>
+            </a:r>
+          </a:p>
+        </p:txBody>
+      </p:sp>
+      <p:sp>
+        <p:nvSpPr>
+          <p:cNvPr id="49" name="TextBox 48">
+            <a:extLst>
+              <a:ext uri="{FF2B5EF4-FFF2-40B4-BE49-F238E27FC236}">
+                <a16:creationId xmlns:a16="http://schemas.microsoft.com/office/drawing/2014/main" id="{80B8F768-078F-2F7D-B602-9E526D74951A}"/>
+              </a:ext>
+            </a:extLst>
+          </p:cNvPr>
+          <p:cNvSpPr txBox="1"/>
+          <p:nvPr/>
+        </p:nvSpPr>
+        <p:spPr>
+          <a:xfrm>
+            <a:off x="4234265" y="4763000"/>
+            <a:ext cx="1343543" cy="338554"/>
+          </a:xfrm>
+          <a:prstGeom prst="rect">
+            <a:avLst/>
+          </a:prstGeom>
+          <a:noFill/>
+        </p:spPr>
+        <p:txBody>
+          <a:bodyPr wrap="square" rtlCol="0">
+            <a:spAutoFit/>
+          </a:bodyPr>
+          <a:lstStyle/>
+          <a:p>
+            <a:pPr algn="ctr"/>
+            <a:r>
+              <a:rPr lang="en-US" sz="1600" dirty="0"/>
+              <a:t>Similarity</a:t>
+            </a:r>
           </a:p>
         </p:txBody>
       </p:sp>
     </p:spTree>
     <p:extLst>
       <p:ext uri="{BB962C8B-B14F-4D97-AF65-F5344CB8AC3E}">
-        <p14:creationId xmlns:p14="http://schemas.microsoft.com/office/powerpoint/2010/main" val="1407598965"/>
+        <p14:creationId xmlns:p14="http://schemas.microsoft.com/office/powerpoint/2010/main" val="1598981257"/>
       </p:ext>
     </p:extLst>
   </p:cSld>
@@ -5671,7 +6563,7 @@
           <p:cNvPr id="2" name="Title 1">
             <a:extLst>
               <a:ext uri="{FF2B5EF4-FFF2-40B4-BE49-F238E27FC236}">
-                <a16:creationId xmlns:a16="http://schemas.microsoft.com/office/drawing/2014/main" id="{B53101FB-927B-8297-A871-E48B6F04F21B}"/>
+                <a16:creationId xmlns:a16="http://schemas.microsoft.com/office/drawing/2014/main" id="{3513FC13-F9B0-A9E6-9F54-41D1F10BBBA8}"/>
               </a:ext>
             </a:extLst>
           </p:cNvPr>
@@ -5689,975 +6581,161 @@
           <a:p>
             <a:r>
               <a:rPr lang="en-US" b="1" dirty="0"/>
-              <a:t>Block diagram</a:t>
-            </a:r>
-          </a:p>
-        </p:txBody>
-      </p:sp>
-      <p:sp>
-        <p:nvSpPr>
-          <p:cNvPr id="4" name="Rectangle 3">
+              <a:t>Dataset</a:t>
+            </a:r>
+          </a:p>
+        </p:txBody>
+      </p:sp>
+      <p:sp>
+        <p:nvSpPr>
+          <p:cNvPr id="3" name="Content Placeholder 2">
             <a:extLst>
               <a:ext uri="{FF2B5EF4-FFF2-40B4-BE49-F238E27FC236}">
-                <a16:creationId xmlns:a16="http://schemas.microsoft.com/office/drawing/2014/main" id="{67745D5C-AD30-E595-DAE9-980945C16AD8}"/>
+                <a16:creationId xmlns:a16="http://schemas.microsoft.com/office/drawing/2014/main" id="{A5942236-8E5C-5516-A831-74F50A87BCB4}"/>
               </a:ext>
             </a:extLst>
           </p:cNvPr>
-          <p:cNvSpPr/>
-          <p:nvPr/>
-        </p:nvSpPr>
-        <p:spPr>
-          <a:xfrm>
-            <a:off x="372862" y="1884286"/>
-            <a:ext cx="1645920" cy="1463040"/>
-          </a:xfrm>
-          <a:prstGeom prst="rect">
-            <a:avLst/>
-          </a:prstGeom>
-          <a:solidFill>
-            <a:schemeClr val="bg1"/>
-          </a:solidFill>
-          <a:ln w="19050">
-            <a:solidFill>
-              <a:schemeClr val="tx1"/>
-            </a:solidFill>
-          </a:ln>
-        </p:spPr>
-        <p:style>
-          <a:lnRef idx="2">
-            <a:schemeClr val="accent1">
-              <a:shade val="50000"/>
-            </a:schemeClr>
-          </a:lnRef>
-          <a:fillRef idx="1">
-            <a:schemeClr val="accent1"/>
-          </a:fillRef>
-          <a:effectRef idx="0">
-            <a:schemeClr val="accent1"/>
-          </a:effectRef>
-          <a:fontRef idx="minor">
-            <a:schemeClr val="lt1"/>
-          </a:fontRef>
-        </p:style>
-        <p:txBody>
-          <a:bodyPr rtlCol="0" anchor="ctr"/>
-          <a:lstStyle/>
-          <a:p>
-            <a:pPr algn="ctr"/>
-            <a:r>
-              <a:rPr lang="en-US" dirty="0">
+          <p:cNvSpPr>
+            <a:spLocks noGrp="1"/>
+          </p:cNvSpPr>
+          <p:nvPr>
+            <p:ph idx="1"/>
+          </p:nvPr>
+        </p:nvSpPr>
+        <p:spPr/>
+        <p:txBody>
+          <a:bodyPr>
+            <a:noAutofit/>
+          </a:bodyPr>
+          <a:lstStyle/>
+          <a:p>
+            <a:r>
+              <a:rPr lang="en-US" sz="2400" dirty="0"/>
+              <a:t>The name of dataset is ECG-ID Database</a:t>
+            </a:r>
+          </a:p>
+          <a:p>
+            <a:r>
+              <a:rPr lang="en-US" sz="2400" dirty="0"/>
+              <a:t>The database contains 310 ECG recordings, obtained from 90 persons. Each recording contains:</a:t>
+            </a:r>
+          </a:p>
+          <a:p>
+            <a:r>
+              <a:rPr lang="en-US" sz="2400" dirty="0"/>
+              <a:t>The number of records for each person varies from 2 to 20.</a:t>
+            </a:r>
+          </a:p>
+          <a:p>
+            <a:r>
+              <a:rPr lang="en-US" sz="2400" dirty="0">
+                <a:ea typeface="+mn-lt"/>
+                <a:cs typeface="+mn-lt"/>
+              </a:rPr>
+              <a:t>Here we will get raw data in form of .</a:t>
+            </a:r>
+            <a:r>
+              <a:rPr lang="en-US" sz="2400" dirty="0" err="1">
+                <a:ea typeface="+mn-lt"/>
+                <a:cs typeface="+mn-lt"/>
+              </a:rPr>
+              <a:t>dat</a:t>
+            </a:r>
+            <a:r>
+              <a:rPr lang="en-US" sz="2400" dirty="0">
+                <a:ea typeface="+mn-lt"/>
+                <a:cs typeface="+mn-lt"/>
+              </a:rPr>
+              <a:t>, .</a:t>
+            </a:r>
+            <a:r>
+              <a:rPr lang="en-US" sz="2400" dirty="0" err="1">
+                <a:ea typeface="+mn-lt"/>
+                <a:cs typeface="+mn-lt"/>
+              </a:rPr>
+              <a:t>hea</a:t>
+            </a:r>
+            <a:r>
+              <a:rPr lang="en-US" sz="2400" dirty="0">
+                <a:ea typeface="+mn-lt"/>
+                <a:cs typeface="+mn-lt"/>
+              </a:rPr>
+              <a:t> and .</a:t>
+            </a:r>
+            <a:r>
+              <a:rPr lang="en-US" sz="2400" dirty="0" err="1">
+                <a:ea typeface="+mn-lt"/>
+                <a:cs typeface="+mn-lt"/>
+              </a:rPr>
+              <a:t>atr</a:t>
+            </a:r>
+            <a:r>
+              <a:rPr lang="en-US" sz="2400" dirty="0">
+                <a:ea typeface="+mn-lt"/>
+                <a:cs typeface="+mn-lt"/>
+              </a:rPr>
+              <a:t> files and how the required data is extracted will be explained later</a:t>
+            </a:r>
+            <a:endParaRPr lang="en-US" sz="2400" dirty="0"/>
+          </a:p>
+          <a:p>
+            <a:pPr algn="l" rtl="0" fontAlgn="base">
+              <a:buFont typeface="Arial" panose="020B0604020202020204" pitchFamily="34" charset="0"/>
+              <a:buChar char="•"/>
+            </a:pPr>
+            <a:r>
+              <a:rPr lang="en-US" sz="2400" b="0" i="0" u="none" strike="noStrike" dirty="0">
                 <a:solidFill>
-                  <a:schemeClr val="tx1"/>
+                  <a:srgbClr val="000000"/>
                 </a:solidFill>
+                <a:effectLst/>
               </a:rPr>
-              <a:t>ECG_ID</a:t>
-            </a:r>
-          </a:p>
-          <a:p>
-            <a:pPr algn="ctr"/>
-            <a:r>
-              <a:rPr lang="en-US" dirty="0">
+              <a:t>Source Link :</a:t>
+            </a:r>
+            <a:r>
+              <a:rPr lang="en-US" sz="2400" b="0" i="0" dirty="0">
                 <a:solidFill>
-                  <a:schemeClr val="tx1"/>
+                  <a:srgbClr val="000000"/>
                 </a:solidFill>
+                <a:effectLst/>
               </a:rPr>
-              <a:t>Database</a:t>
-            </a:r>
-          </a:p>
-          <a:p>
-            <a:pPr algn="ctr"/>
-            <a:r>
-              <a:rPr lang="en-US" dirty="0">
+              <a:t>​ </a:t>
+            </a:r>
+            <a:r>
+              <a:rPr lang="en-US" sz="2400" b="0" i="0" u="none" strike="noStrike" dirty="0">
                 <a:solidFill>
-                  <a:schemeClr val="tx1"/>
+                  <a:srgbClr val="000000"/>
                 </a:solidFill>
+                <a:effectLst/>
               </a:rPr>
-              <a:t>(waveform)</a:t>
-            </a:r>
-          </a:p>
-        </p:txBody>
-      </p:sp>
-      <p:sp>
-        <p:nvSpPr>
-          <p:cNvPr id="5" name="Rectangle 4">
-            <a:extLst>
-              <a:ext uri="{FF2B5EF4-FFF2-40B4-BE49-F238E27FC236}">
-                <a16:creationId xmlns:a16="http://schemas.microsoft.com/office/drawing/2014/main" id="{2593CE19-1753-9DAF-AC7D-37CFC458F846}"/>
-              </a:ext>
-            </a:extLst>
-          </p:cNvPr>
-          <p:cNvSpPr/>
-          <p:nvPr/>
-        </p:nvSpPr>
-        <p:spPr>
-          <a:xfrm>
-            <a:off x="3510008" y="1884286"/>
-            <a:ext cx="1645920" cy="1463040"/>
-          </a:xfrm>
-          <a:prstGeom prst="rect">
-            <a:avLst/>
-          </a:prstGeom>
-          <a:solidFill>
-            <a:schemeClr val="bg1"/>
-          </a:solidFill>
-          <a:ln w="19050">
-            <a:solidFill>
-              <a:schemeClr val="tx1"/>
-            </a:solidFill>
-          </a:ln>
-        </p:spPr>
-        <p:style>
-          <a:lnRef idx="2">
-            <a:schemeClr val="accent1">
-              <a:shade val="50000"/>
-            </a:schemeClr>
-          </a:lnRef>
-          <a:fillRef idx="1">
-            <a:schemeClr val="accent1"/>
-          </a:fillRef>
-          <a:effectRef idx="0">
-            <a:schemeClr val="accent1"/>
-          </a:effectRef>
-          <a:fontRef idx="minor">
-            <a:schemeClr val="lt1"/>
-          </a:fontRef>
-        </p:style>
-        <p:txBody>
-          <a:bodyPr rtlCol="0" anchor="ctr"/>
-          <a:lstStyle/>
-          <a:p>
-            <a:pPr algn="ctr"/>
-            <a:r>
-              <a:rPr lang="en-US" dirty="0">
+              <a:t> </a:t>
+            </a:r>
+            <a:r>
+              <a:rPr lang="en-US" sz="2400" b="0" i="0" u="sng" strike="noStrike" dirty="0">
                 <a:solidFill>
-                  <a:schemeClr val="tx1"/>
+                  <a:srgbClr val="0563C1"/>
                 </a:solidFill>
+                <a:effectLst/>
+                <a:hlinkClick r:id="rId2"/>
               </a:rPr>
-              <a:t>Feature Extraction</a:t>
-            </a:r>
-          </a:p>
-        </p:txBody>
-      </p:sp>
-      <p:sp>
-        <p:nvSpPr>
-          <p:cNvPr id="6" name="Rectangle 5">
-            <a:extLst>
-              <a:ext uri="{FF2B5EF4-FFF2-40B4-BE49-F238E27FC236}">
-                <a16:creationId xmlns:a16="http://schemas.microsoft.com/office/drawing/2014/main" id="{0F07D69E-346B-3016-BE92-2D341AE8191E}"/>
-              </a:ext>
-            </a:extLst>
-          </p:cNvPr>
-          <p:cNvSpPr/>
-          <p:nvPr/>
-        </p:nvSpPr>
-        <p:spPr>
-          <a:xfrm>
-            <a:off x="6647154" y="1884286"/>
-            <a:ext cx="1645920" cy="1463040"/>
-          </a:xfrm>
-          <a:prstGeom prst="rect">
-            <a:avLst/>
-          </a:prstGeom>
-          <a:solidFill>
-            <a:schemeClr val="bg1"/>
-          </a:solidFill>
-          <a:ln w="19050">
-            <a:solidFill>
-              <a:schemeClr val="tx1"/>
-            </a:solidFill>
-          </a:ln>
-        </p:spPr>
-        <p:style>
-          <a:lnRef idx="2">
-            <a:schemeClr val="accent1">
-              <a:shade val="50000"/>
-            </a:schemeClr>
-          </a:lnRef>
-          <a:fillRef idx="1">
-            <a:schemeClr val="accent1"/>
-          </a:fillRef>
-          <a:effectRef idx="0">
-            <a:schemeClr val="accent1"/>
-          </a:effectRef>
-          <a:fontRef idx="minor">
-            <a:schemeClr val="lt1"/>
-          </a:fontRef>
-        </p:style>
-        <p:txBody>
-          <a:bodyPr rtlCol="0" anchor="ctr"/>
-          <a:lstStyle/>
-          <a:p>
-            <a:pPr algn="ctr"/>
-            <a:r>
-              <a:rPr lang="en-US" dirty="0">
-                <a:solidFill>
-                  <a:schemeClr val="tx1"/>
-                </a:solidFill>
-              </a:rPr>
-              <a:t>QRS Complex</a:t>
-            </a:r>
-          </a:p>
-        </p:txBody>
-      </p:sp>
-      <p:sp>
-        <p:nvSpPr>
-          <p:cNvPr id="7" name="Rectangle 6">
-            <a:extLst>
-              <a:ext uri="{FF2B5EF4-FFF2-40B4-BE49-F238E27FC236}">
-                <a16:creationId xmlns:a16="http://schemas.microsoft.com/office/drawing/2014/main" id="{DA29047F-10F5-40EC-4F5D-118979026B86}"/>
-              </a:ext>
-            </a:extLst>
-          </p:cNvPr>
-          <p:cNvSpPr/>
-          <p:nvPr/>
-        </p:nvSpPr>
-        <p:spPr>
-          <a:xfrm>
-            <a:off x="9784300" y="1899824"/>
-            <a:ext cx="1645920" cy="1463040"/>
-          </a:xfrm>
-          <a:prstGeom prst="rect">
-            <a:avLst/>
-          </a:prstGeom>
-          <a:solidFill>
-            <a:schemeClr val="bg1"/>
-          </a:solidFill>
-          <a:ln w="19050">
-            <a:solidFill>
-              <a:schemeClr val="tx1"/>
-            </a:solidFill>
-          </a:ln>
-        </p:spPr>
-        <p:style>
-          <a:lnRef idx="2">
-            <a:schemeClr val="accent1">
-              <a:shade val="50000"/>
-            </a:schemeClr>
-          </a:lnRef>
-          <a:fillRef idx="1">
-            <a:schemeClr val="accent1"/>
-          </a:fillRef>
-          <a:effectRef idx="0">
-            <a:schemeClr val="accent1"/>
-          </a:effectRef>
-          <a:fontRef idx="minor">
-            <a:schemeClr val="lt1"/>
-          </a:fontRef>
-        </p:style>
-        <p:txBody>
-          <a:bodyPr rtlCol="0" anchor="ctr"/>
-          <a:lstStyle/>
-          <a:p>
-            <a:pPr algn="ctr"/>
-            <a:r>
-              <a:rPr lang="en-US" dirty="0">
-                <a:solidFill>
-                  <a:schemeClr val="tx1"/>
-                </a:solidFill>
-              </a:rPr>
-              <a:t>RR interval</a:t>
-            </a:r>
-          </a:p>
-        </p:txBody>
-      </p:sp>
-      <p:sp>
-        <p:nvSpPr>
-          <p:cNvPr id="8" name="Rectangle 7">
-            <a:extLst>
-              <a:ext uri="{FF2B5EF4-FFF2-40B4-BE49-F238E27FC236}">
-                <a16:creationId xmlns:a16="http://schemas.microsoft.com/office/drawing/2014/main" id="{F83C0A6A-E58A-2385-FB49-43C0DD342F3D}"/>
-              </a:ext>
-            </a:extLst>
-          </p:cNvPr>
-          <p:cNvSpPr/>
-          <p:nvPr/>
-        </p:nvSpPr>
-        <p:spPr>
-          <a:xfrm>
-            <a:off x="9812507" y="4370034"/>
-            <a:ext cx="1626870" cy="1463040"/>
-          </a:xfrm>
-          <a:prstGeom prst="rect">
-            <a:avLst/>
-          </a:prstGeom>
-          <a:solidFill>
-            <a:schemeClr val="bg1"/>
-          </a:solidFill>
-          <a:ln w="19050">
-            <a:solidFill>
-              <a:schemeClr val="tx1"/>
-            </a:solidFill>
-          </a:ln>
-        </p:spPr>
-        <p:style>
-          <a:lnRef idx="2">
-            <a:schemeClr val="accent1">
-              <a:shade val="50000"/>
-            </a:schemeClr>
-          </a:lnRef>
-          <a:fillRef idx="1">
-            <a:schemeClr val="accent1"/>
-          </a:fillRef>
-          <a:effectRef idx="0">
-            <a:schemeClr val="accent1"/>
-          </a:effectRef>
-          <a:fontRef idx="minor">
-            <a:schemeClr val="lt1"/>
-          </a:fontRef>
-        </p:style>
-        <p:txBody>
-          <a:bodyPr rtlCol="0" anchor="ctr"/>
-          <a:lstStyle/>
-          <a:p>
-            <a:pPr algn="ctr"/>
-            <a:r>
-              <a:rPr lang="en-US" dirty="0">
-                <a:solidFill>
-                  <a:schemeClr val="tx1"/>
-                </a:solidFill>
-              </a:rPr>
-              <a:t>Plot graphs</a:t>
-            </a:r>
-          </a:p>
-          <a:p>
-            <a:pPr algn="ctr"/>
-            <a:r>
-              <a:rPr lang="en-US" dirty="0">
-                <a:solidFill>
-                  <a:schemeClr val="tx1"/>
-                </a:solidFill>
-              </a:rPr>
-              <a:t>(Images)</a:t>
-            </a:r>
-          </a:p>
-        </p:txBody>
-      </p:sp>
-      <p:sp>
-        <p:nvSpPr>
-          <p:cNvPr id="9" name="Rectangle 8">
-            <a:extLst>
-              <a:ext uri="{FF2B5EF4-FFF2-40B4-BE49-F238E27FC236}">
-                <a16:creationId xmlns:a16="http://schemas.microsoft.com/office/drawing/2014/main" id="{0928DDF0-C7A3-EB2B-8744-23E9482432FC}"/>
-              </a:ext>
-            </a:extLst>
-          </p:cNvPr>
-          <p:cNvSpPr/>
-          <p:nvPr/>
-        </p:nvSpPr>
-        <p:spPr>
-          <a:xfrm>
-            <a:off x="5992887" y="4371979"/>
-            <a:ext cx="1645920" cy="1463040"/>
-          </a:xfrm>
-          <a:prstGeom prst="rect">
-            <a:avLst/>
-          </a:prstGeom>
-          <a:solidFill>
-            <a:schemeClr val="bg1"/>
-          </a:solidFill>
-          <a:ln w="19050">
-            <a:solidFill>
-              <a:schemeClr val="tx1"/>
-            </a:solidFill>
-          </a:ln>
-        </p:spPr>
-        <p:style>
-          <a:lnRef idx="2">
-            <a:schemeClr val="accent1">
-              <a:shade val="50000"/>
-            </a:schemeClr>
-          </a:lnRef>
-          <a:fillRef idx="1">
-            <a:schemeClr val="accent1"/>
-          </a:fillRef>
-          <a:effectRef idx="0">
-            <a:schemeClr val="accent1"/>
-          </a:effectRef>
-          <a:fontRef idx="minor">
-            <a:schemeClr val="lt1"/>
-          </a:fontRef>
-        </p:style>
-        <p:txBody>
-          <a:bodyPr rtlCol="0" anchor="ctr"/>
-          <a:lstStyle/>
-          <a:p>
-            <a:pPr algn="ctr"/>
-            <a:r>
-              <a:rPr lang="en-US" dirty="0">
-                <a:solidFill>
-                  <a:schemeClr val="tx1"/>
-                </a:solidFill>
-              </a:rPr>
-              <a:t>Siamese/CNN</a:t>
-            </a:r>
-          </a:p>
-        </p:txBody>
-      </p:sp>
-      <p:sp>
-        <p:nvSpPr>
-          <p:cNvPr id="10" name="Rectangle 9">
-            <a:extLst>
-              <a:ext uri="{FF2B5EF4-FFF2-40B4-BE49-F238E27FC236}">
-                <a16:creationId xmlns:a16="http://schemas.microsoft.com/office/drawing/2014/main" id="{4AE9294F-75F3-A64E-5462-90714D8C7791}"/>
-              </a:ext>
-            </a:extLst>
-          </p:cNvPr>
-          <p:cNvSpPr/>
-          <p:nvPr/>
-        </p:nvSpPr>
-        <p:spPr>
-          <a:xfrm>
-            <a:off x="2173267" y="4370034"/>
-            <a:ext cx="1645920" cy="1463040"/>
-          </a:xfrm>
-          <a:prstGeom prst="rect">
-            <a:avLst/>
-          </a:prstGeom>
-          <a:solidFill>
-            <a:schemeClr val="bg1"/>
-          </a:solidFill>
-          <a:ln w="19050">
-            <a:solidFill>
-              <a:schemeClr val="tx1"/>
-            </a:solidFill>
-          </a:ln>
-        </p:spPr>
-        <p:style>
-          <a:lnRef idx="2">
-            <a:schemeClr val="accent1">
-              <a:shade val="50000"/>
-            </a:schemeClr>
-          </a:lnRef>
-          <a:fillRef idx="1">
-            <a:schemeClr val="accent1"/>
-          </a:fillRef>
-          <a:effectRef idx="0">
-            <a:schemeClr val="accent1"/>
-          </a:effectRef>
-          <a:fontRef idx="minor">
-            <a:schemeClr val="lt1"/>
-          </a:fontRef>
-        </p:style>
-        <p:txBody>
-          <a:bodyPr rtlCol="0" anchor="ctr"/>
-          <a:lstStyle/>
-          <a:p>
-            <a:pPr algn="ctr"/>
-            <a:r>
-              <a:rPr lang="en-US" dirty="0">
-                <a:solidFill>
-                  <a:schemeClr val="tx1"/>
-                </a:solidFill>
-              </a:rPr>
-              <a:t>Authentication</a:t>
-            </a:r>
-          </a:p>
-        </p:txBody>
-      </p:sp>
-      <p:cxnSp>
-        <p:nvCxnSpPr>
-          <p:cNvPr id="12" name="Straight Arrow Connector 11">
-            <a:extLst>
-              <a:ext uri="{FF2B5EF4-FFF2-40B4-BE49-F238E27FC236}">
-                <a16:creationId xmlns:a16="http://schemas.microsoft.com/office/drawing/2014/main" id="{51BDF2FB-7D5D-F0BC-C28E-B882FD8F28B9}"/>
-              </a:ext>
-            </a:extLst>
-          </p:cNvPr>
-          <p:cNvCxnSpPr>
-            <a:stCxn id="4" idx="3"/>
-            <a:endCxn id="5" idx="1"/>
-          </p:cNvCxnSpPr>
-          <p:nvPr/>
-        </p:nvCxnSpPr>
-        <p:spPr>
-          <a:xfrm>
-            <a:off x="2018782" y="2615806"/>
-            <a:ext cx="1491226" cy="0"/>
-          </a:xfrm>
-          <a:prstGeom prst="straightConnector1">
-            <a:avLst/>
-          </a:prstGeom>
-          <a:ln w="19050">
-            <a:tailEnd type="triangle"/>
-          </a:ln>
-        </p:spPr>
-        <p:style>
-          <a:lnRef idx="1">
-            <a:schemeClr val="dk1"/>
-          </a:lnRef>
-          <a:fillRef idx="0">
-            <a:schemeClr val="dk1"/>
-          </a:fillRef>
-          <a:effectRef idx="0">
-            <a:schemeClr val="dk1"/>
-          </a:effectRef>
-          <a:fontRef idx="minor">
-            <a:schemeClr val="tx1"/>
-          </a:fontRef>
-        </p:style>
-      </p:cxnSp>
-      <p:cxnSp>
-        <p:nvCxnSpPr>
-          <p:cNvPr id="16" name="Straight Arrow Connector 15">
-            <a:extLst>
-              <a:ext uri="{FF2B5EF4-FFF2-40B4-BE49-F238E27FC236}">
-                <a16:creationId xmlns:a16="http://schemas.microsoft.com/office/drawing/2014/main" id="{F9ECD6AF-568C-D2B0-E1FD-15F8B8558B2D}"/>
-              </a:ext>
-            </a:extLst>
-          </p:cNvPr>
-          <p:cNvCxnSpPr/>
-          <p:nvPr/>
-        </p:nvCxnSpPr>
-        <p:spPr>
-          <a:xfrm>
-            <a:off x="5155928" y="2615806"/>
-            <a:ext cx="1491226" cy="0"/>
-          </a:xfrm>
-          <a:prstGeom prst="straightConnector1">
-            <a:avLst/>
-          </a:prstGeom>
-          <a:ln w="19050">
-            <a:tailEnd type="triangle"/>
-          </a:ln>
-        </p:spPr>
-        <p:style>
-          <a:lnRef idx="1">
-            <a:schemeClr val="dk1"/>
-          </a:lnRef>
-          <a:fillRef idx="0">
-            <a:schemeClr val="dk1"/>
-          </a:fillRef>
-          <a:effectRef idx="0">
-            <a:schemeClr val="dk1"/>
-          </a:effectRef>
-          <a:fontRef idx="minor">
-            <a:schemeClr val="tx1"/>
-          </a:fontRef>
-        </p:style>
-      </p:cxnSp>
-      <p:cxnSp>
-        <p:nvCxnSpPr>
-          <p:cNvPr id="17" name="Straight Arrow Connector 16">
-            <a:extLst>
-              <a:ext uri="{FF2B5EF4-FFF2-40B4-BE49-F238E27FC236}">
-                <a16:creationId xmlns:a16="http://schemas.microsoft.com/office/drawing/2014/main" id="{A7594468-0B8D-EF7C-1EAF-30F7FF9535B1}"/>
-              </a:ext>
-            </a:extLst>
-          </p:cNvPr>
-          <p:cNvCxnSpPr/>
-          <p:nvPr/>
-        </p:nvCxnSpPr>
-        <p:spPr>
-          <a:xfrm>
-            <a:off x="8293074" y="2615806"/>
-            <a:ext cx="1491226" cy="0"/>
-          </a:xfrm>
-          <a:prstGeom prst="straightConnector1">
-            <a:avLst/>
-          </a:prstGeom>
-          <a:ln w="19050">
-            <a:tailEnd type="triangle"/>
-          </a:ln>
-        </p:spPr>
-        <p:style>
-          <a:lnRef idx="1">
-            <a:schemeClr val="dk1"/>
-          </a:lnRef>
-          <a:fillRef idx="0">
-            <a:schemeClr val="dk1"/>
-          </a:fillRef>
-          <a:effectRef idx="0">
-            <a:schemeClr val="dk1"/>
-          </a:effectRef>
-          <a:fontRef idx="minor">
-            <a:schemeClr val="tx1"/>
-          </a:fontRef>
-        </p:style>
-      </p:cxnSp>
-      <p:cxnSp>
-        <p:nvCxnSpPr>
-          <p:cNvPr id="21" name="Straight Arrow Connector 20">
-            <a:extLst>
-              <a:ext uri="{FF2B5EF4-FFF2-40B4-BE49-F238E27FC236}">
-                <a16:creationId xmlns:a16="http://schemas.microsoft.com/office/drawing/2014/main" id="{0C787D4A-F55D-464E-F686-C71E6E9E35CC}"/>
-              </a:ext>
-            </a:extLst>
-          </p:cNvPr>
-          <p:cNvCxnSpPr>
-            <a:cxnSpLocks/>
-            <a:stCxn id="8" idx="1"/>
-            <a:endCxn id="9" idx="3"/>
-          </p:cNvCxnSpPr>
-          <p:nvPr/>
-        </p:nvCxnSpPr>
-        <p:spPr>
-          <a:xfrm flipH="1">
-            <a:off x="7638807" y="5101554"/>
-            <a:ext cx="2173700" cy="1945"/>
-          </a:xfrm>
-          <a:prstGeom prst="straightConnector1">
-            <a:avLst/>
-          </a:prstGeom>
-          <a:ln w="19050">
-            <a:tailEnd type="triangle"/>
-          </a:ln>
-        </p:spPr>
-        <p:style>
-          <a:lnRef idx="1">
-            <a:schemeClr val="dk1"/>
-          </a:lnRef>
-          <a:fillRef idx="0">
-            <a:schemeClr val="dk1"/>
-          </a:fillRef>
-          <a:effectRef idx="0">
-            <a:schemeClr val="dk1"/>
-          </a:effectRef>
-          <a:fontRef idx="minor">
-            <a:schemeClr val="tx1"/>
-          </a:fontRef>
-        </p:style>
-      </p:cxnSp>
-      <p:cxnSp>
-        <p:nvCxnSpPr>
-          <p:cNvPr id="23" name="Straight Arrow Connector 22">
-            <a:extLst>
-              <a:ext uri="{FF2B5EF4-FFF2-40B4-BE49-F238E27FC236}">
-                <a16:creationId xmlns:a16="http://schemas.microsoft.com/office/drawing/2014/main" id="{D5B81A5C-C453-621D-1A5C-01890DC54B41}"/>
-              </a:ext>
-            </a:extLst>
-          </p:cNvPr>
-          <p:cNvCxnSpPr>
-            <a:cxnSpLocks/>
-            <a:stCxn id="9" idx="1"/>
-            <a:endCxn id="10" idx="3"/>
-          </p:cNvCxnSpPr>
-          <p:nvPr/>
-        </p:nvCxnSpPr>
-        <p:spPr>
-          <a:xfrm flipH="1" flipV="1">
-            <a:off x="3819187" y="5101554"/>
-            <a:ext cx="2173700" cy="1945"/>
-          </a:xfrm>
-          <a:prstGeom prst="straightConnector1">
-            <a:avLst/>
-          </a:prstGeom>
-          <a:ln w="19050">
-            <a:tailEnd type="triangle"/>
-          </a:ln>
-        </p:spPr>
-        <p:style>
-          <a:lnRef idx="1">
-            <a:schemeClr val="dk1"/>
-          </a:lnRef>
-          <a:fillRef idx="0">
-            <a:schemeClr val="dk1"/>
-          </a:fillRef>
-          <a:effectRef idx="0">
-            <a:schemeClr val="dk1"/>
-          </a:effectRef>
-          <a:fontRef idx="minor">
-            <a:schemeClr val="tx1"/>
-          </a:fontRef>
-        </p:style>
-      </p:cxnSp>
-      <p:sp>
-        <p:nvSpPr>
-          <p:cNvPr id="24" name="TextBox 23">
-            <a:extLst>
-              <a:ext uri="{FF2B5EF4-FFF2-40B4-BE49-F238E27FC236}">
-                <a16:creationId xmlns:a16="http://schemas.microsoft.com/office/drawing/2014/main" id="{54CC781B-2EFA-8941-2328-AFEB3B828D7C}"/>
-              </a:ext>
-            </a:extLst>
-          </p:cNvPr>
-          <p:cNvSpPr txBox="1"/>
-          <p:nvPr/>
-        </p:nvSpPr>
-        <p:spPr>
-          <a:xfrm>
-            <a:off x="2086119" y="2292790"/>
-            <a:ext cx="1343543" cy="338554"/>
-          </a:xfrm>
-          <a:prstGeom prst="rect">
-            <a:avLst/>
-          </a:prstGeom>
-          <a:noFill/>
-        </p:spPr>
-        <p:txBody>
-          <a:bodyPr wrap="square" rtlCol="0">
-            <a:spAutoFit/>
-          </a:bodyPr>
-          <a:lstStyle/>
-          <a:p>
-            <a:r>
-              <a:rPr lang="en-US" sz="1600" dirty="0"/>
-              <a:t>wfdb.rdsamp</a:t>
-            </a:r>
-          </a:p>
-        </p:txBody>
-      </p:sp>
-      <p:sp>
-        <p:nvSpPr>
-          <p:cNvPr id="26" name="TextBox 25">
-            <a:extLst>
-              <a:ext uri="{FF2B5EF4-FFF2-40B4-BE49-F238E27FC236}">
-                <a16:creationId xmlns:a16="http://schemas.microsoft.com/office/drawing/2014/main" id="{101A8E85-3EC1-8D98-B584-AD17490E69BA}"/>
-              </a:ext>
-            </a:extLst>
-          </p:cNvPr>
-          <p:cNvSpPr txBox="1"/>
-          <p:nvPr/>
-        </p:nvSpPr>
-        <p:spPr>
-          <a:xfrm>
-            <a:off x="2086118" y="2643012"/>
-            <a:ext cx="1343543" cy="584775"/>
-          </a:xfrm>
-          <a:prstGeom prst="rect">
-            <a:avLst/>
-          </a:prstGeom>
-          <a:noFill/>
-        </p:spPr>
-        <p:txBody>
-          <a:bodyPr wrap="square" rtlCol="0">
-            <a:spAutoFit/>
-          </a:bodyPr>
-          <a:lstStyle/>
-          <a:p>
-            <a:pPr algn="ctr"/>
-            <a:r>
-              <a:rPr lang="en-US" sz="1600" dirty="0"/>
-              <a:t>Waveform Database</a:t>
-            </a:r>
-          </a:p>
-        </p:txBody>
-      </p:sp>
-      <p:sp>
-        <p:nvSpPr>
-          <p:cNvPr id="27" name="TextBox 26">
-            <a:extLst>
-              <a:ext uri="{FF2B5EF4-FFF2-40B4-BE49-F238E27FC236}">
-                <a16:creationId xmlns:a16="http://schemas.microsoft.com/office/drawing/2014/main" id="{67EEBEFB-EC84-5403-D135-E8108B4DF53A}"/>
-              </a:ext>
-            </a:extLst>
-          </p:cNvPr>
-          <p:cNvSpPr txBox="1"/>
-          <p:nvPr/>
-        </p:nvSpPr>
-        <p:spPr>
-          <a:xfrm>
-            <a:off x="5236274" y="2323418"/>
-            <a:ext cx="1343543" cy="584775"/>
-          </a:xfrm>
-          <a:prstGeom prst="rect">
-            <a:avLst/>
-          </a:prstGeom>
-          <a:noFill/>
-        </p:spPr>
-        <p:txBody>
-          <a:bodyPr wrap="square" rtlCol="0">
-            <a:spAutoFit/>
-          </a:bodyPr>
-          <a:lstStyle/>
-          <a:p>
-            <a:pPr algn="ctr"/>
-            <a:r>
-              <a:rPr lang="en-US" sz="1600" dirty="0"/>
-              <a:t>Christov segmenter</a:t>
-            </a:r>
-          </a:p>
-        </p:txBody>
-      </p:sp>
-      <p:sp>
-        <p:nvSpPr>
-          <p:cNvPr id="28" name="TextBox 27">
-            <a:extLst>
-              <a:ext uri="{FF2B5EF4-FFF2-40B4-BE49-F238E27FC236}">
-                <a16:creationId xmlns:a16="http://schemas.microsoft.com/office/drawing/2014/main" id="{B0E8881C-5559-F747-60EA-1CE1C5C33C53}"/>
-              </a:ext>
-            </a:extLst>
-          </p:cNvPr>
-          <p:cNvSpPr txBox="1"/>
-          <p:nvPr/>
-        </p:nvSpPr>
-        <p:spPr>
-          <a:xfrm>
-            <a:off x="8360411" y="2292790"/>
-            <a:ext cx="1343543" cy="830997"/>
-          </a:xfrm>
-          <a:prstGeom prst="rect">
-            <a:avLst/>
-          </a:prstGeom>
-          <a:noFill/>
-        </p:spPr>
-        <p:txBody>
-          <a:bodyPr wrap="square" rtlCol="0">
-            <a:spAutoFit/>
-          </a:bodyPr>
-          <a:lstStyle/>
-          <a:p>
-            <a:pPr algn="ctr"/>
-            <a:r>
-              <a:rPr lang="en-US" sz="1600" dirty="0"/>
-              <a:t>Difference of each R peak Signal</a:t>
-            </a:r>
-          </a:p>
-        </p:txBody>
-      </p:sp>
-      <p:cxnSp>
-        <p:nvCxnSpPr>
-          <p:cNvPr id="44" name="Straight Arrow Connector 43">
-            <a:extLst>
-              <a:ext uri="{FF2B5EF4-FFF2-40B4-BE49-F238E27FC236}">
-                <a16:creationId xmlns:a16="http://schemas.microsoft.com/office/drawing/2014/main" id="{E7039719-6E1C-8234-AB3D-D552C3668887}"/>
-              </a:ext>
-            </a:extLst>
-          </p:cNvPr>
-          <p:cNvCxnSpPr>
-            <a:cxnSpLocks/>
-            <a:stCxn id="7" idx="2"/>
-            <a:endCxn id="8" idx="0"/>
-          </p:cNvCxnSpPr>
-          <p:nvPr/>
-        </p:nvCxnSpPr>
-        <p:spPr>
-          <a:xfrm>
-            <a:off x="10607260" y="3362864"/>
-            <a:ext cx="18682" cy="1007170"/>
-          </a:xfrm>
-          <a:prstGeom prst="straightConnector1">
-            <a:avLst/>
-          </a:prstGeom>
-          <a:ln w="19050">
-            <a:tailEnd type="triangle"/>
-          </a:ln>
-        </p:spPr>
-        <p:style>
-          <a:lnRef idx="1">
-            <a:schemeClr val="dk1"/>
-          </a:lnRef>
-          <a:fillRef idx="0">
-            <a:schemeClr val="dk1"/>
-          </a:fillRef>
-          <a:effectRef idx="0">
-            <a:schemeClr val="dk1"/>
-          </a:effectRef>
-          <a:fontRef idx="minor">
-            <a:schemeClr val="tx1"/>
-          </a:fontRef>
-        </p:style>
-      </p:cxnSp>
-      <p:sp>
-        <p:nvSpPr>
-          <p:cNvPr id="47" name="TextBox 46">
-            <a:extLst>
-              <a:ext uri="{FF2B5EF4-FFF2-40B4-BE49-F238E27FC236}">
-                <a16:creationId xmlns:a16="http://schemas.microsoft.com/office/drawing/2014/main" id="{8B14F640-0446-1880-8945-40838850BD1B}"/>
-              </a:ext>
-            </a:extLst>
-          </p:cNvPr>
-          <p:cNvSpPr txBox="1"/>
-          <p:nvPr/>
-        </p:nvSpPr>
-        <p:spPr>
-          <a:xfrm>
-            <a:off x="10436924" y="3697172"/>
-            <a:ext cx="1343543" cy="338554"/>
-          </a:xfrm>
-          <a:prstGeom prst="rect">
-            <a:avLst/>
-          </a:prstGeom>
-          <a:noFill/>
-        </p:spPr>
-        <p:txBody>
-          <a:bodyPr wrap="square" rtlCol="0">
-            <a:spAutoFit/>
-          </a:bodyPr>
-          <a:lstStyle/>
-          <a:p>
-            <a:pPr algn="ctr"/>
-            <a:r>
-              <a:rPr lang="en-US" sz="1600" dirty="0"/>
-              <a:t>Matplotlib</a:t>
-            </a:r>
-          </a:p>
-        </p:txBody>
-      </p:sp>
-      <p:sp>
-        <p:nvSpPr>
-          <p:cNvPr id="48" name="TextBox 47">
-            <a:extLst>
-              <a:ext uri="{FF2B5EF4-FFF2-40B4-BE49-F238E27FC236}">
-                <a16:creationId xmlns:a16="http://schemas.microsoft.com/office/drawing/2014/main" id="{F9BC7166-C81B-620E-8186-CCC63E86ECD0}"/>
-              </a:ext>
-            </a:extLst>
-          </p:cNvPr>
-          <p:cNvSpPr txBox="1"/>
-          <p:nvPr/>
-        </p:nvSpPr>
-        <p:spPr>
-          <a:xfrm>
-            <a:off x="8053885" y="4736370"/>
-            <a:ext cx="1343543" cy="338554"/>
-          </a:xfrm>
-          <a:prstGeom prst="rect">
-            <a:avLst/>
-          </a:prstGeom>
-          <a:noFill/>
-        </p:spPr>
-        <p:txBody>
-          <a:bodyPr wrap="square" rtlCol="0">
-            <a:spAutoFit/>
-          </a:bodyPr>
-          <a:lstStyle/>
-          <a:p>
-            <a:pPr algn="ctr"/>
-            <a:r>
-              <a:rPr lang="en-US" sz="1600" dirty="0"/>
-              <a:t>Training</a:t>
-            </a:r>
-          </a:p>
-        </p:txBody>
-      </p:sp>
-      <p:sp>
-        <p:nvSpPr>
-          <p:cNvPr id="49" name="TextBox 48">
-            <a:extLst>
-              <a:ext uri="{FF2B5EF4-FFF2-40B4-BE49-F238E27FC236}">
-                <a16:creationId xmlns:a16="http://schemas.microsoft.com/office/drawing/2014/main" id="{80B8F768-078F-2F7D-B602-9E526D74951A}"/>
-              </a:ext>
-            </a:extLst>
-          </p:cNvPr>
-          <p:cNvSpPr txBox="1"/>
-          <p:nvPr/>
-        </p:nvSpPr>
-        <p:spPr>
-          <a:xfrm>
-            <a:off x="4234265" y="4763000"/>
-            <a:ext cx="1343543" cy="338554"/>
-          </a:xfrm>
-          <a:prstGeom prst="rect">
-            <a:avLst/>
-          </a:prstGeom>
-          <a:noFill/>
-        </p:spPr>
-        <p:txBody>
-          <a:bodyPr wrap="square" rtlCol="0">
-            <a:spAutoFit/>
-          </a:bodyPr>
-          <a:lstStyle/>
-          <a:p>
-            <a:pPr algn="ctr"/>
-            <a:r>
-              <a:rPr lang="en-US" sz="1600" dirty="0"/>
-              <a:t>Similarity</a:t>
-            </a:r>
+              <a:t>https://www.physionet.org/content/ecgiddb/1.0.0/</a:t>
+            </a:r>
+            <a:endParaRPr lang="en-US" sz="2400" b="0" i="0" dirty="0">
+              <a:solidFill>
+                <a:srgbClr val="000000"/>
+              </a:solidFill>
+              <a:effectLst/>
+            </a:endParaRPr>
+          </a:p>
+          <a:p>
+            <a:endParaRPr lang="en-US" sz="2400" dirty="0"/>
           </a:p>
         </p:txBody>
       </p:sp>
     </p:spTree>
     <p:extLst>
       <p:ext uri="{BB962C8B-B14F-4D97-AF65-F5344CB8AC3E}">
-        <p14:creationId xmlns:p14="http://schemas.microsoft.com/office/powerpoint/2010/main" val="1598981257"/>
+        <p14:creationId xmlns:p14="http://schemas.microsoft.com/office/powerpoint/2010/main" val="1407598965"/>
       </p:ext>
     </p:extLst>
   </p:cSld>
@@ -10922,6 +11000,681 @@
           <p:cNvPr id="2" name="Title 1">
             <a:extLst>
               <a:ext uri="{FF2B5EF4-FFF2-40B4-BE49-F238E27FC236}">
+                <a16:creationId xmlns:a16="http://schemas.microsoft.com/office/drawing/2014/main" id="{B68093B9-6981-40EC-9AFD-1A8DBA15D2B3}"/>
+              </a:ext>
+            </a:extLst>
+          </p:cNvPr>
+          <p:cNvSpPr>
+            <a:spLocks noGrp="1"/>
+          </p:cNvSpPr>
+          <p:nvPr>
+            <p:ph type="title"/>
+          </p:nvPr>
+        </p:nvSpPr>
+        <p:spPr>
+          <a:xfrm>
+            <a:off x="668079" y="-58653"/>
+            <a:ext cx="10515600" cy="1325563"/>
+          </a:xfrm>
+        </p:spPr>
+        <p:txBody>
+          <a:bodyPr/>
+          <a:lstStyle/>
+          <a:p>
+            <a:r>
+              <a:rPr lang="en-US" b="1" dirty="0"/>
+              <a:t>Proposed System</a:t>
+            </a:r>
+          </a:p>
+        </p:txBody>
+      </p:sp>
+      <p:pic>
+        <p:nvPicPr>
+          <p:cNvPr id="6" name="Picture 5" descr="Qr code&#10;&#10;Description automatically generated">
+            <a:extLst>
+              <a:ext uri="{FF2B5EF4-FFF2-40B4-BE49-F238E27FC236}">
+                <a16:creationId xmlns:a16="http://schemas.microsoft.com/office/drawing/2014/main" id="{32C0E12A-6A89-4DFF-99BF-325616BB5F25}"/>
+              </a:ext>
+            </a:extLst>
+          </p:cNvPr>
+          <p:cNvPicPr>
+            <a:picLocks noChangeAspect="1"/>
+          </p:cNvPicPr>
+          <p:nvPr/>
+        </p:nvPicPr>
+        <p:blipFill>
+          <a:blip r:embed="rId2">
+            <a:extLst>
+              <a:ext uri="{28A0092B-C50C-407E-A947-70E740481C1C}">
+                <a14:useLocalDpi xmlns:a14="http://schemas.microsoft.com/office/drawing/2010/main" val="0"/>
+              </a:ext>
+            </a:extLst>
+          </a:blip>
+          <a:stretch>
+            <a:fillRect/>
+          </a:stretch>
+        </p:blipFill>
+        <p:spPr>
+          <a:xfrm>
+            <a:off x="4875300" y="728297"/>
+            <a:ext cx="2410067" cy="2548119"/>
+          </a:xfrm>
+          <a:prstGeom prst="rect">
+            <a:avLst/>
+          </a:prstGeom>
+        </p:spPr>
+      </p:pic>
+      <p:pic>
+        <p:nvPicPr>
+          <p:cNvPr id="7" name="Picture 6" descr="Chart, line chart&#10;&#10;Description automatically generated">
+            <a:extLst>
+              <a:ext uri="{FF2B5EF4-FFF2-40B4-BE49-F238E27FC236}">
+                <a16:creationId xmlns:a16="http://schemas.microsoft.com/office/drawing/2014/main" id="{E5D59F6C-FFFB-4EC0-861B-D184FA6D95D3}"/>
+              </a:ext>
+            </a:extLst>
+          </p:cNvPr>
+          <p:cNvPicPr>
+            <a:picLocks noChangeAspect="1"/>
+          </p:cNvPicPr>
+          <p:nvPr/>
+        </p:nvPicPr>
+        <p:blipFill>
+          <a:blip r:embed="rId3">
+            <a:extLst>
+              <a:ext uri="{28A0092B-C50C-407E-A947-70E740481C1C}">
+                <a14:useLocalDpi xmlns:a14="http://schemas.microsoft.com/office/drawing/2010/main" val="0"/>
+              </a:ext>
+            </a:extLst>
+          </a:blip>
+          <a:stretch>
+            <a:fillRect/>
+          </a:stretch>
+        </p:blipFill>
+        <p:spPr>
+          <a:xfrm>
+            <a:off x="9303994" y="859353"/>
+            <a:ext cx="2005749" cy="1502376"/>
+          </a:xfrm>
+          <a:prstGeom prst="rect">
+            <a:avLst/>
+          </a:prstGeom>
+        </p:spPr>
+      </p:pic>
+      <p:pic>
+        <p:nvPicPr>
+          <p:cNvPr id="8" name="Picture 7" descr="Shape&#10;&#10;Description automatically generated with low confidence">
+            <a:extLst>
+              <a:ext uri="{FF2B5EF4-FFF2-40B4-BE49-F238E27FC236}">
+                <a16:creationId xmlns:a16="http://schemas.microsoft.com/office/drawing/2014/main" id="{F98B4BA1-A0E5-438D-A857-209AAFE4F50B}"/>
+              </a:ext>
+            </a:extLst>
+          </p:cNvPr>
+          <p:cNvPicPr>
+            <a:picLocks noChangeAspect="1"/>
+          </p:cNvPicPr>
+          <p:nvPr/>
+        </p:nvPicPr>
+        <p:blipFill>
+          <a:blip r:embed="rId4">
+            <a:extLst>
+              <a:ext uri="{28A0092B-C50C-407E-A947-70E740481C1C}">
+                <a14:useLocalDpi xmlns:a14="http://schemas.microsoft.com/office/drawing/2010/main" val="0"/>
+              </a:ext>
+            </a:extLst>
+          </a:blip>
+          <a:stretch>
+            <a:fillRect/>
+          </a:stretch>
+        </p:blipFill>
+        <p:spPr>
+          <a:xfrm>
+            <a:off x="5403493" y="3835153"/>
+            <a:ext cx="2065444" cy="2065444"/>
+          </a:xfrm>
+          <a:prstGeom prst="rect">
+            <a:avLst/>
+          </a:prstGeom>
+        </p:spPr>
+      </p:pic>
+      <p:pic>
+        <p:nvPicPr>
+          <p:cNvPr id="9" name="Picture 8" descr="Icon&#10;&#10;Description automatically generated">
+            <a:extLst>
+              <a:ext uri="{FF2B5EF4-FFF2-40B4-BE49-F238E27FC236}">
+                <a16:creationId xmlns:a16="http://schemas.microsoft.com/office/drawing/2014/main" id="{4B5B5BEB-D826-4E31-B98A-48031E0D6F88}"/>
+              </a:ext>
+            </a:extLst>
+          </p:cNvPr>
+          <p:cNvPicPr>
+            <a:picLocks noChangeAspect="1"/>
+          </p:cNvPicPr>
+          <p:nvPr/>
+        </p:nvPicPr>
+        <p:blipFill>
+          <a:blip r:embed="rId5">
+            <a:extLst>
+              <a:ext uri="{28A0092B-C50C-407E-A947-70E740481C1C}">
+                <a14:useLocalDpi xmlns:a14="http://schemas.microsoft.com/office/drawing/2010/main" val="0"/>
+              </a:ext>
+            </a:extLst>
+          </a:blip>
+          <a:stretch>
+            <a:fillRect/>
+          </a:stretch>
+        </p:blipFill>
+        <p:spPr>
+          <a:xfrm>
+            <a:off x="9621822" y="3654030"/>
+            <a:ext cx="1588615" cy="2246567"/>
+          </a:xfrm>
+          <a:prstGeom prst="rect">
+            <a:avLst/>
+          </a:prstGeom>
+        </p:spPr>
+      </p:pic>
+      <p:sp>
+        <p:nvSpPr>
+          <p:cNvPr id="10" name="Arrow: Right 9">
+            <a:extLst>
+              <a:ext uri="{FF2B5EF4-FFF2-40B4-BE49-F238E27FC236}">
+                <a16:creationId xmlns:a16="http://schemas.microsoft.com/office/drawing/2014/main" id="{07B40C1C-20E7-4CCA-BD0D-792DFC174A4B}"/>
+              </a:ext>
+            </a:extLst>
+          </p:cNvPr>
+          <p:cNvSpPr/>
+          <p:nvPr/>
+        </p:nvSpPr>
+        <p:spPr>
+          <a:xfrm>
+            <a:off x="2614255" y="1470998"/>
+            <a:ext cx="1187183" cy="165744"/>
+          </a:xfrm>
+          <a:prstGeom prst="rightArrow">
+            <a:avLst/>
+          </a:prstGeom>
+        </p:spPr>
+        <p:style>
+          <a:lnRef idx="2">
+            <a:schemeClr val="accent1">
+              <a:shade val="50000"/>
+            </a:schemeClr>
+          </a:lnRef>
+          <a:fillRef idx="1">
+            <a:schemeClr val="accent1"/>
+          </a:fillRef>
+          <a:effectRef idx="0">
+            <a:schemeClr val="accent1"/>
+          </a:effectRef>
+          <a:fontRef idx="minor">
+            <a:schemeClr val="lt1"/>
+          </a:fontRef>
+        </p:style>
+        <p:txBody>
+          <a:bodyPr rtlCol="0" anchor="ctr"/>
+          <a:lstStyle/>
+          <a:p>
+            <a:pPr algn="ctr"/>
+            <a:endParaRPr lang="en-US"/>
+          </a:p>
+        </p:txBody>
+      </p:sp>
+      <p:sp>
+        <p:nvSpPr>
+          <p:cNvPr id="11" name="Arrow: Right 10">
+            <a:extLst>
+              <a:ext uri="{FF2B5EF4-FFF2-40B4-BE49-F238E27FC236}">
+                <a16:creationId xmlns:a16="http://schemas.microsoft.com/office/drawing/2014/main" id="{EBDE5BA6-3090-4F2B-B2EB-8474EC6E3C43}"/>
+              </a:ext>
+            </a:extLst>
+          </p:cNvPr>
+          <p:cNvSpPr/>
+          <p:nvPr/>
+        </p:nvSpPr>
+        <p:spPr>
+          <a:xfrm>
+            <a:off x="7404826" y="1346579"/>
+            <a:ext cx="1020084" cy="145783"/>
+          </a:xfrm>
+          <a:prstGeom prst="rightArrow">
+            <a:avLst/>
+          </a:prstGeom>
+        </p:spPr>
+        <p:style>
+          <a:lnRef idx="2">
+            <a:schemeClr val="accent1">
+              <a:shade val="50000"/>
+            </a:schemeClr>
+          </a:lnRef>
+          <a:fillRef idx="1">
+            <a:schemeClr val="accent1"/>
+          </a:fillRef>
+          <a:effectRef idx="0">
+            <a:schemeClr val="accent1"/>
+          </a:effectRef>
+          <a:fontRef idx="minor">
+            <a:schemeClr val="lt1"/>
+          </a:fontRef>
+        </p:style>
+        <p:txBody>
+          <a:bodyPr rtlCol="0" anchor="ctr"/>
+          <a:lstStyle/>
+          <a:p>
+            <a:pPr algn="ctr"/>
+            <a:endParaRPr lang="en-US"/>
+          </a:p>
+        </p:txBody>
+      </p:sp>
+      <p:sp>
+        <p:nvSpPr>
+          <p:cNvPr id="12" name="Arrow: Right 11">
+            <a:extLst>
+              <a:ext uri="{FF2B5EF4-FFF2-40B4-BE49-F238E27FC236}">
+                <a16:creationId xmlns:a16="http://schemas.microsoft.com/office/drawing/2014/main" id="{C82662ED-C54A-46B7-9475-9121795BF95B}"/>
+              </a:ext>
+            </a:extLst>
+          </p:cNvPr>
+          <p:cNvSpPr/>
+          <p:nvPr/>
+        </p:nvSpPr>
+        <p:spPr>
+          <a:xfrm rot="5400000">
+            <a:off x="9914861" y="3070179"/>
+            <a:ext cx="1002539" cy="190060"/>
+          </a:xfrm>
+          <a:prstGeom prst="rightArrow">
+            <a:avLst/>
+          </a:prstGeom>
+        </p:spPr>
+        <p:style>
+          <a:lnRef idx="2">
+            <a:schemeClr val="accent1">
+              <a:shade val="50000"/>
+            </a:schemeClr>
+          </a:lnRef>
+          <a:fillRef idx="1">
+            <a:schemeClr val="accent1"/>
+          </a:fillRef>
+          <a:effectRef idx="0">
+            <a:schemeClr val="accent1"/>
+          </a:effectRef>
+          <a:fontRef idx="minor">
+            <a:schemeClr val="lt1"/>
+          </a:fontRef>
+        </p:style>
+        <p:txBody>
+          <a:bodyPr rtlCol="0" anchor="ctr"/>
+          <a:lstStyle/>
+          <a:p>
+            <a:pPr algn="ctr"/>
+            <a:endParaRPr lang="en-US"/>
+          </a:p>
+        </p:txBody>
+      </p:sp>
+      <p:sp>
+        <p:nvSpPr>
+          <p:cNvPr id="13" name="Arrow: Right 12">
+            <a:extLst>
+              <a:ext uri="{FF2B5EF4-FFF2-40B4-BE49-F238E27FC236}">
+                <a16:creationId xmlns:a16="http://schemas.microsoft.com/office/drawing/2014/main" id="{4AEAA93E-C3F3-40CF-9AD3-7CE3D02C7A22}"/>
+              </a:ext>
+            </a:extLst>
+          </p:cNvPr>
+          <p:cNvSpPr/>
+          <p:nvPr/>
+        </p:nvSpPr>
+        <p:spPr>
+          <a:xfrm rot="10800000">
+            <a:off x="8329155" y="4848717"/>
+            <a:ext cx="1098929" cy="184921"/>
+          </a:xfrm>
+          <a:prstGeom prst="rightArrow">
+            <a:avLst/>
+          </a:prstGeom>
+        </p:spPr>
+        <p:style>
+          <a:lnRef idx="2">
+            <a:schemeClr val="accent1">
+              <a:shade val="50000"/>
+            </a:schemeClr>
+          </a:lnRef>
+          <a:fillRef idx="1">
+            <a:schemeClr val="accent1"/>
+          </a:fillRef>
+          <a:effectRef idx="0">
+            <a:schemeClr val="accent1"/>
+          </a:effectRef>
+          <a:fontRef idx="minor">
+            <a:schemeClr val="lt1"/>
+          </a:fontRef>
+        </p:style>
+        <p:txBody>
+          <a:bodyPr rtlCol="0" anchor="ctr"/>
+          <a:lstStyle/>
+          <a:p>
+            <a:pPr algn="ctr"/>
+            <a:endParaRPr lang="en-US"/>
+          </a:p>
+        </p:txBody>
+      </p:sp>
+      <p:sp>
+        <p:nvSpPr>
+          <p:cNvPr id="14" name="TextBox 13">
+            <a:extLst>
+              <a:ext uri="{FF2B5EF4-FFF2-40B4-BE49-F238E27FC236}">
+                <a16:creationId xmlns:a16="http://schemas.microsoft.com/office/drawing/2014/main" id="{054AABD3-284A-4AAC-899F-1A61B278E346}"/>
+              </a:ext>
+            </a:extLst>
+          </p:cNvPr>
+          <p:cNvSpPr txBox="1"/>
+          <p:nvPr/>
+        </p:nvSpPr>
+        <p:spPr>
+          <a:xfrm>
+            <a:off x="1979700" y="1636741"/>
+            <a:ext cx="2895600" cy="461665"/>
+          </a:xfrm>
+          <a:prstGeom prst="rect">
+            <a:avLst/>
+          </a:prstGeom>
+          <a:noFill/>
+        </p:spPr>
+        <p:txBody>
+          <a:bodyPr wrap="square" rtlCol="0">
+            <a:spAutoFit/>
+          </a:bodyPr>
+          <a:lstStyle/>
+          <a:p>
+            <a:r>
+              <a:rPr lang="en-US" sz="2400"/>
+              <a:t>QR Code is Scanned</a:t>
+            </a:r>
+          </a:p>
+        </p:txBody>
+      </p:sp>
+      <p:sp>
+        <p:nvSpPr>
+          <p:cNvPr id="15" name="TextBox 14">
+            <a:extLst>
+              <a:ext uri="{FF2B5EF4-FFF2-40B4-BE49-F238E27FC236}">
+                <a16:creationId xmlns:a16="http://schemas.microsoft.com/office/drawing/2014/main" id="{5FC009E6-5ED3-4DCE-BD62-3E9E1B05853F}"/>
+              </a:ext>
+            </a:extLst>
+          </p:cNvPr>
+          <p:cNvSpPr txBox="1"/>
+          <p:nvPr/>
+        </p:nvSpPr>
+        <p:spPr>
+          <a:xfrm>
+            <a:off x="6893927" y="1479390"/>
+            <a:ext cx="2895600" cy="461665"/>
+          </a:xfrm>
+          <a:prstGeom prst="rect">
+            <a:avLst/>
+          </a:prstGeom>
+          <a:noFill/>
+        </p:spPr>
+        <p:txBody>
+          <a:bodyPr wrap="square" rtlCol="0">
+            <a:spAutoFit/>
+          </a:bodyPr>
+          <a:lstStyle/>
+          <a:p>
+            <a:r>
+              <a:rPr lang="en-US" sz="2400"/>
+              <a:t>Access Granted</a:t>
+            </a:r>
+          </a:p>
+        </p:txBody>
+      </p:sp>
+      <p:sp>
+        <p:nvSpPr>
+          <p:cNvPr id="16" name="TextBox 15">
+            <a:extLst>
+              <a:ext uri="{FF2B5EF4-FFF2-40B4-BE49-F238E27FC236}">
+                <a16:creationId xmlns:a16="http://schemas.microsoft.com/office/drawing/2014/main" id="{0CA1B279-3D19-4B72-BD2D-C8B31985AF44}"/>
+              </a:ext>
+            </a:extLst>
+          </p:cNvPr>
+          <p:cNvSpPr txBox="1"/>
+          <p:nvPr/>
+        </p:nvSpPr>
+        <p:spPr>
+          <a:xfrm>
+            <a:off x="7457941" y="2928152"/>
+            <a:ext cx="2895600" cy="461665"/>
+          </a:xfrm>
+          <a:prstGeom prst="rect">
+            <a:avLst/>
+          </a:prstGeom>
+          <a:noFill/>
+        </p:spPr>
+        <p:txBody>
+          <a:bodyPr wrap="square" rtlCol="0">
+            <a:spAutoFit/>
+          </a:bodyPr>
+          <a:lstStyle/>
+          <a:p>
+            <a:r>
+              <a:rPr lang="en-US" sz="2400"/>
+              <a:t>ECG wave is detected</a:t>
+            </a:r>
+          </a:p>
+        </p:txBody>
+      </p:sp>
+      <p:sp>
+        <p:nvSpPr>
+          <p:cNvPr id="17" name="TextBox 16">
+            <a:extLst>
+              <a:ext uri="{FF2B5EF4-FFF2-40B4-BE49-F238E27FC236}">
+                <a16:creationId xmlns:a16="http://schemas.microsoft.com/office/drawing/2014/main" id="{B86EB294-945B-45F4-B366-6F962417C70F}"/>
+              </a:ext>
+            </a:extLst>
+          </p:cNvPr>
+          <p:cNvSpPr txBox="1"/>
+          <p:nvPr/>
+        </p:nvSpPr>
+        <p:spPr>
+          <a:xfrm>
+            <a:off x="9458658" y="5704578"/>
+            <a:ext cx="2097701" cy="830997"/>
+          </a:xfrm>
+          <a:prstGeom prst="rect">
+            <a:avLst/>
+          </a:prstGeom>
+          <a:noFill/>
+        </p:spPr>
+        <p:txBody>
+          <a:bodyPr wrap="square" rtlCol="0">
+            <a:spAutoFit/>
+          </a:bodyPr>
+          <a:lstStyle/>
+          <a:p>
+            <a:r>
+              <a:rPr lang="en-US" sz="2400"/>
+              <a:t>Heart wave Authentication</a:t>
+            </a:r>
+          </a:p>
+        </p:txBody>
+      </p:sp>
+      <p:sp>
+        <p:nvSpPr>
+          <p:cNvPr id="18" name="TextBox 17">
+            <a:extLst>
+              <a:ext uri="{FF2B5EF4-FFF2-40B4-BE49-F238E27FC236}">
+                <a16:creationId xmlns:a16="http://schemas.microsoft.com/office/drawing/2014/main" id="{CF8EC136-852F-4534-8127-B31D745F0FC3}"/>
+              </a:ext>
+            </a:extLst>
+          </p:cNvPr>
+          <p:cNvSpPr txBox="1"/>
+          <p:nvPr/>
+        </p:nvSpPr>
+        <p:spPr>
+          <a:xfrm>
+            <a:off x="7726269" y="4315648"/>
+            <a:ext cx="2295426" cy="461665"/>
+          </a:xfrm>
+          <a:prstGeom prst="rect">
+            <a:avLst/>
+          </a:prstGeom>
+          <a:noFill/>
+        </p:spPr>
+        <p:txBody>
+          <a:bodyPr wrap="square" rtlCol="0">
+            <a:spAutoFit/>
+          </a:bodyPr>
+          <a:lstStyle/>
+          <a:p>
+            <a:r>
+              <a:rPr lang="en-US" sz="2400"/>
+              <a:t>Access Granted</a:t>
+            </a:r>
+          </a:p>
+        </p:txBody>
+      </p:sp>
+      <p:sp>
+        <p:nvSpPr>
+          <p:cNvPr id="19" name="TextBox 18">
+            <a:extLst>
+              <a:ext uri="{FF2B5EF4-FFF2-40B4-BE49-F238E27FC236}">
+                <a16:creationId xmlns:a16="http://schemas.microsoft.com/office/drawing/2014/main" id="{C4F7BAF0-2701-49AC-9067-156576971D70}"/>
+              </a:ext>
+            </a:extLst>
+          </p:cNvPr>
+          <p:cNvSpPr txBox="1"/>
+          <p:nvPr/>
+        </p:nvSpPr>
+        <p:spPr>
+          <a:xfrm>
+            <a:off x="5925879" y="6027003"/>
+            <a:ext cx="2318998" cy="830997"/>
+          </a:xfrm>
+          <a:prstGeom prst="rect">
+            <a:avLst/>
+          </a:prstGeom>
+          <a:noFill/>
+        </p:spPr>
+        <p:txBody>
+          <a:bodyPr wrap="square" rtlCol="0">
+            <a:spAutoFit/>
+          </a:bodyPr>
+          <a:lstStyle/>
+          <a:p>
+            <a:r>
+              <a:rPr lang="en-US" sz="2400"/>
+              <a:t>Services</a:t>
+            </a:r>
+          </a:p>
+          <a:p>
+            <a:endParaRPr lang="en-US" sz="2400"/>
+          </a:p>
+        </p:txBody>
+      </p:sp>
+      <p:pic>
+        <p:nvPicPr>
+          <p:cNvPr id="20" name="Picture 19" descr="Icon&#10;&#10;Description automatically generated">
+            <a:extLst>
+              <a:ext uri="{FF2B5EF4-FFF2-40B4-BE49-F238E27FC236}">
+                <a16:creationId xmlns:a16="http://schemas.microsoft.com/office/drawing/2014/main" id="{5F277D91-3C8E-4C44-9A9F-F41CB1D7969D}"/>
+              </a:ext>
+            </a:extLst>
+          </p:cNvPr>
+          <p:cNvPicPr>
+            <a:picLocks noChangeAspect="1"/>
+          </p:cNvPicPr>
+          <p:nvPr/>
+        </p:nvPicPr>
+        <p:blipFill>
+          <a:blip r:embed="rId6">
+            <a:extLst>
+              <a:ext uri="{28A0092B-C50C-407E-A947-70E740481C1C}">
+                <a14:useLocalDpi xmlns:a14="http://schemas.microsoft.com/office/drawing/2010/main" val="0"/>
+              </a:ext>
+            </a:extLst>
+          </a:blip>
+          <a:stretch>
+            <a:fillRect/>
+          </a:stretch>
+        </p:blipFill>
+        <p:spPr>
+          <a:xfrm>
+            <a:off x="501118" y="927100"/>
+            <a:ext cx="1466850" cy="2501900"/>
+          </a:xfrm>
+          <a:prstGeom prst="rect">
+            <a:avLst/>
+          </a:prstGeom>
+        </p:spPr>
+      </p:pic>
+      <p:sp>
+        <p:nvSpPr>
+          <p:cNvPr id="21" name="TextBox 20">
+            <a:extLst>
+              <a:ext uri="{FF2B5EF4-FFF2-40B4-BE49-F238E27FC236}">
+                <a16:creationId xmlns:a16="http://schemas.microsoft.com/office/drawing/2014/main" id="{4F07C960-7724-40FA-A811-AFE719D47F7A}"/>
+              </a:ext>
+            </a:extLst>
+          </p:cNvPr>
+          <p:cNvSpPr txBox="1"/>
+          <p:nvPr/>
+        </p:nvSpPr>
+        <p:spPr>
+          <a:xfrm>
+            <a:off x="947493" y="3528210"/>
+            <a:ext cx="1020475" cy="461665"/>
+          </a:xfrm>
+          <a:prstGeom prst="rect">
+            <a:avLst/>
+          </a:prstGeom>
+          <a:noFill/>
+        </p:spPr>
+        <p:txBody>
+          <a:bodyPr wrap="square" rtlCol="0">
+            <a:spAutoFit/>
+          </a:bodyPr>
+          <a:lstStyle/>
+          <a:p>
+            <a:r>
+              <a:rPr lang="en-US" sz="2400"/>
+              <a:t>User</a:t>
+            </a:r>
+          </a:p>
+        </p:txBody>
+      </p:sp>
+    </p:spTree>
+    <p:extLst>
+      <p:ext uri="{BB962C8B-B14F-4D97-AF65-F5344CB8AC3E}">
+        <p14:creationId xmlns:p14="http://schemas.microsoft.com/office/powerpoint/2010/main" val="1898072782"/>
+      </p:ext>
+    </p:extLst>
+  </p:cSld>
+  <p:clrMapOvr>
+    <a:masterClrMapping/>
+  </p:clrMapOvr>
+</p:sld>
+</file>
+
+<file path=ppt/slides/slide6.xml><?xml version="1.0" encoding="utf-8"?>
+<p:sld xmlns:a="http://schemas.openxmlformats.org/drawingml/2006/main" xmlns:r="http://schemas.openxmlformats.org/officeDocument/2006/relationships" xmlns:p="http://schemas.openxmlformats.org/presentationml/2006/main">
+  <p:cSld>
+    <p:spTree>
+      <p:nvGrpSpPr>
+        <p:cNvPr id="1" name=""/>
+        <p:cNvGrpSpPr/>
+        <p:nvPr/>
+      </p:nvGrpSpPr>
+      <p:grpSpPr>
+        <a:xfrm>
+          <a:off x="0" y="0"/>
+          <a:ext cx="0" cy="0"/>
+          <a:chOff x="0" y="0"/>
+          <a:chExt cx="0" cy="0"/>
+        </a:xfrm>
+      </p:grpSpPr>
+      <p:sp>
+        <p:nvSpPr>
+          <p:cNvPr id="2" name="Title 1">
+            <a:extLst>
+              <a:ext uri="{FF2B5EF4-FFF2-40B4-BE49-F238E27FC236}">
                 <a16:creationId xmlns:a16="http://schemas.microsoft.com/office/drawing/2014/main" id="{4163873F-2445-771F-7C3C-DB4B51C24BCA}"/>
               </a:ext>
             </a:extLst>
@@ -11058,7 +11811,7 @@
 </p:sld>
 </file>
 
-<file path=ppt/slides/slide6.xml><?xml version="1.0" encoding="utf-8"?>
+<file path=ppt/slides/slide7.xml><?xml version="1.0" encoding="utf-8"?>
 <p:sld xmlns:a="http://schemas.openxmlformats.org/drawingml/2006/main" xmlns:r="http://schemas.openxmlformats.org/officeDocument/2006/relationships" xmlns:p="http://schemas.openxmlformats.org/presentationml/2006/main">
   <p:cSld>
     <p:bg>
@@ -11622,681 +12375,6 @@
 </p:sld>
 </file>
 
-<file path=ppt/slides/slide7.xml><?xml version="1.0" encoding="utf-8"?>
-<p:sld xmlns:a="http://schemas.openxmlformats.org/drawingml/2006/main" xmlns:r="http://schemas.openxmlformats.org/officeDocument/2006/relationships" xmlns:p="http://schemas.openxmlformats.org/presentationml/2006/main">
-  <p:cSld>
-    <p:spTree>
-      <p:nvGrpSpPr>
-        <p:cNvPr id="1" name=""/>
-        <p:cNvGrpSpPr/>
-        <p:nvPr/>
-      </p:nvGrpSpPr>
-      <p:grpSpPr>
-        <a:xfrm>
-          <a:off x="0" y="0"/>
-          <a:ext cx="0" cy="0"/>
-          <a:chOff x="0" y="0"/>
-          <a:chExt cx="0" cy="0"/>
-        </a:xfrm>
-      </p:grpSpPr>
-      <p:sp>
-        <p:nvSpPr>
-          <p:cNvPr id="2" name="Title 1">
-            <a:extLst>
-              <a:ext uri="{FF2B5EF4-FFF2-40B4-BE49-F238E27FC236}">
-                <a16:creationId xmlns:a16="http://schemas.microsoft.com/office/drawing/2014/main" id="{B68093B9-6981-40EC-9AFD-1A8DBA15D2B3}"/>
-              </a:ext>
-            </a:extLst>
-          </p:cNvPr>
-          <p:cNvSpPr>
-            <a:spLocks noGrp="1"/>
-          </p:cNvSpPr>
-          <p:nvPr>
-            <p:ph type="title"/>
-          </p:nvPr>
-        </p:nvSpPr>
-        <p:spPr>
-          <a:xfrm>
-            <a:off x="668079" y="-58653"/>
-            <a:ext cx="10515600" cy="1325563"/>
-          </a:xfrm>
-        </p:spPr>
-        <p:txBody>
-          <a:bodyPr/>
-          <a:lstStyle/>
-          <a:p>
-            <a:r>
-              <a:rPr lang="en-US" b="1" dirty="0"/>
-              <a:t>Proposed System</a:t>
-            </a:r>
-          </a:p>
-        </p:txBody>
-      </p:sp>
-      <p:pic>
-        <p:nvPicPr>
-          <p:cNvPr id="6" name="Picture 5" descr="Qr code&#10;&#10;Description automatically generated">
-            <a:extLst>
-              <a:ext uri="{FF2B5EF4-FFF2-40B4-BE49-F238E27FC236}">
-                <a16:creationId xmlns:a16="http://schemas.microsoft.com/office/drawing/2014/main" id="{32C0E12A-6A89-4DFF-99BF-325616BB5F25}"/>
-              </a:ext>
-            </a:extLst>
-          </p:cNvPr>
-          <p:cNvPicPr>
-            <a:picLocks noChangeAspect="1"/>
-          </p:cNvPicPr>
-          <p:nvPr/>
-        </p:nvPicPr>
-        <p:blipFill>
-          <a:blip r:embed="rId2">
-            <a:extLst>
-              <a:ext uri="{28A0092B-C50C-407E-A947-70E740481C1C}">
-                <a14:useLocalDpi xmlns:a14="http://schemas.microsoft.com/office/drawing/2010/main" val="0"/>
-              </a:ext>
-            </a:extLst>
-          </a:blip>
-          <a:stretch>
-            <a:fillRect/>
-          </a:stretch>
-        </p:blipFill>
-        <p:spPr>
-          <a:xfrm>
-            <a:off x="4875300" y="728297"/>
-            <a:ext cx="2410067" cy="2548119"/>
-          </a:xfrm>
-          <a:prstGeom prst="rect">
-            <a:avLst/>
-          </a:prstGeom>
-        </p:spPr>
-      </p:pic>
-      <p:pic>
-        <p:nvPicPr>
-          <p:cNvPr id="7" name="Picture 6" descr="Chart, line chart&#10;&#10;Description automatically generated">
-            <a:extLst>
-              <a:ext uri="{FF2B5EF4-FFF2-40B4-BE49-F238E27FC236}">
-                <a16:creationId xmlns:a16="http://schemas.microsoft.com/office/drawing/2014/main" id="{E5D59F6C-FFFB-4EC0-861B-D184FA6D95D3}"/>
-              </a:ext>
-            </a:extLst>
-          </p:cNvPr>
-          <p:cNvPicPr>
-            <a:picLocks noChangeAspect="1"/>
-          </p:cNvPicPr>
-          <p:nvPr/>
-        </p:nvPicPr>
-        <p:blipFill>
-          <a:blip r:embed="rId3">
-            <a:extLst>
-              <a:ext uri="{28A0092B-C50C-407E-A947-70E740481C1C}">
-                <a14:useLocalDpi xmlns:a14="http://schemas.microsoft.com/office/drawing/2010/main" val="0"/>
-              </a:ext>
-            </a:extLst>
-          </a:blip>
-          <a:stretch>
-            <a:fillRect/>
-          </a:stretch>
-        </p:blipFill>
-        <p:spPr>
-          <a:xfrm>
-            <a:off x="9303994" y="859353"/>
-            <a:ext cx="2005749" cy="1502376"/>
-          </a:xfrm>
-          <a:prstGeom prst="rect">
-            <a:avLst/>
-          </a:prstGeom>
-        </p:spPr>
-      </p:pic>
-      <p:pic>
-        <p:nvPicPr>
-          <p:cNvPr id="8" name="Picture 7" descr="Shape&#10;&#10;Description automatically generated with low confidence">
-            <a:extLst>
-              <a:ext uri="{FF2B5EF4-FFF2-40B4-BE49-F238E27FC236}">
-                <a16:creationId xmlns:a16="http://schemas.microsoft.com/office/drawing/2014/main" id="{F98B4BA1-A0E5-438D-A857-209AAFE4F50B}"/>
-              </a:ext>
-            </a:extLst>
-          </p:cNvPr>
-          <p:cNvPicPr>
-            <a:picLocks noChangeAspect="1"/>
-          </p:cNvPicPr>
-          <p:nvPr/>
-        </p:nvPicPr>
-        <p:blipFill>
-          <a:blip r:embed="rId4">
-            <a:extLst>
-              <a:ext uri="{28A0092B-C50C-407E-A947-70E740481C1C}">
-                <a14:useLocalDpi xmlns:a14="http://schemas.microsoft.com/office/drawing/2010/main" val="0"/>
-              </a:ext>
-            </a:extLst>
-          </a:blip>
-          <a:stretch>
-            <a:fillRect/>
-          </a:stretch>
-        </p:blipFill>
-        <p:spPr>
-          <a:xfrm>
-            <a:off x="5403493" y="3835153"/>
-            <a:ext cx="2065444" cy="2065444"/>
-          </a:xfrm>
-          <a:prstGeom prst="rect">
-            <a:avLst/>
-          </a:prstGeom>
-        </p:spPr>
-      </p:pic>
-      <p:pic>
-        <p:nvPicPr>
-          <p:cNvPr id="9" name="Picture 8" descr="Icon&#10;&#10;Description automatically generated">
-            <a:extLst>
-              <a:ext uri="{FF2B5EF4-FFF2-40B4-BE49-F238E27FC236}">
-                <a16:creationId xmlns:a16="http://schemas.microsoft.com/office/drawing/2014/main" id="{4B5B5BEB-D826-4E31-B98A-48031E0D6F88}"/>
-              </a:ext>
-            </a:extLst>
-          </p:cNvPr>
-          <p:cNvPicPr>
-            <a:picLocks noChangeAspect="1"/>
-          </p:cNvPicPr>
-          <p:nvPr/>
-        </p:nvPicPr>
-        <p:blipFill>
-          <a:blip r:embed="rId5">
-            <a:extLst>
-              <a:ext uri="{28A0092B-C50C-407E-A947-70E740481C1C}">
-                <a14:useLocalDpi xmlns:a14="http://schemas.microsoft.com/office/drawing/2010/main" val="0"/>
-              </a:ext>
-            </a:extLst>
-          </a:blip>
-          <a:stretch>
-            <a:fillRect/>
-          </a:stretch>
-        </p:blipFill>
-        <p:spPr>
-          <a:xfrm>
-            <a:off x="9621822" y="3654030"/>
-            <a:ext cx="1588615" cy="2246567"/>
-          </a:xfrm>
-          <a:prstGeom prst="rect">
-            <a:avLst/>
-          </a:prstGeom>
-        </p:spPr>
-      </p:pic>
-      <p:sp>
-        <p:nvSpPr>
-          <p:cNvPr id="10" name="Arrow: Right 9">
-            <a:extLst>
-              <a:ext uri="{FF2B5EF4-FFF2-40B4-BE49-F238E27FC236}">
-                <a16:creationId xmlns:a16="http://schemas.microsoft.com/office/drawing/2014/main" id="{07B40C1C-20E7-4CCA-BD0D-792DFC174A4B}"/>
-              </a:ext>
-            </a:extLst>
-          </p:cNvPr>
-          <p:cNvSpPr/>
-          <p:nvPr/>
-        </p:nvSpPr>
-        <p:spPr>
-          <a:xfrm>
-            <a:off x="2614255" y="1470998"/>
-            <a:ext cx="1187183" cy="165744"/>
-          </a:xfrm>
-          <a:prstGeom prst="rightArrow">
-            <a:avLst/>
-          </a:prstGeom>
-        </p:spPr>
-        <p:style>
-          <a:lnRef idx="2">
-            <a:schemeClr val="accent1">
-              <a:shade val="50000"/>
-            </a:schemeClr>
-          </a:lnRef>
-          <a:fillRef idx="1">
-            <a:schemeClr val="accent1"/>
-          </a:fillRef>
-          <a:effectRef idx="0">
-            <a:schemeClr val="accent1"/>
-          </a:effectRef>
-          <a:fontRef idx="minor">
-            <a:schemeClr val="lt1"/>
-          </a:fontRef>
-        </p:style>
-        <p:txBody>
-          <a:bodyPr rtlCol="0" anchor="ctr"/>
-          <a:lstStyle/>
-          <a:p>
-            <a:pPr algn="ctr"/>
-            <a:endParaRPr lang="en-US"/>
-          </a:p>
-        </p:txBody>
-      </p:sp>
-      <p:sp>
-        <p:nvSpPr>
-          <p:cNvPr id="11" name="Arrow: Right 10">
-            <a:extLst>
-              <a:ext uri="{FF2B5EF4-FFF2-40B4-BE49-F238E27FC236}">
-                <a16:creationId xmlns:a16="http://schemas.microsoft.com/office/drawing/2014/main" id="{EBDE5BA6-3090-4F2B-B2EB-8474EC6E3C43}"/>
-              </a:ext>
-            </a:extLst>
-          </p:cNvPr>
-          <p:cNvSpPr/>
-          <p:nvPr/>
-        </p:nvSpPr>
-        <p:spPr>
-          <a:xfrm>
-            <a:off x="7404826" y="1346579"/>
-            <a:ext cx="1020084" cy="145783"/>
-          </a:xfrm>
-          <a:prstGeom prst="rightArrow">
-            <a:avLst/>
-          </a:prstGeom>
-        </p:spPr>
-        <p:style>
-          <a:lnRef idx="2">
-            <a:schemeClr val="accent1">
-              <a:shade val="50000"/>
-            </a:schemeClr>
-          </a:lnRef>
-          <a:fillRef idx="1">
-            <a:schemeClr val="accent1"/>
-          </a:fillRef>
-          <a:effectRef idx="0">
-            <a:schemeClr val="accent1"/>
-          </a:effectRef>
-          <a:fontRef idx="minor">
-            <a:schemeClr val="lt1"/>
-          </a:fontRef>
-        </p:style>
-        <p:txBody>
-          <a:bodyPr rtlCol="0" anchor="ctr"/>
-          <a:lstStyle/>
-          <a:p>
-            <a:pPr algn="ctr"/>
-            <a:endParaRPr lang="en-US"/>
-          </a:p>
-        </p:txBody>
-      </p:sp>
-      <p:sp>
-        <p:nvSpPr>
-          <p:cNvPr id="12" name="Arrow: Right 11">
-            <a:extLst>
-              <a:ext uri="{FF2B5EF4-FFF2-40B4-BE49-F238E27FC236}">
-                <a16:creationId xmlns:a16="http://schemas.microsoft.com/office/drawing/2014/main" id="{C82662ED-C54A-46B7-9475-9121795BF95B}"/>
-              </a:ext>
-            </a:extLst>
-          </p:cNvPr>
-          <p:cNvSpPr/>
-          <p:nvPr/>
-        </p:nvSpPr>
-        <p:spPr>
-          <a:xfrm rot="5400000">
-            <a:off x="9914861" y="3070179"/>
-            <a:ext cx="1002539" cy="190060"/>
-          </a:xfrm>
-          <a:prstGeom prst="rightArrow">
-            <a:avLst/>
-          </a:prstGeom>
-        </p:spPr>
-        <p:style>
-          <a:lnRef idx="2">
-            <a:schemeClr val="accent1">
-              <a:shade val="50000"/>
-            </a:schemeClr>
-          </a:lnRef>
-          <a:fillRef idx="1">
-            <a:schemeClr val="accent1"/>
-          </a:fillRef>
-          <a:effectRef idx="0">
-            <a:schemeClr val="accent1"/>
-          </a:effectRef>
-          <a:fontRef idx="minor">
-            <a:schemeClr val="lt1"/>
-          </a:fontRef>
-        </p:style>
-        <p:txBody>
-          <a:bodyPr rtlCol="0" anchor="ctr"/>
-          <a:lstStyle/>
-          <a:p>
-            <a:pPr algn="ctr"/>
-            <a:endParaRPr lang="en-US"/>
-          </a:p>
-        </p:txBody>
-      </p:sp>
-      <p:sp>
-        <p:nvSpPr>
-          <p:cNvPr id="13" name="Arrow: Right 12">
-            <a:extLst>
-              <a:ext uri="{FF2B5EF4-FFF2-40B4-BE49-F238E27FC236}">
-                <a16:creationId xmlns:a16="http://schemas.microsoft.com/office/drawing/2014/main" id="{4AEAA93E-C3F3-40CF-9AD3-7CE3D02C7A22}"/>
-              </a:ext>
-            </a:extLst>
-          </p:cNvPr>
-          <p:cNvSpPr/>
-          <p:nvPr/>
-        </p:nvSpPr>
-        <p:spPr>
-          <a:xfrm rot="10800000">
-            <a:off x="8329155" y="4848717"/>
-            <a:ext cx="1098929" cy="184921"/>
-          </a:xfrm>
-          <a:prstGeom prst="rightArrow">
-            <a:avLst/>
-          </a:prstGeom>
-        </p:spPr>
-        <p:style>
-          <a:lnRef idx="2">
-            <a:schemeClr val="accent1">
-              <a:shade val="50000"/>
-            </a:schemeClr>
-          </a:lnRef>
-          <a:fillRef idx="1">
-            <a:schemeClr val="accent1"/>
-          </a:fillRef>
-          <a:effectRef idx="0">
-            <a:schemeClr val="accent1"/>
-          </a:effectRef>
-          <a:fontRef idx="minor">
-            <a:schemeClr val="lt1"/>
-          </a:fontRef>
-        </p:style>
-        <p:txBody>
-          <a:bodyPr rtlCol="0" anchor="ctr"/>
-          <a:lstStyle/>
-          <a:p>
-            <a:pPr algn="ctr"/>
-            <a:endParaRPr lang="en-US"/>
-          </a:p>
-        </p:txBody>
-      </p:sp>
-      <p:sp>
-        <p:nvSpPr>
-          <p:cNvPr id="14" name="TextBox 13">
-            <a:extLst>
-              <a:ext uri="{FF2B5EF4-FFF2-40B4-BE49-F238E27FC236}">
-                <a16:creationId xmlns:a16="http://schemas.microsoft.com/office/drawing/2014/main" id="{054AABD3-284A-4AAC-899F-1A61B278E346}"/>
-              </a:ext>
-            </a:extLst>
-          </p:cNvPr>
-          <p:cNvSpPr txBox="1"/>
-          <p:nvPr/>
-        </p:nvSpPr>
-        <p:spPr>
-          <a:xfrm>
-            <a:off x="1979700" y="1636741"/>
-            <a:ext cx="2895600" cy="461665"/>
-          </a:xfrm>
-          <a:prstGeom prst="rect">
-            <a:avLst/>
-          </a:prstGeom>
-          <a:noFill/>
-        </p:spPr>
-        <p:txBody>
-          <a:bodyPr wrap="square" rtlCol="0">
-            <a:spAutoFit/>
-          </a:bodyPr>
-          <a:lstStyle/>
-          <a:p>
-            <a:r>
-              <a:rPr lang="en-US" sz="2400"/>
-              <a:t>QR Code is Scanned</a:t>
-            </a:r>
-          </a:p>
-        </p:txBody>
-      </p:sp>
-      <p:sp>
-        <p:nvSpPr>
-          <p:cNvPr id="15" name="TextBox 14">
-            <a:extLst>
-              <a:ext uri="{FF2B5EF4-FFF2-40B4-BE49-F238E27FC236}">
-                <a16:creationId xmlns:a16="http://schemas.microsoft.com/office/drawing/2014/main" id="{5FC009E6-5ED3-4DCE-BD62-3E9E1B05853F}"/>
-              </a:ext>
-            </a:extLst>
-          </p:cNvPr>
-          <p:cNvSpPr txBox="1"/>
-          <p:nvPr/>
-        </p:nvSpPr>
-        <p:spPr>
-          <a:xfrm>
-            <a:off x="6893927" y="1479390"/>
-            <a:ext cx="2895600" cy="461665"/>
-          </a:xfrm>
-          <a:prstGeom prst="rect">
-            <a:avLst/>
-          </a:prstGeom>
-          <a:noFill/>
-        </p:spPr>
-        <p:txBody>
-          <a:bodyPr wrap="square" rtlCol="0">
-            <a:spAutoFit/>
-          </a:bodyPr>
-          <a:lstStyle/>
-          <a:p>
-            <a:r>
-              <a:rPr lang="en-US" sz="2400"/>
-              <a:t>Access Granted</a:t>
-            </a:r>
-          </a:p>
-        </p:txBody>
-      </p:sp>
-      <p:sp>
-        <p:nvSpPr>
-          <p:cNvPr id="16" name="TextBox 15">
-            <a:extLst>
-              <a:ext uri="{FF2B5EF4-FFF2-40B4-BE49-F238E27FC236}">
-                <a16:creationId xmlns:a16="http://schemas.microsoft.com/office/drawing/2014/main" id="{0CA1B279-3D19-4B72-BD2D-C8B31985AF44}"/>
-              </a:ext>
-            </a:extLst>
-          </p:cNvPr>
-          <p:cNvSpPr txBox="1"/>
-          <p:nvPr/>
-        </p:nvSpPr>
-        <p:spPr>
-          <a:xfrm>
-            <a:off x="7457941" y="2928152"/>
-            <a:ext cx="2895600" cy="461665"/>
-          </a:xfrm>
-          <a:prstGeom prst="rect">
-            <a:avLst/>
-          </a:prstGeom>
-          <a:noFill/>
-        </p:spPr>
-        <p:txBody>
-          <a:bodyPr wrap="square" rtlCol="0">
-            <a:spAutoFit/>
-          </a:bodyPr>
-          <a:lstStyle/>
-          <a:p>
-            <a:r>
-              <a:rPr lang="en-US" sz="2400"/>
-              <a:t>ECG wave is detected</a:t>
-            </a:r>
-          </a:p>
-        </p:txBody>
-      </p:sp>
-      <p:sp>
-        <p:nvSpPr>
-          <p:cNvPr id="17" name="TextBox 16">
-            <a:extLst>
-              <a:ext uri="{FF2B5EF4-FFF2-40B4-BE49-F238E27FC236}">
-                <a16:creationId xmlns:a16="http://schemas.microsoft.com/office/drawing/2014/main" id="{B86EB294-945B-45F4-B366-6F962417C70F}"/>
-              </a:ext>
-            </a:extLst>
-          </p:cNvPr>
-          <p:cNvSpPr txBox="1"/>
-          <p:nvPr/>
-        </p:nvSpPr>
-        <p:spPr>
-          <a:xfrm>
-            <a:off x="9458658" y="5704578"/>
-            <a:ext cx="2097701" cy="830997"/>
-          </a:xfrm>
-          <a:prstGeom prst="rect">
-            <a:avLst/>
-          </a:prstGeom>
-          <a:noFill/>
-        </p:spPr>
-        <p:txBody>
-          <a:bodyPr wrap="square" rtlCol="0">
-            <a:spAutoFit/>
-          </a:bodyPr>
-          <a:lstStyle/>
-          <a:p>
-            <a:r>
-              <a:rPr lang="en-US" sz="2400"/>
-              <a:t>Heart wave Authentication</a:t>
-            </a:r>
-          </a:p>
-        </p:txBody>
-      </p:sp>
-      <p:sp>
-        <p:nvSpPr>
-          <p:cNvPr id="18" name="TextBox 17">
-            <a:extLst>
-              <a:ext uri="{FF2B5EF4-FFF2-40B4-BE49-F238E27FC236}">
-                <a16:creationId xmlns:a16="http://schemas.microsoft.com/office/drawing/2014/main" id="{CF8EC136-852F-4534-8127-B31D745F0FC3}"/>
-              </a:ext>
-            </a:extLst>
-          </p:cNvPr>
-          <p:cNvSpPr txBox="1"/>
-          <p:nvPr/>
-        </p:nvSpPr>
-        <p:spPr>
-          <a:xfrm>
-            <a:off x="7726269" y="4315648"/>
-            <a:ext cx="2295426" cy="461665"/>
-          </a:xfrm>
-          <a:prstGeom prst="rect">
-            <a:avLst/>
-          </a:prstGeom>
-          <a:noFill/>
-        </p:spPr>
-        <p:txBody>
-          <a:bodyPr wrap="square" rtlCol="0">
-            <a:spAutoFit/>
-          </a:bodyPr>
-          <a:lstStyle/>
-          <a:p>
-            <a:r>
-              <a:rPr lang="en-US" sz="2400"/>
-              <a:t>Access Granted</a:t>
-            </a:r>
-          </a:p>
-        </p:txBody>
-      </p:sp>
-      <p:sp>
-        <p:nvSpPr>
-          <p:cNvPr id="19" name="TextBox 18">
-            <a:extLst>
-              <a:ext uri="{FF2B5EF4-FFF2-40B4-BE49-F238E27FC236}">
-                <a16:creationId xmlns:a16="http://schemas.microsoft.com/office/drawing/2014/main" id="{C4F7BAF0-2701-49AC-9067-156576971D70}"/>
-              </a:ext>
-            </a:extLst>
-          </p:cNvPr>
-          <p:cNvSpPr txBox="1"/>
-          <p:nvPr/>
-        </p:nvSpPr>
-        <p:spPr>
-          <a:xfrm>
-            <a:off x="5925879" y="6027003"/>
-            <a:ext cx="2318998" cy="830997"/>
-          </a:xfrm>
-          <a:prstGeom prst="rect">
-            <a:avLst/>
-          </a:prstGeom>
-          <a:noFill/>
-        </p:spPr>
-        <p:txBody>
-          <a:bodyPr wrap="square" rtlCol="0">
-            <a:spAutoFit/>
-          </a:bodyPr>
-          <a:lstStyle/>
-          <a:p>
-            <a:r>
-              <a:rPr lang="en-US" sz="2400"/>
-              <a:t>Services</a:t>
-            </a:r>
-          </a:p>
-          <a:p>
-            <a:endParaRPr lang="en-US" sz="2400"/>
-          </a:p>
-        </p:txBody>
-      </p:sp>
-      <p:pic>
-        <p:nvPicPr>
-          <p:cNvPr id="20" name="Picture 19" descr="Icon&#10;&#10;Description automatically generated">
-            <a:extLst>
-              <a:ext uri="{FF2B5EF4-FFF2-40B4-BE49-F238E27FC236}">
-                <a16:creationId xmlns:a16="http://schemas.microsoft.com/office/drawing/2014/main" id="{5F277D91-3C8E-4C44-9A9F-F41CB1D7969D}"/>
-              </a:ext>
-            </a:extLst>
-          </p:cNvPr>
-          <p:cNvPicPr>
-            <a:picLocks noChangeAspect="1"/>
-          </p:cNvPicPr>
-          <p:nvPr/>
-        </p:nvPicPr>
-        <p:blipFill>
-          <a:blip r:embed="rId6">
-            <a:extLst>
-              <a:ext uri="{28A0092B-C50C-407E-A947-70E740481C1C}">
-                <a14:useLocalDpi xmlns:a14="http://schemas.microsoft.com/office/drawing/2010/main" val="0"/>
-              </a:ext>
-            </a:extLst>
-          </a:blip>
-          <a:stretch>
-            <a:fillRect/>
-          </a:stretch>
-        </p:blipFill>
-        <p:spPr>
-          <a:xfrm>
-            <a:off x="501118" y="927100"/>
-            <a:ext cx="1466850" cy="2501900"/>
-          </a:xfrm>
-          <a:prstGeom prst="rect">
-            <a:avLst/>
-          </a:prstGeom>
-        </p:spPr>
-      </p:pic>
-      <p:sp>
-        <p:nvSpPr>
-          <p:cNvPr id="21" name="TextBox 20">
-            <a:extLst>
-              <a:ext uri="{FF2B5EF4-FFF2-40B4-BE49-F238E27FC236}">
-                <a16:creationId xmlns:a16="http://schemas.microsoft.com/office/drawing/2014/main" id="{4F07C960-7724-40FA-A811-AFE719D47F7A}"/>
-              </a:ext>
-            </a:extLst>
-          </p:cNvPr>
-          <p:cNvSpPr txBox="1"/>
-          <p:nvPr/>
-        </p:nvSpPr>
-        <p:spPr>
-          <a:xfrm>
-            <a:off x="947493" y="3528210"/>
-            <a:ext cx="1020475" cy="461665"/>
-          </a:xfrm>
-          <a:prstGeom prst="rect">
-            <a:avLst/>
-          </a:prstGeom>
-          <a:noFill/>
-        </p:spPr>
-        <p:txBody>
-          <a:bodyPr wrap="square" rtlCol="0">
-            <a:spAutoFit/>
-          </a:bodyPr>
-          <a:lstStyle/>
-          <a:p>
-            <a:r>
-              <a:rPr lang="en-US" sz="2400"/>
-              <a:t>User</a:t>
-            </a:r>
-          </a:p>
-        </p:txBody>
-      </p:sp>
-    </p:spTree>
-    <p:extLst>
-      <p:ext uri="{BB962C8B-B14F-4D97-AF65-F5344CB8AC3E}">
-        <p14:creationId xmlns:p14="http://schemas.microsoft.com/office/powerpoint/2010/main" val="1898072782"/>
-      </p:ext>
-    </p:extLst>
-  </p:cSld>
-  <p:clrMapOvr>
-    <a:masterClrMapping/>
-  </p:clrMapOvr>
-</p:sld>
-</file>
-
 <file path=ppt/slides/slide8.xml><?xml version="1.0" encoding="utf-8"?>
 <p:sld xmlns:a="http://schemas.openxmlformats.org/drawingml/2006/main" xmlns:r="http://schemas.openxmlformats.org/officeDocument/2006/relationships" xmlns:p="http://schemas.openxmlformats.org/presentationml/2006/main">
   <p:cSld>
@@ -12513,14 +12591,9 @@
           <a:lstStyle/>
           <a:p>
             <a:r>
-              <a:rPr lang="en-US" b="1" dirty="0" err="1"/>
-              <a:t>Heartwave</a:t>
-            </a:r>
-            <a:r>
-              <a:rPr lang="en-US" b="1" dirty="0"/>
-              <a:t> Authentication using ML</a:t>
-            </a:r>
-            <a:endParaRPr lang="en-US" dirty="0"/>
+              <a:rPr lang="en-US" dirty="0"/>
+              <a:t>Methodology-1</a:t>
+            </a:r>
           </a:p>
         </p:txBody>
       </p:sp>
@@ -13159,6 +13232,15 @@
 </file>
 
 <file path=customXml/item1.xml><?xml version="1.0" encoding="utf-8"?>
+<?mso-contentType ?>
+<FormTemplates xmlns="http://schemas.microsoft.com/sharepoint/v3/contenttype/forms">
+  <Display>DocumentLibraryForm</Display>
+  <Edit>DocumentLibraryForm</Edit>
+  <New>DocumentLibraryForm</New>
+</FormTemplates>
+</file>
+
+<file path=customXml/item2.xml><?xml version="1.0" encoding="utf-8"?>
 <p:properties xmlns:p="http://schemas.microsoft.com/office/2006/metadata/properties" xmlns:xsi="http://www.w3.org/2001/XMLSchema-instance" xmlns:pc="http://schemas.microsoft.com/office/infopath/2007/PartnerControls">
   <documentManagement>
     <TaxCatchAll xmlns="c19f3564-a95e-47d5-97e3-34af000c2652" xsi:nil="true"/>
@@ -13167,15 +13249,6 @@
     </lcf76f155ced4ddcb4097134ff3c332f>
   </documentManagement>
 </p:properties>
-</file>
-
-<file path=customXml/item2.xml><?xml version="1.0" encoding="utf-8"?>
-<?mso-contentType ?>
-<FormTemplates xmlns="http://schemas.microsoft.com/sharepoint/v3/contenttype/forms">
-  <Display>DocumentLibraryForm</Display>
-  <Edit>DocumentLibraryForm</Edit>
-  <New>DocumentLibraryForm</New>
-</FormTemplates>
 </file>
 
 <file path=customXml/item3.xml><?xml version="1.0" encoding="utf-8"?>
@@ -13356,6 +13429,14 @@
 </file>
 
 <file path=customXml/itemProps1.xml><?xml version="1.0" encoding="utf-8"?>
+<ds:datastoreItem xmlns:ds="http://schemas.openxmlformats.org/officeDocument/2006/customXml" ds:itemID="{5BAD64A1-DB19-4D1F-A55E-076561A36A25}">
+  <ds:schemaRefs>
+    <ds:schemaRef ds:uri="http://schemas.microsoft.com/sharepoint/v3/contenttype/forms"/>
+  </ds:schemaRefs>
+</ds:datastoreItem>
+</file>
+
+<file path=customXml/itemProps2.xml><?xml version="1.0" encoding="utf-8"?>
 <ds:datastoreItem xmlns:ds="http://schemas.openxmlformats.org/officeDocument/2006/customXml" ds:itemID="{6A0B52BC-4B4C-4F3A-AF4E-115EF32F9439}">
   <ds:schemaRefs>
     <ds:schemaRef ds:uri="c5f1fd4d-4aaf-4baf-bfef-3f62c27f496f"/>
@@ -13368,14 +13449,6 @@
     <ds:schemaRef ds:uri="http://schemas.openxmlformats.org/package/2006/metadata/core-properties"/>
     <ds:schemaRef ds:uri="http://www.w3.org/XML/1998/namespace"/>
     <ds:schemaRef ds:uri="c19f3564-a95e-47d5-97e3-34af000c2652"/>
-  </ds:schemaRefs>
-</ds:datastoreItem>
-</file>
-
-<file path=customXml/itemProps2.xml><?xml version="1.0" encoding="utf-8"?>
-<ds:datastoreItem xmlns:ds="http://schemas.openxmlformats.org/officeDocument/2006/customXml" ds:itemID="{5BAD64A1-DB19-4D1F-A55E-076561A36A25}">
-  <ds:schemaRefs>
-    <ds:schemaRef ds:uri="http://schemas.microsoft.com/sharepoint/v3/contenttype/forms"/>
   </ds:schemaRefs>
 </ds:datastoreItem>
 </file>

--- a/Final.pptx
+++ b/Final.pptx
@@ -14,7 +14,7 @@
     <p:sldId id="342" r:id="rId8"/>
     <p:sldId id="344" r:id="rId9"/>
     <p:sldId id="380" r:id="rId10"/>
-    <p:sldId id="341" r:id="rId11"/>
+    <p:sldId id="384" r:id="rId11"/>
     <p:sldId id="365" r:id="rId12"/>
     <p:sldId id="350" r:id="rId13"/>
     <p:sldId id="366" r:id="rId14"/>
@@ -140,6 +140,7 @@
 <file path=ppt/revisionInfo.xml><?xml version="1.0" encoding="utf-8"?>
 <p1510:revInfo xmlns:a="http://schemas.openxmlformats.org/drawingml/2006/main" xmlns:r="http://schemas.openxmlformats.org/officeDocument/2006/relationships" xmlns:p1510="http://schemas.microsoft.com/office/powerpoint/2015/10/main">
   <p1510:revLst>
+    <p1510:client id="{0A0D699B-55CC-4AFF-A214-105A7F160885}" v="2" dt="2022-12-01T20:29:41.104"/>
     <p1510:client id="{97312CED-9575-4606-A328-07082E28D64F}" v="16" dt="2022-12-01T19:42:24.670"/>
   </p1510:revLst>
 </p1510:revInfo>
@@ -149,8 +150,8 @@
 <pc:chgInfo xmlns:a="http://schemas.openxmlformats.org/drawingml/2006/main" xmlns:r="http://schemas.openxmlformats.org/officeDocument/2006/relationships" xmlns:ac="http://schemas.microsoft.com/office/drawing/2013/main/command" xmlns:pc="http://schemas.microsoft.com/office/powerpoint/2013/main/command">
   <pc:docChgLst>
     <pc:chgData name="Vissapragada,Sai Tejaswee" userId="ac5152bd-e08b-42ef-87f5-6857be20e85f" providerId="ADAL" clId="{0A0D699B-55CC-4AFF-A214-105A7F160885}"/>
-    <pc:docChg chg="undo custSel delSld modSld sldOrd">
-      <pc:chgData name="Vissapragada,Sai Tejaswee" userId="ac5152bd-e08b-42ef-87f5-6857be20e85f" providerId="ADAL" clId="{0A0D699B-55CC-4AFF-A214-105A7F160885}" dt="2022-12-01T20:15:07.947" v="109" actId="5793"/>
+    <pc:docChg chg="undo custSel addSld delSld modSld sldOrd">
+      <pc:chgData name="Vissapragada,Sai Tejaswee" userId="ac5152bd-e08b-42ef-87f5-6857be20e85f" providerId="ADAL" clId="{0A0D699B-55CC-4AFF-A214-105A7F160885}" dt="2022-12-01T20:37:40.781" v="289" actId="20577"/>
       <pc:docMkLst>
         <pc:docMk/>
       </pc:docMkLst>
@@ -184,14 +185,14 @@
           </ac:spMkLst>
         </pc:spChg>
       </pc:sldChg>
-      <pc:sldChg chg="modSp mod">
-        <pc:chgData name="Vissapragada,Sai Tejaswee" userId="ac5152bd-e08b-42ef-87f5-6857be20e85f" providerId="ADAL" clId="{0A0D699B-55CC-4AFF-A214-105A7F160885}" dt="2022-12-01T19:48:44.808" v="4" actId="20577"/>
+      <pc:sldChg chg="modSp del mod">
+        <pc:chgData name="Vissapragada,Sai Tejaswee" userId="ac5152bd-e08b-42ef-87f5-6857be20e85f" providerId="ADAL" clId="{0A0D699B-55CC-4AFF-A214-105A7F160885}" dt="2022-12-01T20:22:22.865" v="196" actId="2696"/>
         <pc:sldMkLst>
           <pc:docMk/>
           <pc:sldMk cId="2442537970" sldId="341"/>
         </pc:sldMkLst>
         <pc:spChg chg="mod">
-          <ac:chgData name="Vissapragada,Sai Tejaswee" userId="ac5152bd-e08b-42ef-87f5-6857be20e85f" providerId="ADAL" clId="{0A0D699B-55CC-4AFF-A214-105A7F160885}" dt="2022-12-01T19:48:44.808" v="4" actId="20577"/>
+          <ac:chgData name="Vissapragada,Sai Tejaswee" userId="ac5152bd-e08b-42ef-87f5-6857be20e85f" providerId="ADAL" clId="{0A0D699B-55CC-4AFF-A214-105A7F160885}" dt="2022-12-01T20:17:20.436" v="117" actId="20577"/>
           <ac:spMkLst>
             <pc:docMk/>
             <pc:sldMk cId="2442537970" sldId="341"/>
@@ -199,12 +200,20 @@
           </ac:spMkLst>
         </pc:spChg>
       </pc:sldChg>
-      <pc:sldChg chg="ord">
-        <pc:chgData name="Vissapragada,Sai Tejaswee" userId="ac5152bd-e08b-42ef-87f5-6857be20e85f" providerId="ADAL" clId="{0A0D699B-55CC-4AFF-A214-105A7F160885}" dt="2022-12-01T20:14:16.993" v="108"/>
+      <pc:sldChg chg="modSp mod ord">
+        <pc:chgData name="Vissapragada,Sai Tejaswee" userId="ac5152bd-e08b-42ef-87f5-6857be20e85f" providerId="ADAL" clId="{0A0D699B-55CC-4AFF-A214-105A7F160885}" dt="2022-12-01T20:20:50.659" v="133"/>
         <pc:sldMkLst>
           <pc:docMk/>
           <pc:sldMk cId="1898072782" sldId="344"/>
         </pc:sldMkLst>
+        <pc:spChg chg="mod">
+          <ac:chgData name="Vissapragada,Sai Tejaswee" userId="ac5152bd-e08b-42ef-87f5-6857be20e85f" providerId="ADAL" clId="{0A0D699B-55CC-4AFF-A214-105A7F160885}" dt="2022-12-01T20:20:31.909" v="131" actId="20577"/>
+          <ac:spMkLst>
+            <pc:docMk/>
+            <pc:sldMk cId="1898072782" sldId="344"/>
+            <ac:spMk id="2" creationId="{B68093B9-6981-40EC-9AFD-1A8DBA15D2B3}"/>
+          </ac:spMkLst>
+        </pc:spChg>
       </pc:sldChg>
       <pc:sldChg chg="modSp mod ord">
         <pc:chgData name="Vissapragada,Sai Tejaswee" userId="ac5152bd-e08b-42ef-87f5-6857be20e85f" providerId="ADAL" clId="{0A0D699B-55CC-4AFF-A214-105A7F160885}" dt="2022-12-01T20:13:19.280" v="97" actId="20577"/>
@@ -251,6 +260,29 @@
           <pc:sldMk cId="3416718736" sldId="354"/>
         </pc:sldMkLst>
       </pc:sldChg>
+      <pc:sldChg chg="delSp modSp mod">
+        <pc:chgData name="Vissapragada,Sai Tejaswee" userId="ac5152bd-e08b-42ef-87f5-6857be20e85f" providerId="ADAL" clId="{0A0D699B-55CC-4AFF-A214-105A7F160885}" dt="2022-12-01T20:28:34.516" v="219" actId="255"/>
+        <pc:sldMkLst>
+          <pc:docMk/>
+          <pc:sldMk cId="1841957312" sldId="357"/>
+        </pc:sldMkLst>
+        <pc:spChg chg="mod">
+          <ac:chgData name="Vissapragada,Sai Tejaswee" userId="ac5152bd-e08b-42ef-87f5-6857be20e85f" providerId="ADAL" clId="{0A0D699B-55CC-4AFF-A214-105A7F160885}" dt="2022-12-01T20:28:34.516" v="219" actId="255"/>
+          <ac:spMkLst>
+            <pc:docMk/>
+            <pc:sldMk cId="1841957312" sldId="357"/>
+            <ac:spMk id="12" creationId="{BB996AEA-9FBE-72E5-C476-17768B360348}"/>
+          </ac:spMkLst>
+        </pc:spChg>
+        <pc:picChg chg="del">
+          <ac:chgData name="Vissapragada,Sai Tejaswee" userId="ac5152bd-e08b-42ef-87f5-6857be20e85f" providerId="ADAL" clId="{0A0D699B-55CC-4AFF-A214-105A7F160885}" dt="2022-12-01T20:28:10.099" v="217" actId="478"/>
+          <ac:picMkLst>
+            <pc:docMk/>
+            <pc:sldMk cId="1841957312" sldId="357"/>
+            <ac:picMk id="7" creationId="{7DBD2287-80E0-BD50-7016-F3398A68F619}"/>
+          </ac:picMkLst>
+        </pc:picChg>
+      </pc:sldChg>
       <pc:sldChg chg="modSp mod">
         <pc:chgData name="Vissapragada,Sai Tejaswee" userId="ac5152bd-e08b-42ef-87f5-6857be20e85f" providerId="ADAL" clId="{0A0D699B-55CC-4AFF-A214-105A7F160885}" dt="2022-12-01T20:15:07.947" v="109" actId="5793"/>
         <pc:sldMkLst>
@@ -274,18 +306,73 @@
           </ac:spMkLst>
         </pc:spChg>
       </pc:sldChg>
-      <pc:sldChg chg="modSp mod">
-        <pc:chgData name="Vissapragada,Sai Tejaswee" userId="ac5152bd-e08b-42ef-87f5-6857be20e85f" providerId="ADAL" clId="{0A0D699B-55CC-4AFF-A214-105A7F160885}" dt="2022-12-01T19:48:37.383" v="0" actId="20577"/>
+      <pc:sldChg chg="addSp delSp modSp mod ord">
+        <pc:chgData name="Vissapragada,Sai Tejaswee" userId="ac5152bd-e08b-42ef-87f5-6857be20e85f" providerId="ADAL" clId="{0A0D699B-55CC-4AFF-A214-105A7F160885}" dt="2022-12-01T20:37:34.314" v="285" actId="20577"/>
         <pc:sldMkLst>
           <pc:docMk/>
           <pc:sldMk cId="1719887273" sldId="380"/>
         </pc:sldMkLst>
         <pc:spChg chg="mod">
-          <ac:chgData name="Vissapragada,Sai Tejaswee" userId="ac5152bd-e08b-42ef-87f5-6857be20e85f" providerId="ADAL" clId="{0A0D699B-55CC-4AFF-A214-105A7F160885}" dt="2022-12-01T19:48:37.383" v="0" actId="20577"/>
+          <ac:chgData name="Vissapragada,Sai Tejaswee" userId="ac5152bd-e08b-42ef-87f5-6857be20e85f" providerId="ADAL" clId="{0A0D699B-55CC-4AFF-A214-105A7F160885}" dt="2022-12-01T20:37:34.314" v="285" actId="20577"/>
           <ac:spMkLst>
             <pc:docMk/>
             <pc:sldMk cId="1719887273" sldId="380"/>
             <ac:spMk id="2" creationId="{4163873F-2445-771F-7C3C-DB4B51C24BCA}"/>
+          </ac:spMkLst>
+        </pc:spChg>
+        <pc:spChg chg="mod">
+          <ac:chgData name="Vissapragada,Sai Tejaswee" userId="ac5152bd-e08b-42ef-87f5-6857be20e85f" providerId="ADAL" clId="{0A0D699B-55CC-4AFF-A214-105A7F160885}" dt="2022-12-01T20:30:00.819" v="261" actId="27636"/>
+          <ac:spMkLst>
+            <pc:docMk/>
+            <pc:sldMk cId="1719887273" sldId="380"/>
+            <ac:spMk id="3" creationId="{1CF5E8F7-4059-9C97-B4AC-DFD78B0E433C}"/>
+          </ac:spMkLst>
+        </pc:spChg>
+        <pc:spChg chg="add del mod">
+          <ac:chgData name="Vissapragada,Sai Tejaswee" userId="ac5152bd-e08b-42ef-87f5-6857be20e85f" providerId="ADAL" clId="{0A0D699B-55CC-4AFF-A214-105A7F160885}" dt="2022-12-01T20:29:54.736" v="259" actId="478"/>
+          <ac:spMkLst>
+            <pc:docMk/>
+            <pc:sldMk cId="1719887273" sldId="380"/>
+            <ac:spMk id="4" creationId="{B2B9A24A-BE61-3892-9C89-A4BB0513332B}"/>
+          </ac:spMkLst>
+        </pc:spChg>
+      </pc:sldChg>
+      <pc:sldChg chg="addSp delSp modSp new mod">
+        <pc:chgData name="Vissapragada,Sai Tejaswee" userId="ac5152bd-e08b-42ef-87f5-6857be20e85f" providerId="ADAL" clId="{0A0D699B-55CC-4AFF-A214-105A7F160885}" dt="2022-12-01T20:37:40.781" v="289" actId="20577"/>
+        <pc:sldMkLst>
+          <pc:docMk/>
+          <pc:sldMk cId="2324754390" sldId="384"/>
+        </pc:sldMkLst>
+        <pc:spChg chg="mod">
+          <ac:chgData name="Vissapragada,Sai Tejaswee" userId="ac5152bd-e08b-42ef-87f5-6857be20e85f" providerId="ADAL" clId="{0A0D699B-55CC-4AFF-A214-105A7F160885}" dt="2022-12-01T20:37:40.781" v="289" actId="20577"/>
+          <ac:spMkLst>
+            <pc:docMk/>
+            <pc:sldMk cId="2324754390" sldId="384"/>
+            <ac:spMk id="2" creationId="{FA9363E6-3336-46B7-5825-764ADA0FDCCD}"/>
+          </ac:spMkLst>
+        </pc:spChg>
+        <pc:spChg chg="del">
+          <ac:chgData name="Vissapragada,Sai Tejaswee" userId="ac5152bd-e08b-42ef-87f5-6857be20e85f" providerId="ADAL" clId="{0A0D699B-55CC-4AFF-A214-105A7F160885}" dt="2022-12-01T20:29:21.572" v="254" actId="478"/>
+          <ac:spMkLst>
+            <pc:docMk/>
+            <pc:sldMk cId="2324754390" sldId="384"/>
+            <ac:spMk id="3" creationId="{5C73FA2A-A25E-2859-D874-1193610D54BE}"/>
+          </ac:spMkLst>
+        </pc:spChg>
+        <pc:spChg chg="add del">
+          <ac:chgData name="Vissapragada,Sai Tejaswee" userId="ac5152bd-e08b-42ef-87f5-6857be20e85f" providerId="ADAL" clId="{0A0D699B-55CC-4AFF-A214-105A7F160885}" dt="2022-12-01T20:29:33.649" v="256" actId="22"/>
+          <ac:spMkLst>
+            <pc:docMk/>
+            <pc:sldMk cId="2324754390" sldId="384"/>
+            <ac:spMk id="5" creationId="{E84FD6A5-BF42-1325-D6ED-B45DE2BE2E10}"/>
+          </ac:spMkLst>
+        </pc:spChg>
+        <pc:spChg chg="add mod">
+          <ac:chgData name="Vissapragada,Sai Tejaswee" userId="ac5152bd-e08b-42ef-87f5-6857be20e85f" providerId="ADAL" clId="{0A0D699B-55CC-4AFF-A214-105A7F160885}" dt="2022-12-01T20:29:45.042" v="258" actId="14100"/>
+          <ac:spMkLst>
+            <pc:docMk/>
+            <pc:sldMk cId="2324754390" sldId="384"/>
+            <ac:spMk id="6" creationId="{D03F8E00-63C9-20BA-6290-A4257033F3F2}"/>
           </ac:spMkLst>
         </pc:spChg>
       </pc:sldChg>
@@ -644,90 +731,6 @@
 </file>
 
 <file path=ppt/notesSlides/notesSlide1.xml><?xml version="1.0" encoding="utf-8"?>
-<p:notes xmlns:a="http://schemas.openxmlformats.org/drawingml/2006/main" xmlns:r="http://schemas.openxmlformats.org/officeDocument/2006/relationships" xmlns:p="http://schemas.openxmlformats.org/presentationml/2006/main">
-  <p:cSld>
-    <p:spTree>
-      <p:nvGrpSpPr>
-        <p:cNvPr id="1" name=""/>
-        <p:cNvGrpSpPr/>
-        <p:nvPr/>
-      </p:nvGrpSpPr>
-      <p:grpSpPr>
-        <a:xfrm>
-          <a:off x="0" y="0"/>
-          <a:ext cx="0" cy="0"/>
-          <a:chOff x="0" y="0"/>
-          <a:chExt cx="0" cy="0"/>
-        </a:xfrm>
-      </p:grpSpPr>
-      <p:sp>
-        <p:nvSpPr>
-          <p:cNvPr id="2" name="Slide Image Placeholder 1"/>
-          <p:cNvSpPr>
-            <a:spLocks noGrp="1" noRot="1" noChangeAspect="1"/>
-          </p:cNvSpPr>
-          <p:nvPr>
-            <p:ph type="sldImg"/>
-          </p:nvPr>
-        </p:nvSpPr>
-        <p:spPr/>
-      </p:sp>
-      <p:sp>
-        <p:nvSpPr>
-          <p:cNvPr id="3" name="Notes Placeholder 2"/>
-          <p:cNvSpPr>
-            <a:spLocks noGrp="1"/>
-          </p:cNvSpPr>
-          <p:nvPr>
-            <p:ph type="body" idx="1"/>
-          </p:nvPr>
-        </p:nvSpPr>
-        <p:spPr/>
-        <p:txBody>
-          <a:bodyPr/>
-          <a:lstStyle/>
-          <a:p>
-            <a:endParaRPr lang="en-US" dirty="0"/>
-          </a:p>
-        </p:txBody>
-      </p:sp>
-      <p:sp>
-        <p:nvSpPr>
-          <p:cNvPr id="4" name="Slide Number Placeholder 3"/>
-          <p:cNvSpPr>
-            <a:spLocks noGrp="1"/>
-          </p:cNvSpPr>
-          <p:nvPr>
-            <p:ph type="sldNum" sz="quarter" idx="5"/>
-          </p:nvPr>
-        </p:nvSpPr>
-        <p:spPr/>
-        <p:txBody>
-          <a:bodyPr/>
-          <a:lstStyle/>
-          <a:p>
-            <a:fld id="{EDC17F1F-E773-4BAF-8FCE-005674C8D8EE}" type="slidenum">
-              <a:rPr lang="en-US" smtClean="0"/>
-              <a:t>7</a:t>
-            </a:fld>
-            <a:endParaRPr lang="en-US"/>
-          </a:p>
-        </p:txBody>
-      </p:sp>
-    </p:spTree>
-    <p:extLst>
-      <p:ext uri="{BB962C8B-B14F-4D97-AF65-F5344CB8AC3E}">
-        <p14:creationId xmlns:p14="http://schemas.microsoft.com/office/powerpoint/2010/main" val="122208535"/>
-      </p:ext>
-    </p:extLst>
-  </p:cSld>
-  <p:clrMapOvr>
-    <a:masterClrMapping/>
-  </p:clrMapOvr>
-</p:notes>
-</file>
-
-<file path=ppt/notesSlides/notesSlide2.xml><?xml version="1.0" encoding="utf-8"?>
 <p:notes xmlns:a="http://schemas.openxmlformats.org/drawingml/2006/main" xmlns:r="http://schemas.openxmlformats.org/officeDocument/2006/relationships" xmlns:p="http://schemas.openxmlformats.org/presentationml/2006/main">
   <p:cSld>
     <p:spTree>
@@ -10388,42 +10391,6 @@
           </a:p>
         </p:txBody>
       </p:sp>
-      <p:pic>
-        <p:nvPicPr>
-          <p:cNvPr id="7" name="Picture 6" descr="Diagram&#10;&#10;Description automatically generated">
-            <a:extLst>
-              <a:ext uri="{FF2B5EF4-FFF2-40B4-BE49-F238E27FC236}">
-                <a16:creationId xmlns:a16="http://schemas.microsoft.com/office/drawing/2014/main" id="{7DBD2287-80E0-BD50-7016-F3398A68F619}"/>
-              </a:ext>
-            </a:extLst>
-          </p:cNvPr>
-          <p:cNvPicPr>
-            <a:picLocks noChangeAspect="1"/>
-          </p:cNvPicPr>
-          <p:nvPr/>
-        </p:nvPicPr>
-        <p:blipFill>
-          <a:blip r:embed="rId2">
-            <a:extLst>
-              <a:ext uri="{28A0092B-C50C-407E-A947-70E740481C1C}">
-                <a14:useLocalDpi xmlns:a14="http://schemas.microsoft.com/office/drawing/2010/main" val="0"/>
-              </a:ext>
-            </a:extLst>
-          </a:blip>
-          <a:stretch>
-            <a:fillRect/>
-          </a:stretch>
-        </p:blipFill>
-        <p:spPr>
-          <a:xfrm>
-            <a:off x="6200077" y="1458845"/>
-            <a:ext cx="4114800" cy="3940309"/>
-          </a:xfrm>
-          <a:prstGeom prst="rect">
-            <a:avLst/>
-          </a:prstGeom>
-        </p:spPr>
-      </p:pic>
       <p:sp>
         <p:nvSpPr>
           <p:cNvPr id="12" name="TextBox 11">
@@ -10438,8 +10405,8 @@
         </p:nvSpPr>
         <p:spPr>
           <a:xfrm>
-            <a:off x="838200" y="1806498"/>
-            <a:ext cx="5027341" cy="3139321"/>
+            <a:off x="838200" y="1806499"/>
+            <a:ext cx="10848278" cy="2677656"/>
           </a:xfrm>
           <a:prstGeom prst="rect">
             <a:avLst/>
@@ -10457,7 +10424,7 @@
               <a:buChar char="•"/>
             </a:pPr>
             <a:r>
-              <a:rPr lang="en-US" dirty="0"/>
+              <a:rPr lang="en-US" sz="2400" dirty="0"/>
               <a:t>It is remarkable how, by and large, users are still burdened by numerous passwords, which have been used for access control since the earliest days of computing.</a:t>
             </a:r>
           </a:p>
@@ -10467,7 +10434,7 @@
               <a:buChar char="•"/>
             </a:pPr>
             <a:r>
-              <a:rPr lang="en-US" dirty="0"/>
+              <a:rPr lang="en-US" sz="2400" dirty="0"/>
               <a:t> There has been a recent shift of interest towards the field of biometric authentication, which proves the identity of the user using their biological characteristics.</a:t>
             </a:r>
           </a:p>
@@ -10477,7 +10444,7 @@
               <a:buChar char="•"/>
             </a:pPr>
             <a:r>
-              <a:rPr lang="en-US" dirty="0"/>
+              <a:rPr lang="en-US" sz="2400" dirty="0"/>
               <a:t>Past research has shown that ECG is unique to each individual and thus could potentially be used for authentication.</a:t>
             </a:r>
           </a:p>
@@ -11023,7 +10990,7 @@
           <a:p>
             <a:r>
               <a:rPr lang="en-US" b="1" dirty="0"/>
-              <a:t>Proposed System</a:t>
+              <a:t>Proposed Solution</a:t>
             </a:r>
           </a:p>
         </p:txBody>
@@ -11693,7 +11660,7 @@
           <a:p>
             <a:r>
               <a:rPr lang="en-US" b="1" dirty="0"/>
-              <a:t>Why QR Code Authentication</a:t>
+              <a:t>Why QR Code </a:t>
             </a:r>
           </a:p>
         </p:txBody>
@@ -11714,9 +11681,16 @@
             <p:ph idx="1"/>
           </p:nvPr>
         </p:nvSpPr>
-        <p:spPr/>
-        <p:txBody>
-          <a:bodyPr/>
+        <p:spPr>
+          <a:xfrm>
+            <a:off x="838200" y="1825625"/>
+            <a:ext cx="10515600" cy="4463663"/>
+          </a:xfrm>
+        </p:spPr>
+        <p:txBody>
+          <a:bodyPr>
+            <a:normAutofit/>
+          </a:bodyPr>
           <a:lstStyle/>
           <a:p>
             <a:pPr algn="l" fontAlgn="base">
@@ -11814,14 +11788,6 @@
 <file path=ppt/slides/slide7.xml><?xml version="1.0" encoding="utf-8"?>
 <p:sld xmlns:a="http://schemas.openxmlformats.org/drawingml/2006/main" xmlns:r="http://schemas.openxmlformats.org/officeDocument/2006/relationships" xmlns:p="http://schemas.openxmlformats.org/presentationml/2006/main">
   <p:cSld>
-    <p:bg>
-      <p:bgPr>
-        <a:solidFill>
-          <a:schemeClr val="bg1"/>
-        </a:solidFill>
-        <a:effectLst/>
-      </p:bgPr>
-    </p:bg>
     <p:spTree>
       <p:nvGrpSpPr>
         <p:cNvPr id="1" name=""/>
@@ -11836,72 +11802,12 @@
           <a:chExt cx="0" cy="0"/>
         </a:xfrm>
       </p:grpSpPr>
-      <p:sp useBgFill="1">
-        <p:nvSpPr>
-          <p:cNvPr id="30" name="Rectangle 32">
+      <p:sp>
+        <p:nvSpPr>
+          <p:cNvPr id="2" name="Title 1">
             <a:extLst>
               <a:ext uri="{FF2B5EF4-FFF2-40B4-BE49-F238E27FC236}">
-                <a16:creationId xmlns:a16="http://schemas.microsoft.com/office/drawing/2014/main" id="{743AA782-23D1-4521-8CAD-47662984AA08}"/>
-              </a:ext>
-              <a:ext uri="{C183D7F6-B498-43B3-948B-1728B52AA6E4}">
-                <adec:decorative xmlns:adec="http://schemas.microsoft.com/office/drawing/2017/decorative" val="1"/>
-              </a:ext>
-            </a:extLst>
-          </p:cNvPr>
-          <p:cNvSpPr>
-            <a:spLocks noGrp="1" noRot="1" noChangeAspect="1" noMove="1" noResize="1" noEditPoints="1" noAdjustHandles="1" noChangeArrowheads="1" noChangeShapeType="1" noTextEdit="1"/>
-          </p:cNvSpPr>
-          <p:nvPr>
-            <p:extLst>
-              <p:ext uri="{386F3935-93C4-4BCD-93E2-E3B085C9AB24}">
-                <p16:designElem xmlns:p16="http://schemas.microsoft.com/office/powerpoint/2015/main" val="1"/>
-              </p:ext>
-            </p:extLst>
-          </p:nvPr>
-        </p:nvSpPr>
-        <p:spPr>
-          <a:xfrm>
-            <a:off x="0" y="0"/>
-            <a:ext cx="12192000" cy="6858000"/>
-          </a:xfrm>
-          <a:prstGeom prst="rect">
-            <a:avLst/>
-          </a:prstGeom>
-          <a:ln>
-            <a:noFill/>
-          </a:ln>
-        </p:spPr>
-        <p:style>
-          <a:lnRef idx="2">
-            <a:schemeClr val="accent1">
-              <a:shade val="50000"/>
-            </a:schemeClr>
-          </a:lnRef>
-          <a:fillRef idx="1">
-            <a:schemeClr val="accent1"/>
-          </a:fillRef>
-          <a:effectRef idx="0">
-            <a:schemeClr val="accent1"/>
-          </a:effectRef>
-          <a:fontRef idx="minor">
-            <a:schemeClr val="lt1"/>
-          </a:fontRef>
-        </p:style>
-        <p:txBody>
-          <a:bodyPr rtlCol="0" anchor="ctr"/>
-          <a:lstStyle/>
-          <a:p>
-            <a:pPr algn="ctr"/>
-            <a:endParaRPr lang="en-US"/>
-          </a:p>
-        </p:txBody>
-      </p:sp>
-      <p:sp>
-        <p:nvSpPr>
-          <p:cNvPr id="2" name="Title 1">
-            <a:extLst>
-              <a:ext uri="{FF2B5EF4-FFF2-40B4-BE49-F238E27FC236}">
-                <a16:creationId xmlns:a16="http://schemas.microsoft.com/office/drawing/2014/main" id="{A03556A8-306D-4AAD-A818-C5F7CD7DCAA6}"/>
+                <a16:creationId xmlns:a16="http://schemas.microsoft.com/office/drawing/2014/main" id="{FA9363E6-3336-46B7-5825-764ADA0FDCCD}"/>
               </a:ext>
             </a:extLst>
           </p:cNvPr>
@@ -11912,372 +11818,248 @@
             <p:ph type="title"/>
           </p:nvPr>
         </p:nvSpPr>
+        <p:spPr/>
+        <p:txBody>
+          <a:bodyPr/>
+          <a:lstStyle/>
+          <a:p>
+            <a:r>
+              <a:rPr lang="en-US" b="1" dirty="0"/>
+              <a:t>Why </a:t>
+            </a:r>
+            <a:r>
+              <a:rPr lang="en-US" b="1" dirty="0" err="1"/>
+              <a:t>Heartwave</a:t>
+            </a:r>
+            <a:endParaRPr lang="en-US" b="1" dirty="0"/>
+          </a:p>
+        </p:txBody>
+      </p:sp>
+      <p:sp>
+        <p:nvSpPr>
+          <p:cNvPr id="6" name="Content Placeholder 27">
+            <a:extLst>
+              <a:ext uri="{FF2B5EF4-FFF2-40B4-BE49-F238E27FC236}">
+                <a16:creationId xmlns:a16="http://schemas.microsoft.com/office/drawing/2014/main" id="{D03F8E00-63C9-20BA-6290-A4257033F3F2}"/>
+              </a:ext>
+            </a:extLst>
+          </p:cNvPr>
+          <p:cNvSpPr txBox="1">
+            <a:spLocks/>
+          </p:cNvSpPr>
+          <p:nvPr/>
+        </p:nvSpPr>
         <p:spPr>
           <a:xfrm>
-            <a:off x="630936" y="640080"/>
-            <a:ext cx="4818888" cy="1481328"/>
-          </a:xfrm>
-        </p:spPr>
-        <p:txBody>
-          <a:bodyPr anchor="b">
-            <a:normAutofit/>
+            <a:off x="838200" y="1825625"/>
+            <a:ext cx="9640824" cy="3547872"/>
+          </a:xfrm>
+          <a:prstGeom prst="rect">
+            <a:avLst/>
+          </a:prstGeom>
+        </p:spPr>
+        <p:txBody>
+          <a:bodyPr vert="horz" lIns="91440" tIns="45720" rIns="91440" bIns="45720" rtlCol="0" anchor="t">
+            <a:noAutofit/>
           </a:bodyPr>
-          <a:lstStyle/>
-          <a:p>
-            <a:r>
-              <a:rPr lang="en-US" sz="5000" b="1" dirty="0"/>
-              <a:t>Why Heart Wave Authentication </a:t>
-            </a:r>
-          </a:p>
-        </p:txBody>
-      </p:sp>
-      <p:sp>
-        <p:nvSpPr>
-          <p:cNvPr id="31" name="sketch line">
-            <a:extLst>
-              <a:ext uri="{FF2B5EF4-FFF2-40B4-BE49-F238E27FC236}">
-                <a16:creationId xmlns:a16="http://schemas.microsoft.com/office/drawing/2014/main" id="{650D18FE-0824-4A46-B22C-A86B52E5780A}"/>
-              </a:ext>
-              <a:ext uri="{C183D7F6-B498-43B3-948B-1728B52AA6E4}">
-                <adec:decorative xmlns:adec="http://schemas.microsoft.com/office/drawing/2017/decorative" val="1"/>
-              </a:ext>
-            </a:extLst>
-          </p:cNvPr>
-          <p:cNvSpPr>
-            <a:spLocks noGrp="1" noRot="1" noChangeAspect="1" noMove="1" noResize="1" noEditPoints="1" noAdjustHandles="1" noChangeArrowheads="1" noChangeShapeType="1" noTextEdit="1"/>
-          </p:cNvSpPr>
-          <p:nvPr>
-            <p:extLst>
-              <p:ext uri="{386F3935-93C4-4BCD-93E2-E3B085C9AB24}">
-                <p16:designElem xmlns:p16="http://schemas.microsoft.com/office/powerpoint/2015/main" val="1"/>
-              </p:ext>
-            </p:extLst>
-          </p:nvPr>
-        </p:nvSpPr>
-        <p:spPr>
-          <a:xfrm>
-            <a:off x="643278" y="2372868"/>
-            <a:ext cx="3255095" cy="18288"/>
-          </a:xfrm>
-          <a:custGeom>
-            <a:avLst/>
-            <a:gdLst>
-              <a:gd name="connsiteX0" fmla="*/ 0 w 3255095"/>
-              <a:gd name="connsiteY0" fmla="*/ 0 h 18288"/>
-              <a:gd name="connsiteX1" fmla="*/ 618468 w 3255095"/>
-              <a:gd name="connsiteY1" fmla="*/ 0 h 18288"/>
-              <a:gd name="connsiteX2" fmla="*/ 1269487 w 3255095"/>
-              <a:gd name="connsiteY2" fmla="*/ 0 h 18288"/>
-              <a:gd name="connsiteX3" fmla="*/ 1953057 w 3255095"/>
-              <a:gd name="connsiteY3" fmla="*/ 0 h 18288"/>
-              <a:gd name="connsiteX4" fmla="*/ 2636627 w 3255095"/>
-              <a:gd name="connsiteY4" fmla="*/ 0 h 18288"/>
-              <a:gd name="connsiteX5" fmla="*/ 3255095 w 3255095"/>
-              <a:gd name="connsiteY5" fmla="*/ 0 h 18288"/>
-              <a:gd name="connsiteX6" fmla="*/ 3255095 w 3255095"/>
-              <a:gd name="connsiteY6" fmla="*/ 18288 h 18288"/>
-              <a:gd name="connsiteX7" fmla="*/ 2538974 w 3255095"/>
-              <a:gd name="connsiteY7" fmla="*/ 18288 h 18288"/>
-              <a:gd name="connsiteX8" fmla="*/ 1822853 w 3255095"/>
-              <a:gd name="connsiteY8" fmla="*/ 18288 h 18288"/>
-              <a:gd name="connsiteX9" fmla="*/ 1171834 w 3255095"/>
-              <a:gd name="connsiteY9" fmla="*/ 18288 h 18288"/>
-              <a:gd name="connsiteX10" fmla="*/ 0 w 3255095"/>
-              <a:gd name="connsiteY10" fmla="*/ 18288 h 18288"/>
-              <a:gd name="connsiteX11" fmla="*/ 0 w 3255095"/>
-              <a:gd name="connsiteY11" fmla="*/ 0 h 18288"/>
-            </a:gdLst>
-            <a:ahLst/>
-            <a:cxnLst>
-              <a:cxn ang="0">
-                <a:pos x="connsiteX0" y="connsiteY0"/>
-              </a:cxn>
-              <a:cxn ang="0">
-                <a:pos x="connsiteX1" y="connsiteY1"/>
-              </a:cxn>
-              <a:cxn ang="0">
-                <a:pos x="connsiteX2" y="connsiteY2"/>
-              </a:cxn>
-              <a:cxn ang="0">
-                <a:pos x="connsiteX3" y="connsiteY3"/>
-              </a:cxn>
-              <a:cxn ang="0">
-                <a:pos x="connsiteX4" y="connsiteY4"/>
-              </a:cxn>
-              <a:cxn ang="0">
-                <a:pos x="connsiteX5" y="connsiteY5"/>
-              </a:cxn>
-              <a:cxn ang="0">
-                <a:pos x="connsiteX6" y="connsiteY6"/>
-              </a:cxn>
-              <a:cxn ang="0">
-                <a:pos x="connsiteX7" y="connsiteY7"/>
-              </a:cxn>
-              <a:cxn ang="0">
-                <a:pos x="connsiteX8" y="connsiteY8"/>
-              </a:cxn>
-              <a:cxn ang="0">
-                <a:pos x="connsiteX9" y="connsiteY9"/>
-              </a:cxn>
-              <a:cxn ang="0">
-                <a:pos x="connsiteX10" y="connsiteY10"/>
-              </a:cxn>
-              <a:cxn ang="0">
-                <a:pos x="connsiteX11" y="connsiteY11"/>
-              </a:cxn>
-            </a:cxnLst>
-            <a:rect l="l" t="t" r="r" b="b"/>
-            <a:pathLst>
-              <a:path w="3255095" h="18288" fill="none" extrusionOk="0">
-                <a:moveTo>
-                  <a:pt x="0" y="0"/>
-                </a:moveTo>
-                <a:cubicBezTo>
-                  <a:pt x="240201" y="-22123"/>
-                  <a:pt x="462021" y="-19623"/>
-                  <a:pt x="618468" y="0"/>
-                </a:cubicBezTo>
-                <a:cubicBezTo>
-                  <a:pt x="774915" y="19623"/>
-                  <a:pt x="974734" y="2035"/>
-                  <a:pt x="1269487" y="0"/>
-                </a:cubicBezTo>
-                <a:cubicBezTo>
-                  <a:pt x="1564240" y="-2035"/>
-                  <a:pt x="1733579" y="10639"/>
-                  <a:pt x="1953057" y="0"/>
-                </a:cubicBezTo>
-                <a:cubicBezTo>
-                  <a:pt x="2172535" y="-10639"/>
-                  <a:pt x="2453962" y="14018"/>
-                  <a:pt x="2636627" y="0"/>
-                </a:cubicBezTo>
-                <a:cubicBezTo>
-                  <a:pt x="2819292" y="-14018"/>
-                  <a:pt x="3121375" y="5399"/>
-                  <a:pt x="3255095" y="0"/>
-                </a:cubicBezTo>
-                <a:cubicBezTo>
-                  <a:pt x="3254386" y="8157"/>
-                  <a:pt x="3254682" y="12125"/>
-                  <a:pt x="3255095" y="18288"/>
-                </a:cubicBezTo>
-                <a:cubicBezTo>
-                  <a:pt x="3088545" y="23203"/>
-                  <a:pt x="2687475" y="7419"/>
-                  <a:pt x="2538974" y="18288"/>
-                </a:cubicBezTo>
-                <a:cubicBezTo>
-                  <a:pt x="2390473" y="29157"/>
-                  <a:pt x="2137381" y="-8959"/>
-                  <a:pt x="1822853" y="18288"/>
-                </a:cubicBezTo>
-                <a:cubicBezTo>
-                  <a:pt x="1508325" y="45535"/>
-                  <a:pt x="1466437" y="20385"/>
-                  <a:pt x="1171834" y="18288"/>
-                </a:cubicBezTo>
-                <a:cubicBezTo>
-                  <a:pt x="877231" y="16191"/>
-                  <a:pt x="561097" y="37643"/>
-                  <a:pt x="0" y="18288"/>
-                </a:cubicBezTo>
-                <a:cubicBezTo>
-                  <a:pt x="-46" y="12483"/>
-                  <a:pt x="-203" y="6491"/>
-                  <a:pt x="0" y="0"/>
-                </a:cubicBezTo>
-                <a:close/>
-              </a:path>
-              <a:path w="3255095" h="18288" stroke="0" extrusionOk="0">
-                <a:moveTo>
-                  <a:pt x="0" y="0"/>
-                </a:moveTo>
-                <a:cubicBezTo>
-                  <a:pt x="291965" y="19429"/>
-                  <a:pt x="363155" y="8568"/>
-                  <a:pt x="618468" y="0"/>
-                </a:cubicBezTo>
-                <a:cubicBezTo>
-                  <a:pt x="873781" y="-8568"/>
-                  <a:pt x="904459" y="-19505"/>
-                  <a:pt x="1171834" y="0"/>
-                </a:cubicBezTo>
-                <a:cubicBezTo>
-                  <a:pt x="1439209" y="19505"/>
-                  <a:pt x="1744369" y="9790"/>
-                  <a:pt x="1887955" y="0"/>
-                </a:cubicBezTo>
-                <a:cubicBezTo>
-                  <a:pt x="2031541" y="-9790"/>
-                  <a:pt x="2346378" y="21240"/>
-                  <a:pt x="2506423" y="0"/>
-                </a:cubicBezTo>
-                <a:cubicBezTo>
-                  <a:pt x="2666468" y="-21240"/>
-                  <a:pt x="2990257" y="30414"/>
-                  <a:pt x="3255095" y="0"/>
-                </a:cubicBezTo>
-                <a:cubicBezTo>
-                  <a:pt x="3254831" y="4493"/>
-                  <a:pt x="3255479" y="9472"/>
-                  <a:pt x="3255095" y="18288"/>
-                </a:cubicBezTo>
-                <a:cubicBezTo>
-                  <a:pt x="3120743" y="16690"/>
-                  <a:pt x="2759628" y="42462"/>
-                  <a:pt x="2604076" y="18288"/>
-                </a:cubicBezTo>
-                <a:cubicBezTo>
-                  <a:pt x="2448524" y="-5886"/>
-                  <a:pt x="2184336" y="19599"/>
-                  <a:pt x="1887955" y="18288"/>
-                </a:cubicBezTo>
-                <a:cubicBezTo>
-                  <a:pt x="1591574" y="16977"/>
-                  <a:pt x="1548845" y="6870"/>
-                  <a:pt x="1334589" y="18288"/>
-                </a:cubicBezTo>
-                <a:cubicBezTo>
-                  <a:pt x="1120333" y="29706"/>
-                  <a:pt x="996014" y="9662"/>
-                  <a:pt x="683570" y="18288"/>
-                </a:cubicBezTo>
-                <a:cubicBezTo>
-                  <a:pt x="371126" y="26914"/>
-                  <a:pt x="198687" y="16167"/>
-                  <a:pt x="0" y="18288"/>
-                </a:cubicBezTo>
-                <a:cubicBezTo>
-                  <a:pt x="843" y="9577"/>
-                  <a:pt x="371" y="6900"/>
-                  <a:pt x="0" y="0"/>
-                </a:cubicBezTo>
-                <a:close/>
-              </a:path>
-            </a:pathLst>
-          </a:custGeom>
-          <a:solidFill>
-            <a:schemeClr val="accent2"/>
-          </a:solidFill>
-          <a:ln w="38100" cap="rnd">
-            <a:solidFill>
-              <a:schemeClr val="accent2"/>
-            </a:solidFill>
-            <a:round/>
-            <a:extLst>
-              <a:ext uri="{C807C97D-BFC1-408E-A445-0C87EB9F89A2}">
-                <ask:lineSketchStyleProps xmlns:ask="http://schemas.microsoft.com/office/drawing/2018/sketchyshapes" sd="1219033472">
-                  <a:prstGeom prst="rect">
-                    <a:avLst/>
-                  </a:prstGeom>
-                  <ask:type>
-                    <ask:lineSketchFreehand/>
-                  </ask:type>
-                </ask:lineSketchStyleProps>
-              </a:ext>
-            </a:extLst>
-          </a:ln>
-        </p:spPr>
-        <p:style>
-          <a:lnRef idx="2">
-            <a:schemeClr val="accent1">
-              <a:shade val="50000"/>
-            </a:schemeClr>
-          </a:lnRef>
-          <a:fillRef idx="1">
-            <a:schemeClr val="accent1"/>
-          </a:fillRef>
-          <a:effectRef idx="0">
-            <a:schemeClr val="accent1"/>
-          </a:effectRef>
-          <a:fontRef idx="minor">
-            <a:schemeClr val="lt1"/>
-          </a:fontRef>
-        </p:style>
-        <p:txBody>
-          <a:bodyPr rtlCol="0" anchor="ctr"/>
-          <a:lstStyle/>
-          <a:p>
-            <a:pPr algn="ctr"/>
-            <a:endParaRPr lang="en-US"/>
-          </a:p>
-        </p:txBody>
-      </p:sp>
-      <p:sp>
-        <p:nvSpPr>
-          <p:cNvPr id="28" name="Content Placeholder 27">
-            <a:extLst>
-              <a:ext uri="{FF2B5EF4-FFF2-40B4-BE49-F238E27FC236}">
-                <a16:creationId xmlns:a16="http://schemas.microsoft.com/office/drawing/2014/main" id="{5625D5E9-34CA-4D00-BCB5-EB2CB1EDEA0D}"/>
-              </a:ext>
-            </a:extLst>
-          </p:cNvPr>
-          <p:cNvSpPr>
-            <a:spLocks noGrp="1"/>
-          </p:cNvSpPr>
-          <p:nvPr>
-            <p:ph idx="1"/>
-          </p:nvPr>
-        </p:nvSpPr>
-        <p:spPr>
-          <a:xfrm>
-            <a:off x="630936" y="2660904"/>
-            <a:ext cx="4818888" cy="3547872"/>
-          </a:xfrm>
-        </p:spPr>
-        <p:txBody>
-          <a:bodyPr vert="horz" lIns="91440" tIns="45720" rIns="91440" bIns="45720" rtlCol="0" anchor="t">
-            <a:normAutofit/>
-          </a:bodyPr>
-          <a:lstStyle/>
-          <a:p>
-            <a:r>
-              <a:rPr lang="en-US" sz="2200">
+          <a:lstStyle>
+            <a:lvl1pPr marL="228600" indent="-228600" algn="l" defTabSz="914400" rtl="0" eaLnBrk="1" latinLnBrk="0" hangingPunct="1">
+              <a:lnSpc>
+                <a:spcPct val="90000"/>
+              </a:lnSpc>
+              <a:spcBef>
+                <a:spcPts val="1000"/>
+              </a:spcBef>
+              <a:buFont typeface="Arial" panose="020B0604020202020204" pitchFamily="34" charset="0"/>
+              <a:buChar char="•"/>
+              <a:defRPr sz="2800" kern="1200">
+                <a:solidFill>
+                  <a:schemeClr val="tx1"/>
+                </a:solidFill>
+                <a:latin typeface="+mn-lt"/>
+                <a:ea typeface="+mn-ea"/>
+                <a:cs typeface="+mn-cs"/>
+              </a:defRPr>
+            </a:lvl1pPr>
+            <a:lvl2pPr marL="685800" indent="-228600" algn="l" defTabSz="914400" rtl="0" eaLnBrk="1" latinLnBrk="0" hangingPunct="1">
+              <a:lnSpc>
+                <a:spcPct val="90000"/>
+              </a:lnSpc>
+              <a:spcBef>
+                <a:spcPts val="500"/>
+              </a:spcBef>
+              <a:buFont typeface="Arial" panose="020B0604020202020204" pitchFamily="34" charset="0"/>
+              <a:buChar char="•"/>
+              <a:defRPr sz="2400" kern="1200">
+                <a:solidFill>
+                  <a:schemeClr val="tx1"/>
+                </a:solidFill>
+                <a:latin typeface="+mn-lt"/>
+                <a:ea typeface="+mn-ea"/>
+                <a:cs typeface="+mn-cs"/>
+              </a:defRPr>
+            </a:lvl2pPr>
+            <a:lvl3pPr marL="1143000" indent="-228600" algn="l" defTabSz="914400" rtl="0" eaLnBrk="1" latinLnBrk="0" hangingPunct="1">
+              <a:lnSpc>
+                <a:spcPct val="90000"/>
+              </a:lnSpc>
+              <a:spcBef>
+                <a:spcPts val="500"/>
+              </a:spcBef>
+              <a:buFont typeface="Arial" panose="020B0604020202020204" pitchFamily="34" charset="0"/>
+              <a:buChar char="•"/>
+              <a:defRPr sz="2000" kern="1200">
+                <a:solidFill>
+                  <a:schemeClr val="tx1"/>
+                </a:solidFill>
+                <a:latin typeface="+mn-lt"/>
+                <a:ea typeface="+mn-ea"/>
+                <a:cs typeface="+mn-cs"/>
+              </a:defRPr>
+            </a:lvl3pPr>
+            <a:lvl4pPr marL="1600200" indent="-228600" algn="l" defTabSz="914400" rtl="0" eaLnBrk="1" latinLnBrk="0" hangingPunct="1">
+              <a:lnSpc>
+                <a:spcPct val="90000"/>
+              </a:lnSpc>
+              <a:spcBef>
+                <a:spcPts val="500"/>
+              </a:spcBef>
+              <a:buFont typeface="Arial" panose="020B0604020202020204" pitchFamily="34" charset="0"/>
+              <a:buChar char="•"/>
+              <a:defRPr sz="1800" kern="1200">
+                <a:solidFill>
+                  <a:schemeClr val="tx1"/>
+                </a:solidFill>
+                <a:latin typeface="+mn-lt"/>
+                <a:ea typeface="+mn-ea"/>
+                <a:cs typeface="+mn-cs"/>
+              </a:defRPr>
+            </a:lvl4pPr>
+            <a:lvl5pPr marL="2057400" indent="-228600" algn="l" defTabSz="914400" rtl="0" eaLnBrk="1" latinLnBrk="0" hangingPunct="1">
+              <a:lnSpc>
+                <a:spcPct val="90000"/>
+              </a:lnSpc>
+              <a:spcBef>
+                <a:spcPts val="500"/>
+              </a:spcBef>
+              <a:buFont typeface="Arial" panose="020B0604020202020204" pitchFamily="34" charset="0"/>
+              <a:buChar char="•"/>
+              <a:defRPr sz="1800" kern="1200">
+                <a:solidFill>
+                  <a:schemeClr val="tx1"/>
+                </a:solidFill>
+                <a:latin typeface="+mn-lt"/>
+                <a:ea typeface="+mn-ea"/>
+                <a:cs typeface="+mn-cs"/>
+              </a:defRPr>
+            </a:lvl5pPr>
+            <a:lvl6pPr marL="2514600" indent="-228600" algn="l" defTabSz="914400" rtl="0" eaLnBrk="1" latinLnBrk="0" hangingPunct="1">
+              <a:lnSpc>
+                <a:spcPct val="90000"/>
+              </a:lnSpc>
+              <a:spcBef>
+                <a:spcPts val="500"/>
+              </a:spcBef>
+              <a:buFont typeface="Arial" panose="020B0604020202020204" pitchFamily="34" charset="0"/>
+              <a:buChar char="•"/>
+              <a:defRPr sz="1800" kern="1200">
+                <a:solidFill>
+                  <a:schemeClr val="tx1"/>
+                </a:solidFill>
+                <a:latin typeface="+mn-lt"/>
+                <a:ea typeface="+mn-ea"/>
+                <a:cs typeface="+mn-cs"/>
+              </a:defRPr>
+            </a:lvl6pPr>
+            <a:lvl7pPr marL="2971800" indent="-228600" algn="l" defTabSz="914400" rtl="0" eaLnBrk="1" latinLnBrk="0" hangingPunct="1">
+              <a:lnSpc>
+                <a:spcPct val="90000"/>
+              </a:lnSpc>
+              <a:spcBef>
+                <a:spcPts val="500"/>
+              </a:spcBef>
+              <a:buFont typeface="Arial" panose="020B0604020202020204" pitchFamily="34" charset="0"/>
+              <a:buChar char="•"/>
+              <a:defRPr sz="1800" kern="1200">
+                <a:solidFill>
+                  <a:schemeClr val="tx1"/>
+                </a:solidFill>
+                <a:latin typeface="+mn-lt"/>
+                <a:ea typeface="+mn-ea"/>
+                <a:cs typeface="+mn-cs"/>
+              </a:defRPr>
+            </a:lvl7pPr>
+            <a:lvl8pPr marL="3429000" indent="-228600" algn="l" defTabSz="914400" rtl="0" eaLnBrk="1" latinLnBrk="0" hangingPunct="1">
+              <a:lnSpc>
+                <a:spcPct val="90000"/>
+              </a:lnSpc>
+              <a:spcBef>
+                <a:spcPts val="500"/>
+              </a:spcBef>
+              <a:buFont typeface="Arial" panose="020B0604020202020204" pitchFamily="34" charset="0"/>
+              <a:buChar char="•"/>
+              <a:defRPr sz="1800" kern="1200">
+                <a:solidFill>
+                  <a:schemeClr val="tx1"/>
+                </a:solidFill>
+                <a:latin typeface="+mn-lt"/>
+                <a:ea typeface="+mn-ea"/>
+                <a:cs typeface="+mn-cs"/>
+              </a:defRPr>
+            </a:lvl8pPr>
+            <a:lvl9pPr marL="3886200" indent="-228600" algn="l" defTabSz="914400" rtl="0" eaLnBrk="1" latinLnBrk="0" hangingPunct="1">
+              <a:lnSpc>
+                <a:spcPct val="90000"/>
+              </a:lnSpc>
+              <a:spcBef>
+                <a:spcPts val="500"/>
+              </a:spcBef>
+              <a:buFont typeface="Arial" panose="020B0604020202020204" pitchFamily="34" charset="0"/>
+              <a:buChar char="•"/>
+              <a:defRPr sz="1800" kern="1200">
+                <a:solidFill>
+                  <a:schemeClr val="tx1"/>
+                </a:solidFill>
+                <a:latin typeface="+mn-lt"/>
+                <a:ea typeface="+mn-ea"/>
+                <a:cs typeface="+mn-cs"/>
+              </a:defRPr>
+            </a:lvl9pPr>
+          </a:lstStyle>
+          <a:p>
+            <a:r>
+              <a:rPr lang="en-US" sz="2400" dirty="0">
                 <a:ea typeface="+mn-lt"/>
                 <a:cs typeface="+mn-lt"/>
               </a:rPr>
               <a:t>Non-transferrable – Everyone has a unique set of biometrics</a:t>
             </a:r>
-            <a:endParaRPr lang="en-US" sz="2200">
+            <a:endParaRPr lang="en-US" sz="2400" dirty="0">
               <a:latin typeface="Calibri"/>
               <a:cs typeface="Calibri"/>
             </a:endParaRPr>
           </a:p>
           <a:p>
             <a:r>
-              <a:rPr lang="en-US" sz="2200" i="0">
-                <a:effectLst/>
+              <a:rPr lang="en-US" sz="2400" dirty="0">
                 <a:latin typeface="Calibri"/>
                 <a:cs typeface="Calibri"/>
               </a:rPr>
               <a:t>High security and assurance – Biometric identification provides the answers to “something a person has and is” and helps verify identity</a:t>
             </a:r>
-            <a:endParaRPr lang="en-US" sz="2200">
-              <a:latin typeface="Calibri"/>
-              <a:cs typeface="Calibri"/>
-            </a:endParaRPr>
-          </a:p>
-          <a:p>
-            <a:r>
-              <a:rPr lang="en-US" sz="2200" i="0">
-                <a:effectLst/>
+          </a:p>
+          <a:p>
+            <a:r>
+              <a:rPr lang="en-US" sz="2400" dirty="0">
                 <a:latin typeface="Calibri"/>
                 <a:cs typeface="Calibri"/>
               </a:rPr>
-              <a:t>Spoof-proof – Biometrics are hard to fake or steal</a:t>
-            </a:r>
-            <a:r>
-              <a:rPr lang="en-US" sz="2200">
-                <a:latin typeface="Calibri"/>
-                <a:cs typeface="Calibri"/>
-              </a:rPr>
-              <a:t>.</a:t>
-            </a:r>
-          </a:p>
-          <a:p>
-            <a:r>
-              <a:rPr lang="en-US" sz="2200">
+              <a:t>Spoof-proof – Biometrics are hard to fake or steal.</a:t>
+            </a:r>
+          </a:p>
+          <a:p>
+            <a:r>
+              <a:rPr lang="en-US" sz="2400" dirty="0">
                 <a:latin typeface="Calibri"/>
                 <a:cs typeface="Calibri"/>
               </a:rPr>
@@ -12286,86 +12068,10 @@
           </a:p>
         </p:txBody>
       </p:sp>
-      <p:pic>
-        <p:nvPicPr>
-          <p:cNvPr id="3" name="Content Placeholder 4" descr="Diagram&#10;&#10;Description automatically generated">
-            <a:extLst>
-              <a:ext uri="{FF2B5EF4-FFF2-40B4-BE49-F238E27FC236}">
-                <a16:creationId xmlns:a16="http://schemas.microsoft.com/office/drawing/2014/main" id="{096DF17D-9E11-213A-86EA-E9D8EF89D4C4}"/>
-              </a:ext>
-            </a:extLst>
-          </p:cNvPr>
-          <p:cNvPicPr>
-            <a:picLocks noChangeAspect="1"/>
-          </p:cNvPicPr>
-          <p:nvPr/>
-        </p:nvPicPr>
-        <p:blipFill>
-          <a:blip r:embed="rId3">
-            <a:extLst>
-              <a:ext uri="{28A0092B-C50C-407E-A947-70E740481C1C}">
-                <a14:useLocalDpi xmlns:a14="http://schemas.microsoft.com/office/drawing/2010/main" val="0"/>
-              </a:ext>
-            </a:extLst>
-          </a:blip>
-          <a:stretch>
-            <a:fillRect/>
-          </a:stretch>
-        </p:blipFill>
-        <p:spPr>
-          <a:xfrm>
-            <a:off x="5449824" y="1688954"/>
-            <a:ext cx="5458968" cy="3480092"/>
-          </a:xfrm>
-          <a:prstGeom prst="rect">
-            <a:avLst/>
-          </a:prstGeom>
-        </p:spPr>
-      </p:pic>
-      <p:sp>
-        <p:nvSpPr>
-          <p:cNvPr id="4" name="TextBox 3">
-            <a:extLst>
-              <a:ext uri="{FF2B5EF4-FFF2-40B4-BE49-F238E27FC236}">
-                <a16:creationId xmlns:a16="http://schemas.microsoft.com/office/drawing/2014/main" id="{0690F2C6-C732-7183-01F2-E6C8942102E9}"/>
-              </a:ext>
-            </a:extLst>
-          </p:cNvPr>
-          <p:cNvSpPr txBox="1"/>
-          <p:nvPr/>
-        </p:nvSpPr>
-        <p:spPr>
-          <a:xfrm>
-            <a:off x="6179635" y="5504245"/>
-            <a:ext cx="3031273" cy="369332"/>
-          </a:xfrm>
-          <a:prstGeom prst="rect">
-            <a:avLst/>
-          </a:prstGeom>
-          <a:noFill/>
-        </p:spPr>
-        <p:txBody>
-          <a:bodyPr wrap="square" rtlCol="0">
-            <a:spAutoFit/>
-          </a:bodyPr>
-          <a:lstStyle/>
-          <a:p>
-            <a:pPr algn="ctr">
-              <a:spcAft>
-                <a:spcPts val="600"/>
-              </a:spcAft>
-            </a:pPr>
-            <a:r>
-              <a:rPr lang="en-US" dirty="0"/>
-              <a:t>QRS Wave</a:t>
-            </a:r>
-          </a:p>
-        </p:txBody>
-      </p:sp>
     </p:spTree>
     <p:extLst>
       <p:ext uri="{BB962C8B-B14F-4D97-AF65-F5344CB8AC3E}">
-        <p14:creationId xmlns:p14="http://schemas.microsoft.com/office/powerpoint/2010/main" val="2442537970"/>
+        <p14:creationId xmlns:p14="http://schemas.microsoft.com/office/powerpoint/2010/main" val="2324754390"/>
       </p:ext>
     </p:extLst>
   </p:cSld>
@@ -13232,15 +12938,6 @@
 </file>
 
 <file path=customXml/item1.xml><?xml version="1.0" encoding="utf-8"?>
-<?mso-contentType ?>
-<FormTemplates xmlns="http://schemas.microsoft.com/sharepoint/v3/contenttype/forms">
-  <Display>DocumentLibraryForm</Display>
-  <Edit>DocumentLibraryForm</Edit>
-  <New>DocumentLibraryForm</New>
-</FormTemplates>
-</file>
-
-<file path=customXml/item2.xml><?xml version="1.0" encoding="utf-8"?>
 <p:properties xmlns:p="http://schemas.microsoft.com/office/2006/metadata/properties" xmlns:xsi="http://www.w3.org/2001/XMLSchema-instance" xmlns:pc="http://schemas.microsoft.com/office/infopath/2007/PartnerControls">
   <documentManagement>
     <TaxCatchAll xmlns="c19f3564-a95e-47d5-97e3-34af000c2652" xsi:nil="true"/>
@@ -13249,6 +12946,15 @@
     </lcf76f155ced4ddcb4097134ff3c332f>
   </documentManagement>
 </p:properties>
+</file>
+
+<file path=customXml/item2.xml><?xml version="1.0" encoding="utf-8"?>
+<?mso-contentType ?>
+<FormTemplates xmlns="http://schemas.microsoft.com/sharepoint/v3/contenttype/forms">
+  <Display>DocumentLibraryForm</Display>
+  <Edit>DocumentLibraryForm</Edit>
+  <New>DocumentLibraryForm</New>
+</FormTemplates>
 </file>
 
 <file path=customXml/item3.xml><?xml version="1.0" encoding="utf-8"?>
@@ -13429,14 +13135,6 @@
 </file>
 
 <file path=customXml/itemProps1.xml><?xml version="1.0" encoding="utf-8"?>
-<ds:datastoreItem xmlns:ds="http://schemas.openxmlformats.org/officeDocument/2006/customXml" ds:itemID="{5BAD64A1-DB19-4D1F-A55E-076561A36A25}">
-  <ds:schemaRefs>
-    <ds:schemaRef ds:uri="http://schemas.microsoft.com/sharepoint/v3/contenttype/forms"/>
-  </ds:schemaRefs>
-</ds:datastoreItem>
-</file>
-
-<file path=customXml/itemProps2.xml><?xml version="1.0" encoding="utf-8"?>
 <ds:datastoreItem xmlns:ds="http://schemas.openxmlformats.org/officeDocument/2006/customXml" ds:itemID="{6A0B52BC-4B4C-4F3A-AF4E-115EF32F9439}">
   <ds:schemaRefs>
     <ds:schemaRef ds:uri="c5f1fd4d-4aaf-4baf-bfef-3f62c27f496f"/>
@@ -13449,6 +13147,14 @@
     <ds:schemaRef ds:uri="http://schemas.openxmlformats.org/package/2006/metadata/core-properties"/>
     <ds:schemaRef ds:uri="http://www.w3.org/XML/1998/namespace"/>
     <ds:schemaRef ds:uri="c19f3564-a95e-47d5-97e3-34af000c2652"/>
+  </ds:schemaRefs>
+</ds:datastoreItem>
+</file>
+
+<file path=customXml/itemProps2.xml><?xml version="1.0" encoding="utf-8"?>
+<ds:datastoreItem xmlns:ds="http://schemas.openxmlformats.org/officeDocument/2006/customXml" ds:itemID="{5BAD64A1-DB19-4D1F-A55E-076561A36A25}">
+  <ds:schemaRefs>
+    <ds:schemaRef ds:uri="http://schemas.microsoft.com/sharepoint/v3/contenttype/forms"/>
   </ds:schemaRefs>
 </ds:datastoreItem>
 </file>
